--- a/dcvs.pptx
+++ b/dcvs.pptx
@@ -8,10 +8,10 @@
     <p:sldMasterId id="2147483794" r:id="rId4"/>
   </p:sldMasterIdLst>
   <p:notesMasterIdLst>
-    <p:notesMasterId r:id="rId28"/>
+    <p:notesMasterId r:id="rId29"/>
   </p:notesMasterIdLst>
   <p:handoutMasterIdLst>
-    <p:handoutMasterId r:id="rId29"/>
+    <p:handoutMasterId r:id="rId30"/>
   </p:handoutMasterIdLst>
   <p:sldIdLst>
     <p:sldId id="256" r:id="rId5"/>
@@ -37,6 +37,7 @@
     <p:sldId id="284" r:id="rId25"/>
     <p:sldId id="285" r:id="rId26"/>
     <p:sldId id="286" r:id="rId27"/>
+    <p:sldId id="287" r:id="rId28"/>
   </p:sldIdLst>
   <p:sldSz cx="9144000" cy="6858000" type="screen4x3"/>
   <p:notesSz cx="6858000" cy="9144000"/>
@@ -38607,6 +38608,532 @@
 </p:sld>
 </file>
 
+<file path=ppt/slides/slide24.xml><?xml version="1.0" encoding="utf-8"?>
+<p:sld xmlns:a="http://schemas.openxmlformats.org/drawingml/2006/main" xmlns:r="http://schemas.openxmlformats.org/officeDocument/2006/relationships" xmlns:p="http://schemas.openxmlformats.org/presentationml/2006/main">
+  <p:cSld>
+    <p:spTree>
+      <p:nvGrpSpPr>
+        <p:cNvPr id="1" name=""/>
+        <p:cNvGrpSpPr/>
+        <p:nvPr/>
+      </p:nvGrpSpPr>
+      <p:grpSpPr>
+        <a:xfrm>
+          <a:off x="0" y="0"/>
+          <a:ext cx="0" cy="0"/>
+          <a:chOff x="0" y="0"/>
+          <a:chExt cx="0" cy="0"/>
+        </a:xfrm>
+      </p:grpSpPr>
+      <p:sp>
+        <p:nvSpPr>
+          <p:cNvPr id="2" name="Title 1"/>
+          <p:cNvSpPr>
+            <a:spLocks noGrp="1"/>
+          </p:cNvSpPr>
+          <p:nvPr>
+            <p:ph type="title"/>
+          </p:nvPr>
+        </p:nvSpPr>
+        <p:spPr>
+          <a:xfrm>
+            <a:off x="5561460" y="1533041"/>
+            <a:ext cx="3234444" cy="990600"/>
+          </a:xfrm>
+        </p:spPr>
+        <p:txBody>
+          <a:bodyPr>
+            <a:normAutofit/>
+          </a:bodyPr>
+          <a:lstStyle/>
+          <a:p>
+            <a:r>
+              <a:rPr lang="it-IT" dirty="0" smtClean="0"/>
+              <a:t>˜</a:t>
+            </a:r>
+            <a:r>
+              <a:rPr lang="it-IT" dirty="0"/>
+              <a:t> </a:t>
+            </a:r>
+            <a:r>
+              <a:rPr lang="it-IT" dirty="0" smtClean="0"/>
+              <a:t>/calca</a:t>
+            </a:r>
+            <a:endParaRPr lang="it-IT" dirty="0"/>
+          </a:p>
+        </p:txBody>
+      </p:sp>
+      <p:pic>
+        <p:nvPicPr>
+          <p:cNvPr id="4" name="Content Placeholder 3"/>
+          <p:cNvPicPr>
+            <a:picLocks noGrp="1" noChangeAspect="1"/>
+          </p:cNvPicPr>
+          <p:nvPr>
+            <p:ph idx="1"/>
+          </p:nvPr>
+        </p:nvPicPr>
+        <p:blipFill>
+          <a:blip r:embed="rId2">
+            <a:extLst>
+              <a:ext uri="{28A0092B-C50C-407E-A947-70E740481C1C}">
+                <a14:useLocalDpi xmlns:a14="http://schemas.microsoft.com/office/drawing/2010/main" val="0"/>
+              </a:ext>
+            </a:extLst>
+          </a:blip>
+          <a:stretch>
+            <a:fillRect/>
+          </a:stretch>
+        </p:blipFill>
+        <p:spPr>
+          <a:xfrm>
+            <a:off x="575556" y="1528352"/>
+            <a:ext cx="4876800" cy="4876800"/>
+          </a:xfrm>
+        </p:spPr>
+      </p:pic>
+      <p:pic>
+        <p:nvPicPr>
+          <p:cNvPr id="15362" name="Picture 2" descr="D:\Gianluigi_Calcaterra\Download\socialIcons\delicious_32.png"/>
+          <p:cNvPicPr>
+            <a:picLocks noChangeAspect="1" noChangeArrowheads="1"/>
+          </p:cNvPicPr>
+          <p:nvPr/>
+        </p:nvPicPr>
+        <p:blipFill>
+          <a:blip r:embed="rId3">
+            <a:extLst>
+              <a:ext uri="{28A0092B-C50C-407E-A947-70E740481C1C}">
+                <a14:useLocalDpi xmlns:a14="http://schemas.microsoft.com/office/drawing/2010/main" val="0"/>
+              </a:ext>
+            </a:extLst>
+          </a:blip>
+          <a:srcRect/>
+          <a:stretch>
+            <a:fillRect/>
+          </a:stretch>
+        </p:blipFill>
+        <p:spPr bwMode="auto">
+          <a:xfrm>
+            <a:off x="7257176" y="5965168"/>
+            <a:ext cx="406400" cy="406400"/>
+          </a:xfrm>
+          <a:prstGeom prst="rect">
+            <a:avLst/>
+          </a:prstGeom>
+          <a:noFill/>
+          <a:extLst>
+            <a:ext uri="{909E8E84-426E-40DD-AFC4-6F175D3DCCD1}">
+              <a14:hiddenFill xmlns:a14="http://schemas.microsoft.com/office/drawing/2010/main">
+                <a:solidFill>
+                  <a:srgbClr xmlns:mc="http://schemas.openxmlformats.org/markup-compatibility/2006" val="FFFFFF" mc:Ignorable=""/>
+                </a:solidFill>
+              </a14:hiddenFill>
+            </a:ext>
+          </a:extLst>
+        </p:spPr>
+      </p:pic>
+      <p:pic>
+        <p:nvPicPr>
+          <p:cNvPr id="15363" name="Picture 3" descr="D:\Gianluigi_Calcaterra\Download\socialIcons\email_32.png"/>
+          <p:cNvPicPr>
+            <a:picLocks noChangeAspect="1" noChangeArrowheads="1"/>
+          </p:cNvPicPr>
+          <p:nvPr/>
+        </p:nvPicPr>
+        <p:blipFill>
+          <a:blip r:embed="rId4">
+            <a:extLst>
+              <a:ext uri="{28A0092B-C50C-407E-A947-70E740481C1C}">
+                <a14:useLocalDpi xmlns:a14="http://schemas.microsoft.com/office/drawing/2010/main" val="0"/>
+              </a:ext>
+            </a:extLst>
+          </a:blip>
+          <a:srcRect/>
+          <a:stretch>
+            <a:fillRect/>
+          </a:stretch>
+        </p:blipFill>
+        <p:spPr bwMode="auto">
+          <a:xfrm>
+            <a:off x="5715620" y="4541689"/>
+            <a:ext cx="406400" cy="406400"/>
+          </a:xfrm>
+          <a:prstGeom prst="rect">
+            <a:avLst/>
+          </a:prstGeom>
+          <a:noFill/>
+          <a:extLst>
+            <a:ext uri="{909E8E84-426E-40DD-AFC4-6F175D3DCCD1}">
+              <a14:hiddenFill xmlns:a14="http://schemas.microsoft.com/office/drawing/2010/main">
+                <a:solidFill>
+                  <a:srgbClr xmlns:mc="http://schemas.openxmlformats.org/markup-compatibility/2006" val="FFFFFF" mc:Ignorable=""/>
+                </a:solidFill>
+              </a14:hiddenFill>
+            </a:ext>
+          </a:extLst>
+        </p:spPr>
+      </p:pic>
+      <p:pic>
+        <p:nvPicPr>
+          <p:cNvPr id="15364" name="Picture 4" descr="D:\Gianluigi_Calcaterra\Download\socialIcons\facebook_32.png"/>
+          <p:cNvPicPr>
+            <a:picLocks noChangeAspect="1" noChangeArrowheads="1"/>
+          </p:cNvPicPr>
+          <p:nvPr/>
+        </p:nvPicPr>
+        <p:blipFill>
+          <a:blip r:embed="rId5">
+            <a:extLst>
+              <a:ext uri="{28A0092B-C50C-407E-A947-70E740481C1C}">
+                <a14:useLocalDpi xmlns:a14="http://schemas.microsoft.com/office/drawing/2010/main" val="0"/>
+              </a:ext>
+            </a:extLst>
+          </a:blip>
+          <a:srcRect/>
+          <a:stretch>
+            <a:fillRect/>
+          </a:stretch>
+        </p:blipFill>
+        <p:spPr bwMode="auto">
+          <a:xfrm>
+            <a:off x="6218816" y="5965168"/>
+            <a:ext cx="406400" cy="406400"/>
+          </a:xfrm>
+          <a:prstGeom prst="rect">
+            <a:avLst/>
+          </a:prstGeom>
+          <a:noFill/>
+          <a:extLst>
+            <a:ext uri="{909E8E84-426E-40DD-AFC4-6F175D3DCCD1}">
+              <a14:hiddenFill xmlns:a14="http://schemas.microsoft.com/office/drawing/2010/main">
+                <a:solidFill>
+                  <a:srgbClr xmlns:mc="http://schemas.openxmlformats.org/markup-compatibility/2006" val="FFFFFF" mc:Ignorable=""/>
+                </a:solidFill>
+              </a14:hiddenFill>
+            </a:ext>
+          </a:extLst>
+        </p:spPr>
+      </p:pic>
+      <p:pic>
+        <p:nvPicPr>
+          <p:cNvPr id="15365" name="Picture 5" descr="D:\Gianluigi_Calcaterra\Download\socialIcons\flickr_32.png"/>
+          <p:cNvPicPr>
+            <a:picLocks noChangeAspect="1" noChangeArrowheads="1"/>
+          </p:cNvPicPr>
+          <p:nvPr/>
+        </p:nvPicPr>
+        <p:blipFill>
+          <a:blip r:embed="rId6">
+            <a:extLst>
+              <a:ext uri="{28A0092B-C50C-407E-A947-70E740481C1C}">
+                <a14:useLocalDpi xmlns:a14="http://schemas.microsoft.com/office/drawing/2010/main" val="0"/>
+              </a:ext>
+            </a:extLst>
+          </a:blip>
+          <a:srcRect/>
+          <a:stretch>
+            <a:fillRect/>
+          </a:stretch>
+        </p:blipFill>
+        <p:spPr bwMode="auto">
+          <a:xfrm>
+            <a:off x="5715620" y="5965168"/>
+            <a:ext cx="406400" cy="406400"/>
+          </a:xfrm>
+          <a:prstGeom prst="rect">
+            <a:avLst/>
+          </a:prstGeom>
+          <a:noFill/>
+          <a:extLst>
+            <a:ext uri="{909E8E84-426E-40DD-AFC4-6F175D3DCCD1}">
+              <a14:hiddenFill xmlns:a14="http://schemas.microsoft.com/office/drawing/2010/main">
+                <a:solidFill>
+                  <a:srgbClr xmlns:mc="http://schemas.openxmlformats.org/markup-compatibility/2006" val="FFFFFF" mc:Ignorable=""/>
+                </a:solidFill>
+              </a14:hiddenFill>
+            </a:ext>
+          </a:extLst>
+        </p:spPr>
+      </p:pic>
+      <p:pic>
+        <p:nvPicPr>
+          <p:cNvPr id="15366" name="Picture 6" descr="D:\Gianluigi_Calcaterra\Download\socialIcons\friendfeed_32.png"/>
+          <p:cNvPicPr>
+            <a:picLocks noChangeAspect="1" noChangeArrowheads="1"/>
+          </p:cNvPicPr>
+          <p:nvPr/>
+        </p:nvPicPr>
+        <p:blipFill>
+          <a:blip r:embed="rId7">
+            <a:extLst>
+              <a:ext uri="{28A0092B-C50C-407E-A947-70E740481C1C}">
+                <a14:useLocalDpi xmlns:a14="http://schemas.microsoft.com/office/drawing/2010/main" val="0"/>
+              </a:ext>
+            </a:extLst>
+          </a:blip>
+          <a:srcRect/>
+          <a:stretch>
+            <a:fillRect/>
+          </a:stretch>
+        </p:blipFill>
+        <p:spPr bwMode="auto">
+          <a:xfrm>
+            <a:off x="6737996" y="5965168"/>
+            <a:ext cx="406400" cy="406400"/>
+          </a:xfrm>
+          <a:prstGeom prst="rect">
+            <a:avLst/>
+          </a:prstGeom>
+          <a:noFill/>
+          <a:extLst>
+            <a:ext uri="{909E8E84-426E-40DD-AFC4-6F175D3DCCD1}">
+              <a14:hiddenFill xmlns:a14="http://schemas.microsoft.com/office/drawing/2010/main">
+                <a:solidFill>
+                  <a:srgbClr xmlns:mc="http://schemas.openxmlformats.org/markup-compatibility/2006" val="FFFFFF" mc:Ignorable=""/>
+                </a:solidFill>
+              </a14:hiddenFill>
+            </a:ext>
+          </a:extLst>
+        </p:spPr>
+      </p:pic>
+      <p:pic>
+        <p:nvPicPr>
+          <p:cNvPr id="15368" name="Picture 8" descr="D:\Gianluigi_Calcaterra\Download\socialIcons\linkedin_32.png"/>
+          <p:cNvPicPr>
+            <a:picLocks noChangeAspect="1" noChangeArrowheads="1"/>
+          </p:cNvPicPr>
+          <p:nvPr/>
+        </p:nvPicPr>
+        <p:blipFill>
+          <a:blip r:embed="rId8">
+            <a:extLst>
+              <a:ext uri="{28A0092B-C50C-407E-A947-70E740481C1C}">
+                <a14:useLocalDpi xmlns:a14="http://schemas.microsoft.com/office/drawing/2010/main" val="0"/>
+              </a:ext>
+            </a:extLst>
+          </a:blip>
+          <a:srcRect/>
+          <a:stretch>
+            <a:fillRect/>
+          </a:stretch>
+        </p:blipFill>
+        <p:spPr bwMode="auto">
+          <a:xfrm>
+            <a:off x="5715620" y="5490675"/>
+            <a:ext cx="406400" cy="406400"/>
+          </a:xfrm>
+          <a:prstGeom prst="rect">
+            <a:avLst/>
+          </a:prstGeom>
+          <a:noFill/>
+          <a:extLst>
+            <a:ext uri="{909E8E84-426E-40DD-AFC4-6F175D3DCCD1}">
+              <a14:hiddenFill xmlns:a14="http://schemas.microsoft.com/office/drawing/2010/main">
+                <a:solidFill>
+                  <a:srgbClr xmlns:mc="http://schemas.openxmlformats.org/markup-compatibility/2006" val="FFFFFF" mc:Ignorable=""/>
+                </a:solidFill>
+              </a14:hiddenFill>
+            </a:ext>
+          </a:extLst>
+        </p:spPr>
+      </p:pic>
+      <p:pic>
+        <p:nvPicPr>
+          <p:cNvPr id="15369" name="Picture 9" descr="D:\Gianluigi_Calcaterra\Download\socialIcons\wordpress_32.png"/>
+          <p:cNvPicPr>
+            <a:picLocks noChangeAspect="1" noChangeArrowheads="1"/>
+          </p:cNvPicPr>
+          <p:nvPr/>
+        </p:nvPicPr>
+        <p:blipFill>
+          <a:blip r:embed="rId9">
+            <a:extLst>
+              <a:ext uri="{28A0092B-C50C-407E-A947-70E740481C1C}">
+                <a14:useLocalDpi xmlns:a14="http://schemas.microsoft.com/office/drawing/2010/main" val="0"/>
+              </a:ext>
+            </a:extLst>
+          </a:blip>
+          <a:srcRect/>
+          <a:stretch>
+            <a:fillRect/>
+          </a:stretch>
+        </p:blipFill>
+        <p:spPr bwMode="auto">
+          <a:xfrm>
+            <a:off x="5715620" y="5016182"/>
+            <a:ext cx="406400" cy="406400"/>
+          </a:xfrm>
+          <a:prstGeom prst="rect">
+            <a:avLst/>
+          </a:prstGeom>
+          <a:noFill/>
+          <a:extLst>
+            <a:ext uri="{909E8E84-426E-40DD-AFC4-6F175D3DCCD1}">
+              <a14:hiddenFill xmlns:a14="http://schemas.microsoft.com/office/drawing/2010/main">
+                <a:solidFill>
+                  <a:srgbClr xmlns:mc="http://schemas.openxmlformats.org/markup-compatibility/2006" val="FFFFFF" mc:Ignorable=""/>
+                </a:solidFill>
+              </a14:hiddenFill>
+            </a:ext>
+          </a:extLst>
+        </p:spPr>
+      </p:pic>
+      <p:sp>
+        <p:nvSpPr>
+          <p:cNvPr id="5" name="TextBox 4"/>
+          <p:cNvSpPr txBox="1"/>
+          <p:nvPr/>
+        </p:nvSpPr>
+        <p:spPr>
+          <a:xfrm>
+            <a:off x="6120172" y="4597387"/>
+            <a:ext cx="2675732" cy="307777"/>
+          </a:xfrm>
+          <a:prstGeom prst="rect">
+            <a:avLst/>
+          </a:prstGeom>
+          <a:noFill/>
+        </p:spPr>
+        <p:txBody>
+          <a:bodyPr wrap="none" rtlCol="0">
+            <a:spAutoFit/>
+          </a:bodyPr>
+          <a:lstStyle/>
+          <a:p>
+            <a:r>
+              <a:rPr lang="it-IT" sz="1400" dirty="0"/>
+              <a:t>g</a:t>
+            </a:r>
+            <a:r>
+              <a:rPr lang="it-IT" sz="1400" dirty="0" smtClean="0"/>
+              <a:t>ianluigi.calcaterra@gmail.com</a:t>
+            </a:r>
+            <a:endParaRPr lang="it-IT" sz="1400" dirty="0"/>
+          </a:p>
+        </p:txBody>
+      </p:sp>
+      <p:sp>
+        <p:nvSpPr>
+          <p:cNvPr id="15" name="TextBox 14"/>
+          <p:cNvSpPr txBox="1"/>
+          <p:nvPr/>
+        </p:nvSpPr>
+        <p:spPr>
+          <a:xfrm>
+            <a:off x="6185188" y="5049180"/>
+            <a:ext cx="1308371" cy="307777"/>
+          </a:xfrm>
+          <a:prstGeom prst="rect">
+            <a:avLst/>
+          </a:prstGeom>
+          <a:noFill/>
+        </p:spPr>
+        <p:txBody>
+          <a:bodyPr wrap="none" rtlCol="0">
+            <a:spAutoFit/>
+          </a:bodyPr>
+          <a:lstStyle/>
+          <a:p>
+            <a:r>
+              <a:rPr lang="it-IT" sz="1400" dirty="0" smtClean="0"/>
+              <a:t>blog.duea.info</a:t>
+            </a:r>
+            <a:endParaRPr lang="it-IT" sz="1400" dirty="0"/>
+          </a:p>
+        </p:txBody>
+      </p:sp>
+      <p:sp>
+        <p:nvSpPr>
+          <p:cNvPr id="18" name="TextBox 17"/>
+          <p:cNvSpPr txBox="1"/>
+          <p:nvPr/>
+        </p:nvSpPr>
+        <p:spPr>
+          <a:xfrm>
+            <a:off x="6185188" y="5517232"/>
+            <a:ext cx="1208985" cy="307777"/>
+          </a:xfrm>
+          <a:prstGeom prst="rect">
+            <a:avLst/>
+          </a:prstGeom>
+          <a:noFill/>
+        </p:spPr>
+        <p:txBody>
+          <a:bodyPr wrap="none" rtlCol="0">
+            <a:spAutoFit/>
+          </a:bodyPr>
+          <a:lstStyle/>
+          <a:p>
+            <a:r>
+              <a:rPr lang="it-IT" sz="1400" dirty="0" smtClean="0"/>
+              <a:t>/in/calcaterra</a:t>
+            </a:r>
+            <a:endParaRPr lang="it-IT" sz="1400" dirty="0"/>
+          </a:p>
+        </p:txBody>
+      </p:sp>
+      <p:pic>
+        <p:nvPicPr>
+          <p:cNvPr id="15371" name="Picture 11" descr="D:\Gianluigi_Calcaterra\Download\socialIcons\twitter_32.png"/>
+          <p:cNvPicPr>
+            <a:picLocks noChangeAspect="1" noChangeArrowheads="1"/>
+          </p:cNvPicPr>
+          <p:nvPr/>
+        </p:nvPicPr>
+        <p:blipFill>
+          <a:blip r:embed="rId10">
+            <a:extLst>
+              <a:ext uri="{28A0092B-C50C-407E-A947-70E740481C1C}">
+                <a14:useLocalDpi xmlns:a14="http://schemas.microsoft.com/office/drawing/2010/main" val="0"/>
+              </a:ext>
+            </a:extLst>
+          </a:blip>
+          <a:srcRect/>
+          <a:stretch>
+            <a:fillRect/>
+          </a:stretch>
+        </p:blipFill>
+        <p:spPr bwMode="auto">
+          <a:xfrm>
+            <a:off x="7776356" y="5965168"/>
+            <a:ext cx="406400" cy="406400"/>
+          </a:xfrm>
+          <a:prstGeom prst="rect">
+            <a:avLst/>
+          </a:prstGeom>
+          <a:noFill/>
+          <a:extLst>
+            <a:ext uri="{909E8E84-426E-40DD-AFC4-6F175D3DCCD1}">
+              <a14:hiddenFill xmlns:a14="http://schemas.microsoft.com/office/drawing/2010/main">
+                <a:solidFill>
+                  <a:srgbClr xmlns:mc="http://schemas.openxmlformats.org/markup-compatibility/2006" val="FFFFFF" mc:Ignorable=""/>
+                </a:solidFill>
+              </a14:hiddenFill>
+            </a:ext>
+          </a:extLst>
+        </p:spPr>
+      </p:pic>
+    </p:spTree>
+    <p:extLst>
+      <p:ext uri="{BB962C8B-B14F-4D97-AF65-F5344CB8AC3E}">
+        <p14:creationId xmlns:p14="http://schemas.microsoft.com/office/powerpoint/2010/main" val="2746672004"/>
+      </p:ext>
+    </p:extLst>
+  </p:cSld>
+  <p:clrMapOvr>
+    <a:masterClrMapping/>
+  </p:clrMapOvr>
+  <p:timing>
+    <p:tnLst>
+      <p:par>
+        <p:cTn xmlns:p14="http://schemas.microsoft.com/office/powerpoint/2010/main" id="1" dur="indefinite" restart="never" nodeType="tmRoot"/>
+      </p:par>
+    </p:tnLst>
+  </p:timing>
+</p:sld>
+</file>
+
 <file path=ppt/slides/slide3.xml><?xml version="1.0" encoding="utf-8"?>
 <p:sld xmlns:a="http://schemas.openxmlformats.org/drawingml/2006/main" xmlns:r="http://schemas.openxmlformats.org/officeDocument/2006/relationships" xmlns:p="http://schemas.openxmlformats.org/presentationml/2006/main">
   <p:cSld>

--- a/dcvs.pptx
+++ b/dcvs.pptx
@@ -4674,7 +4674,7 @@
         <a:p>
           <a:r>
             <a:rPr lang="it-IT" dirty="0" smtClean="0"/>
-            <a:t>Canoical (Ubuntu)</a:t>
+            <a:t>Canonical (Ubuntu)</a:t>
           </a:r>
           <a:endParaRPr lang="it-IT" dirty="0"/>
         </a:p>
@@ -6881,7 +6881,7 @@
           </a:pPr>
           <a:r>
             <a:rPr lang="it-IT" sz="1700" kern="1200" dirty="0" smtClean="0"/>
-            <a:t>Canoical (Ubuntu)</a:t>
+            <a:t>Canonical (Ubuntu)</a:t>
           </a:r>
           <a:endParaRPr lang="it-IT" sz="1700" kern="1200" dirty="0"/>
         </a:p>
@@ -36731,7 +36731,7 @@
           <p:nvPr>
             <p:extLst>
               <p:ext uri="{D42A27DB-BD31-4B8C-83A1-F6EECF244321}">
-                <p14:modId xmlns:p14="http://schemas.microsoft.com/office/powerpoint/2010/main" val="1439936317"/>
+                <p14:modId xmlns:p14="http://schemas.microsoft.com/office/powerpoint/2010/main" val="3656096218"/>
               </p:ext>
             </p:extLst>
           </p:nvPr>

--- a/dcvs.pptx
+++ b/dcvs.pptx
@@ -4858,6 +4858,13 @@
         </dgm:presLayoutVars>
       </dgm:prSet>
       <dgm:spPr/>
+      <dgm:t>
+        <a:bodyPr/>
+        <a:lstStyle/>
+        <a:p>
+          <a:endParaRPr lang="it-IT"/>
+        </a:p>
+      </dgm:t>
     </dgm:pt>
     <dgm:pt modelId="{144B8D02-5E88-4946-8AC2-5DD6FC44FF7F}" type="pres">
       <dgm:prSet presAssocID="{014C18C3-8E86-4F6C-9D40-08158DCAED68}" presName="pyramid" presStyleLbl="node1" presStyleIdx="0" presStyleCnt="1"/>
@@ -4874,6 +4881,13 @@
         </dgm:presLayoutVars>
       </dgm:prSet>
       <dgm:spPr/>
+      <dgm:t>
+        <a:bodyPr/>
+        <a:lstStyle/>
+        <a:p>
+          <a:endParaRPr lang="it-IT"/>
+        </a:p>
+      </dgm:t>
     </dgm:pt>
     <dgm:pt modelId="{327F07B5-C4C7-40B2-AF6B-B368BF3FF88E}" type="pres">
       <dgm:prSet presAssocID="{5C06979F-1C6C-4E21-B8EF-19AE6706F01F}" presName="aSpace" presStyleCnt="0"/>
@@ -4886,6 +4900,13 @@
         </dgm:presLayoutVars>
       </dgm:prSet>
       <dgm:spPr/>
+      <dgm:t>
+        <a:bodyPr/>
+        <a:lstStyle/>
+        <a:p>
+          <a:endParaRPr lang="it-IT"/>
+        </a:p>
+      </dgm:t>
     </dgm:pt>
     <dgm:pt modelId="{C572AF7E-BE70-4099-95D8-23EF87660AEF}" type="pres">
       <dgm:prSet presAssocID="{1B4054B1-3291-4480-A4EF-FF2BB2A9D2B4}" presName="aSpace" presStyleCnt="0"/>
@@ -4898,6 +4919,13 @@
         </dgm:presLayoutVars>
       </dgm:prSet>
       <dgm:spPr/>
+      <dgm:t>
+        <a:bodyPr/>
+        <a:lstStyle/>
+        <a:p>
+          <a:endParaRPr lang="it-IT"/>
+        </a:p>
+      </dgm:t>
     </dgm:pt>
     <dgm:pt modelId="{641DF51A-57F1-4117-A84B-AD9F1B5AE845}" type="pres">
       <dgm:prSet presAssocID="{5360C6DC-2CF4-42E3-BF98-E2D38779897E}" presName="aSpace" presStyleCnt="0"/>
@@ -4910,6 +4938,13 @@
         </dgm:presLayoutVars>
       </dgm:prSet>
       <dgm:spPr/>
+      <dgm:t>
+        <a:bodyPr/>
+        <a:lstStyle/>
+        <a:p>
+          <a:endParaRPr lang="it-IT"/>
+        </a:p>
+      </dgm:t>
     </dgm:pt>
     <dgm:pt modelId="{B2B9C2B2-EB1F-4ABC-B3D6-1A257880C4C8}" type="pres">
       <dgm:prSet presAssocID="{BA270CCD-3176-4B47-8F0D-84A40B3998B4}" presName="aSpace" presStyleCnt="0"/>
@@ -4922,6 +4957,13 @@
         </dgm:presLayoutVars>
       </dgm:prSet>
       <dgm:spPr/>
+      <dgm:t>
+        <a:bodyPr/>
+        <a:lstStyle/>
+        <a:p>
+          <a:endParaRPr lang="it-IT"/>
+        </a:p>
+      </dgm:t>
     </dgm:pt>
     <dgm:pt modelId="{8FE9A766-BE62-443B-888B-536CEE14D054}" type="pres">
       <dgm:prSet presAssocID="{E37B07C9-1343-422A-8CB1-83738CE4F637}" presName="aSpace" presStyleCnt="0"/>
@@ -4929,17 +4971,17 @@
     </dgm:pt>
   </dgm:ptLst>
   <dgm:cxnLst>
+    <dgm:cxn modelId="{1B108A55-507E-4E84-910A-D09141BFD6E8}" srcId="{014C18C3-8E86-4F6C-9D40-08158DCAED68}" destId="{5C06979F-1C6C-4E21-B8EF-19AE6706F01F}" srcOrd="0" destOrd="0" parTransId="{931FB50E-C6BB-4BEE-A8E8-6DE629DDCED9}" sibTransId="{43B3CD01-A5C5-4358-925C-50B7488604E4}"/>
     <dgm:cxn modelId="{A5C2E1E3-9CB0-4F12-B926-125861EE96CE}" type="presOf" srcId="{5360C6DC-2CF4-42E3-BF98-E2D38779897E}" destId="{D698DEB9-3161-4279-8925-0139BDA4C936}" srcOrd="0" destOrd="0" presId="urn:microsoft.com/office/officeart/2005/8/layout/pyramid2"/>
+    <dgm:cxn modelId="{FEB76DC8-4082-4F13-8E7A-87D4C7821646}" srcId="{014C18C3-8E86-4F6C-9D40-08158DCAED68}" destId="{5360C6DC-2CF4-42E3-BF98-E2D38779897E}" srcOrd="2" destOrd="0" parTransId="{CEFAE5BC-11B8-4D9E-B283-957F36EE32B8}" sibTransId="{8AAB0767-52AB-43FB-8743-3372724BD9D3}"/>
+    <dgm:cxn modelId="{114EA252-ECB6-4C24-B314-4D6A5131C8FC}" type="presOf" srcId="{5C06979F-1C6C-4E21-B8EF-19AE6706F01F}" destId="{1196F757-1896-4579-AA98-778DCB6EAD7D}" srcOrd="0" destOrd="0" presId="urn:microsoft.com/office/officeart/2005/8/layout/pyramid2"/>
     <dgm:cxn modelId="{E698DAE4-2EDF-4E6A-8311-B78B23AF8B74}" type="presOf" srcId="{E37B07C9-1343-422A-8CB1-83738CE4F637}" destId="{A1EB3197-70C8-4CE3-93A2-56B2B39CAF26}" srcOrd="0" destOrd="0" presId="urn:microsoft.com/office/officeart/2005/8/layout/pyramid2"/>
-    <dgm:cxn modelId="{87DC00C3-A8CA-415C-B6EE-BD4CB7626FB3}" srcId="{014C18C3-8E86-4F6C-9D40-08158DCAED68}" destId="{1B4054B1-3291-4480-A4EF-FF2BB2A9D2B4}" srcOrd="1" destOrd="0" parTransId="{9D8C42ED-4275-4F99-AD68-270E8C9EA3E4}" sibTransId="{37612770-1F83-4DB1-96AE-1AF6EFE39B6D}"/>
-    <dgm:cxn modelId="{114EA252-ECB6-4C24-B314-4D6A5131C8FC}" type="presOf" srcId="{5C06979F-1C6C-4E21-B8EF-19AE6706F01F}" destId="{1196F757-1896-4579-AA98-778DCB6EAD7D}" srcOrd="0" destOrd="0" presId="urn:microsoft.com/office/officeart/2005/8/layout/pyramid2"/>
-    <dgm:cxn modelId="{1B108A55-507E-4E84-910A-D09141BFD6E8}" srcId="{014C18C3-8E86-4F6C-9D40-08158DCAED68}" destId="{5C06979F-1C6C-4E21-B8EF-19AE6706F01F}" srcOrd="0" destOrd="0" parTransId="{931FB50E-C6BB-4BEE-A8E8-6DE629DDCED9}" sibTransId="{43B3CD01-A5C5-4358-925C-50B7488604E4}"/>
-    <dgm:cxn modelId="{CBC5423A-C572-4304-BA3C-94BDCF59D568}" srcId="{014C18C3-8E86-4F6C-9D40-08158DCAED68}" destId="{BA270CCD-3176-4B47-8F0D-84A40B3998B4}" srcOrd="3" destOrd="0" parTransId="{5597D3F3-ED20-4021-ABD3-B24F114C024E}" sibTransId="{C847364A-29E4-4A42-9A39-C8873861687D}"/>
-    <dgm:cxn modelId="{FEB76DC8-4082-4F13-8E7A-87D4C7821646}" srcId="{014C18C3-8E86-4F6C-9D40-08158DCAED68}" destId="{5360C6DC-2CF4-42E3-BF98-E2D38779897E}" srcOrd="2" destOrd="0" parTransId="{CEFAE5BC-11B8-4D9E-B283-957F36EE32B8}" sibTransId="{8AAB0767-52AB-43FB-8743-3372724BD9D3}"/>
     <dgm:cxn modelId="{27325E97-AAC3-4DBA-AC80-586974E6D5D5}" type="presOf" srcId="{014C18C3-8E86-4F6C-9D40-08158DCAED68}" destId="{574A2F1A-7B72-4E77-BCE0-A0802DBBAA35}" srcOrd="0" destOrd="0" presId="urn:microsoft.com/office/officeart/2005/8/layout/pyramid2"/>
+    <dgm:cxn modelId="{5EFE4142-F691-44EA-952D-ED6E7FFB94CE}" type="presOf" srcId="{1B4054B1-3291-4480-A4EF-FF2BB2A9D2B4}" destId="{205E89FA-EDB5-446F-92B7-61E91C7B7979}" srcOrd="0" destOrd="0" presId="urn:microsoft.com/office/officeart/2005/8/layout/pyramid2"/>
     <dgm:cxn modelId="{E439AEA8-39DF-4BE8-8C44-47FC91605A92}" type="presOf" srcId="{BA270CCD-3176-4B47-8F0D-84A40B3998B4}" destId="{BCFE2426-DE72-4404-A838-0FF9E4ACC8EC}" srcOrd="0" destOrd="0" presId="urn:microsoft.com/office/officeart/2005/8/layout/pyramid2"/>
     <dgm:cxn modelId="{A11D687A-A889-46C8-8D34-FE94842B64AA}" srcId="{014C18C3-8E86-4F6C-9D40-08158DCAED68}" destId="{E37B07C9-1343-422A-8CB1-83738CE4F637}" srcOrd="4" destOrd="0" parTransId="{364F4893-C1BA-4E52-8078-F086BD553429}" sibTransId="{2AC5DD1A-BA7F-44DA-B323-68DC488B4C9B}"/>
-    <dgm:cxn modelId="{5EFE4142-F691-44EA-952D-ED6E7FFB94CE}" type="presOf" srcId="{1B4054B1-3291-4480-A4EF-FF2BB2A9D2B4}" destId="{205E89FA-EDB5-446F-92B7-61E91C7B7979}" srcOrd="0" destOrd="0" presId="urn:microsoft.com/office/officeart/2005/8/layout/pyramid2"/>
+    <dgm:cxn modelId="{CBC5423A-C572-4304-BA3C-94BDCF59D568}" srcId="{014C18C3-8E86-4F6C-9D40-08158DCAED68}" destId="{BA270CCD-3176-4B47-8F0D-84A40B3998B4}" srcOrd="3" destOrd="0" parTransId="{5597D3F3-ED20-4021-ABD3-B24F114C024E}" sibTransId="{C847364A-29E4-4A42-9A39-C8873861687D}"/>
+    <dgm:cxn modelId="{87DC00C3-A8CA-415C-B6EE-BD4CB7626FB3}" srcId="{014C18C3-8E86-4F6C-9D40-08158DCAED68}" destId="{1B4054B1-3291-4480-A4EF-FF2BB2A9D2B4}" srcOrd="1" destOrd="0" parTransId="{9D8C42ED-4275-4F99-AD68-270E8C9EA3E4}" sibTransId="{37612770-1F83-4DB1-96AE-1AF6EFE39B6D}"/>
     <dgm:cxn modelId="{CF3F1123-FEE3-48CF-A7DF-A71B925447C9}" type="presParOf" srcId="{574A2F1A-7B72-4E77-BCE0-A0802DBBAA35}" destId="{144B8D02-5E88-4946-8AC2-5DD6FC44FF7F}" srcOrd="0" destOrd="0" presId="urn:microsoft.com/office/officeart/2005/8/layout/pyramid2"/>
     <dgm:cxn modelId="{8C389C3B-EC5B-40B2-95DB-3A446E474A4E}" type="presParOf" srcId="{574A2F1A-7B72-4E77-BCE0-A0802DBBAA35}" destId="{1D45EE8B-8155-45C4-A165-1DFB3D8FEE62}" srcOrd="1" destOrd="0" presId="urn:microsoft.com/office/officeart/2005/8/layout/pyramid2"/>
     <dgm:cxn modelId="{98EC9A19-8125-44CD-B341-BB741584FF3C}" type="presParOf" srcId="{1D45EE8B-8155-45C4-A165-1DFB3D8FEE62}" destId="{1196F757-1896-4579-AA98-778DCB6EAD7D}" srcOrd="0" destOrd="0" presId="urn:microsoft.com/office/officeart/2005/8/layout/pyramid2"/>
@@ -5128,6 +5170,13 @@
         </dgm:presLayoutVars>
       </dgm:prSet>
       <dgm:spPr/>
+      <dgm:t>
+        <a:bodyPr/>
+        <a:lstStyle/>
+        <a:p>
+          <a:endParaRPr lang="it-IT"/>
+        </a:p>
+      </dgm:t>
     </dgm:pt>
     <dgm:pt modelId="{144B8D02-5E88-4946-8AC2-5DD6FC44FF7F}" type="pres">
       <dgm:prSet presAssocID="{014C18C3-8E86-4F6C-9D40-08158DCAED68}" presName="pyramid" presStyleLbl="node1" presStyleIdx="0" presStyleCnt="1"/>
@@ -5234,17 +5283,17 @@
     </dgm:pt>
   </dgm:ptLst>
   <dgm:cxnLst>
+    <dgm:cxn modelId="{1B108A55-507E-4E84-910A-D09141BFD6E8}" srcId="{014C18C3-8E86-4F6C-9D40-08158DCAED68}" destId="{5C06979F-1C6C-4E21-B8EF-19AE6706F01F}" srcOrd="0" destOrd="0" parTransId="{931FB50E-C6BB-4BEE-A8E8-6DE629DDCED9}" sibTransId="{43B3CD01-A5C5-4358-925C-50B7488604E4}"/>
+    <dgm:cxn modelId="{FEB76DC8-4082-4F13-8E7A-87D4C7821646}" srcId="{014C18C3-8E86-4F6C-9D40-08158DCAED68}" destId="{5360C6DC-2CF4-42E3-BF98-E2D38779897E}" srcOrd="1" destOrd="0" parTransId="{CEFAE5BC-11B8-4D9E-B283-957F36EE32B8}" sibTransId="{8AAB0767-52AB-43FB-8743-3372724BD9D3}"/>
+    <dgm:cxn modelId="{D8513093-5679-4578-A18A-6F6C15630104}" type="presOf" srcId="{FFF95935-4D03-46C9-91F0-F512ED480C57}" destId="{3665FA54-F87E-4E5D-AE35-46FC8F48DF2F}" srcOrd="0" destOrd="0" presId="urn:microsoft.com/office/officeart/2005/8/layout/pyramid2"/>
+    <dgm:cxn modelId="{B41E2783-153B-438C-B4A4-E3A7FF1979F4}" srcId="{014C18C3-8E86-4F6C-9D40-08158DCAED68}" destId="{A0381B6E-A5F2-4EF4-BDC1-67CB41BFE473}" srcOrd="4" destOrd="0" parTransId="{8EBE8E69-5E8B-4C6F-B6FB-707707758675}" sibTransId="{D47282EE-287D-495D-A348-5906B05EB5E5}"/>
     <dgm:cxn modelId="{BBE6A26C-19DD-4BA8-BE94-D4A5EFAA5D66}" type="presOf" srcId="{A0381B6E-A5F2-4EF4-BDC1-67CB41BFE473}" destId="{B3A6FEF2-AE90-4152-904F-A64F1BC5293B}" srcOrd="0" destOrd="0" presId="urn:microsoft.com/office/officeart/2005/8/layout/pyramid2"/>
-    <dgm:cxn modelId="{B41E2783-153B-438C-B4A4-E3A7FF1979F4}" srcId="{014C18C3-8E86-4F6C-9D40-08158DCAED68}" destId="{A0381B6E-A5F2-4EF4-BDC1-67CB41BFE473}" srcOrd="4" destOrd="0" parTransId="{8EBE8E69-5E8B-4C6F-B6FB-707707758675}" sibTransId="{D47282EE-287D-495D-A348-5906B05EB5E5}"/>
-    <dgm:cxn modelId="{D8513093-5679-4578-A18A-6F6C15630104}" type="presOf" srcId="{FFF95935-4D03-46C9-91F0-F512ED480C57}" destId="{3665FA54-F87E-4E5D-AE35-46FC8F48DF2F}" srcOrd="0" destOrd="0" presId="urn:microsoft.com/office/officeart/2005/8/layout/pyramid2"/>
-    <dgm:cxn modelId="{1B108A55-507E-4E84-910A-D09141BFD6E8}" srcId="{014C18C3-8E86-4F6C-9D40-08158DCAED68}" destId="{5C06979F-1C6C-4E21-B8EF-19AE6706F01F}" srcOrd="0" destOrd="0" parTransId="{931FB50E-C6BB-4BEE-A8E8-6DE629DDCED9}" sibTransId="{43B3CD01-A5C5-4358-925C-50B7488604E4}"/>
+    <dgm:cxn modelId="{9A7D99D2-6459-4EA7-935C-19957C9A58FF}" type="presOf" srcId="{5C06979F-1C6C-4E21-B8EF-19AE6706F01F}" destId="{1196F757-1896-4579-AA98-778DCB6EAD7D}" srcOrd="0" destOrd="0" presId="urn:microsoft.com/office/officeart/2005/8/layout/pyramid2"/>
     <dgm:cxn modelId="{CDFC9136-A43A-4343-959D-338100A7A84B}" srcId="{014C18C3-8E86-4F6C-9D40-08158DCAED68}" destId="{40E7C426-C4FE-4B9A-9A9E-54A7128E160C}" srcOrd="2" destOrd="0" parTransId="{96BB7BF2-37F0-4177-BB8D-AB62ED7A5DC6}" sibTransId="{10684D1D-9D3B-4231-8069-0FF9E3EFF2DD}"/>
-    <dgm:cxn modelId="{9A7D99D2-6459-4EA7-935C-19957C9A58FF}" type="presOf" srcId="{5C06979F-1C6C-4E21-B8EF-19AE6706F01F}" destId="{1196F757-1896-4579-AA98-778DCB6EAD7D}" srcOrd="0" destOrd="0" presId="urn:microsoft.com/office/officeart/2005/8/layout/pyramid2"/>
+    <dgm:cxn modelId="{AA50D325-31D4-4531-9CBB-AFAB7861625D}" type="presOf" srcId="{014C18C3-8E86-4F6C-9D40-08158DCAED68}" destId="{574A2F1A-7B72-4E77-BCE0-A0802DBBAA35}" srcOrd="0" destOrd="0" presId="urn:microsoft.com/office/officeart/2005/8/layout/pyramid2"/>
+    <dgm:cxn modelId="{C54EDA13-26CD-4E46-8E93-93DCA655F4E2}" type="presOf" srcId="{40E7C426-C4FE-4B9A-9A9E-54A7128E160C}" destId="{290E21EF-5B4F-41D2-9A6E-77E1A7502E77}" srcOrd="0" destOrd="0" presId="urn:microsoft.com/office/officeart/2005/8/layout/pyramid2"/>
+    <dgm:cxn modelId="{55E2C5A9-08B6-462E-B418-17CE7E43EDB9}" type="presOf" srcId="{5360C6DC-2CF4-42E3-BF98-E2D38779897E}" destId="{D698DEB9-3161-4279-8925-0139BDA4C936}" srcOrd="0" destOrd="0" presId="urn:microsoft.com/office/officeart/2005/8/layout/pyramid2"/>
     <dgm:cxn modelId="{878061CA-1B45-45AE-998B-9191ED84EE3E}" srcId="{014C18C3-8E86-4F6C-9D40-08158DCAED68}" destId="{FFF95935-4D03-46C9-91F0-F512ED480C57}" srcOrd="3" destOrd="0" parTransId="{9D189677-C964-4E3A-A277-76136F513197}" sibTransId="{3F786250-A23E-4535-918B-3A2C2620B2EE}"/>
-    <dgm:cxn modelId="{55E2C5A9-08B6-462E-B418-17CE7E43EDB9}" type="presOf" srcId="{5360C6DC-2CF4-42E3-BF98-E2D38779897E}" destId="{D698DEB9-3161-4279-8925-0139BDA4C936}" srcOrd="0" destOrd="0" presId="urn:microsoft.com/office/officeart/2005/8/layout/pyramid2"/>
-    <dgm:cxn modelId="{C54EDA13-26CD-4E46-8E93-93DCA655F4E2}" type="presOf" srcId="{40E7C426-C4FE-4B9A-9A9E-54A7128E160C}" destId="{290E21EF-5B4F-41D2-9A6E-77E1A7502E77}" srcOrd="0" destOrd="0" presId="urn:microsoft.com/office/officeart/2005/8/layout/pyramid2"/>
-    <dgm:cxn modelId="{AA50D325-31D4-4531-9CBB-AFAB7861625D}" type="presOf" srcId="{014C18C3-8E86-4F6C-9D40-08158DCAED68}" destId="{574A2F1A-7B72-4E77-BCE0-A0802DBBAA35}" srcOrd="0" destOrd="0" presId="urn:microsoft.com/office/officeart/2005/8/layout/pyramid2"/>
-    <dgm:cxn modelId="{FEB76DC8-4082-4F13-8E7A-87D4C7821646}" srcId="{014C18C3-8E86-4F6C-9D40-08158DCAED68}" destId="{5360C6DC-2CF4-42E3-BF98-E2D38779897E}" srcOrd="1" destOrd="0" parTransId="{CEFAE5BC-11B8-4D9E-B283-957F36EE32B8}" sibTransId="{8AAB0767-52AB-43FB-8743-3372724BD9D3}"/>
     <dgm:cxn modelId="{DFFFBC47-259A-44C0-A22A-E11643840B3C}" type="presParOf" srcId="{574A2F1A-7B72-4E77-BCE0-A0802DBBAA35}" destId="{144B8D02-5E88-4946-8AC2-5DD6FC44FF7F}" srcOrd="0" destOrd="0" presId="urn:microsoft.com/office/officeart/2005/8/layout/pyramid2"/>
     <dgm:cxn modelId="{3A1227E0-7153-4285-8A82-097877E6571E}" type="presParOf" srcId="{574A2F1A-7B72-4E77-BCE0-A0802DBBAA35}" destId="{1D45EE8B-8155-45C4-A165-1DFB3D8FEE62}" srcOrd="1" destOrd="0" presId="urn:microsoft.com/office/officeart/2005/8/layout/pyramid2"/>
     <dgm:cxn modelId="{A6123A8F-BC2F-4FD8-A38E-7E3813167BAB}" type="presParOf" srcId="{1D45EE8B-8155-45C4-A165-1DFB3D8FEE62}" destId="{1196F757-1896-4579-AA98-778DCB6EAD7D}" srcOrd="0" destOrd="0" presId="urn:microsoft.com/office/officeart/2005/8/layout/pyramid2"/>
@@ -5439,6 +5488,13 @@
         </dgm:presLayoutVars>
       </dgm:prSet>
       <dgm:spPr/>
+      <dgm:t>
+        <a:bodyPr/>
+        <a:lstStyle/>
+        <a:p>
+          <a:endParaRPr lang="it-IT"/>
+        </a:p>
+      </dgm:t>
     </dgm:pt>
     <dgm:pt modelId="{144B8D02-5E88-4946-8AC2-5DD6FC44FF7F}" type="pres">
       <dgm:prSet presAssocID="{014C18C3-8E86-4F6C-9D40-08158DCAED68}" presName="pyramid" presStyleLbl="node1" presStyleIdx="0" presStyleCnt="1"/>
@@ -5548,8 +5604,8 @@
     <dgm:cxn modelId="{1B108A55-507E-4E84-910A-D09141BFD6E8}" srcId="{014C18C3-8E86-4F6C-9D40-08158DCAED68}" destId="{5C06979F-1C6C-4E21-B8EF-19AE6706F01F}" srcOrd="0" destOrd="0" parTransId="{931FB50E-C6BB-4BEE-A8E8-6DE629DDCED9}" sibTransId="{43B3CD01-A5C5-4358-925C-50B7488604E4}"/>
     <dgm:cxn modelId="{AC35CB98-7C41-4404-8975-F535C3831F8D}" type="presOf" srcId="{5360C6DC-2CF4-42E3-BF98-E2D38779897E}" destId="{D698DEB9-3161-4279-8925-0139BDA4C936}" srcOrd="0" destOrd="0" presId="urn:microsoft.com/office/officeart/2005/8/layout/pyramid2"/>
     <dgm:cxn modelId="{FFD17851-0D3F-45E0-B74F-929CB21E7952}" srcId="{014C18C3-8E86-4F6C-9D40-08158DCAED68}" destId="{45AF998C-4D1E-4945-9949-165A602C7138}" srcOrd="4" destOrd="0" parTransId="{16703043-EDA8-4324-BF28-81B710447736}" sibTransId="{5234E3A2-757C-4E14-8862-4EC466DD3FF6}"/>
+    <dgm:cxn modelId="{FEB76DC8-4082-4F13-8E7A-87D4C7821646}" srcId="{014C18C3-8E86-4F6C-9D40-08158DCAED68}" destId="{5360C6DC-2CF4-42E3-BF98-E2D38779897E}" srcOrd="1" destOrd="0" parTransId="{CEFAE5BC-11B8-4D9E-B283-957F36EE32B8}" sibTransId="{8AAB0767-52AB-43FB-8743-3372724BD9D3}"/>
     <dgm:cxn modelId="{95947E5D-E131-494C-9D0C-6A4C65B77622}" srcId="{014C18C3-8E86-4F6C-9D40-08158DCAED68}" destId="{85AE22AD-F795-4B67-9FFC-75E13451C0EB}" srcOrd="2" destOrd="0" parTransId="{E9808D33-26EC-4CAC-A6F0-CC0F87A7CCD7}" sibTransId="{7354D596-6D09-4806-8AA2-8722E6C06C21}"/>
-    <dgm:cxn modelId="{FEB76DC8-4082-4F13-8E7A-87D4C7821646}" srcId="{014C18C3-8E86-4F6C-9D40-08158DCAED68}" destId="{5360C6DC-2CF4-42E3-BF98-E2D38779897E}" srcOrd="1" destOrd="0" parTransId="{CEFAE5BC-11B8-4D9E-B283-957F36EE32B8}" sibTransId="{8AAB0767-52AB-43FB-8743-3372724BD9D3}"/>
     <dgm:cxn modelId="{04EF720D-65CE-4AA1-9BC3-626373775C46}" type="presOf" srcId="{5C06979F-1C6C-4E21-B8EF-19AE6706F01F}" destId="{1196F757-1896-4579-AA98-778DCB6EAD7D}" srcOrd="0" destOrd="0" presId="urn:microsoft.com/office/officeart/2005/8/layout/pyramid2"/>
     <dgm:cxn modelId="{28285993-110F-495D-A5C0-47FE4CE00F14}" type="presOf" srcId="{85AE22AD-F795-4B67-9FFC-75E13451C0EB}" destId="{E16933A3-DE54-48FF-999B-533E5E59C70A}" srcOrd="0" destOrd="0" presId="urn:microsoft.com/office/officeart/2005/8/layout/pyramid2"/>
     <dgm:cxn modelId="{8A67AA46-60D2-4033-956F-A2C0D4214E66}" type="presOf" srcId="{45AF998C-4D1E-4945-9949-165A602C7138}" destId="{1DC5F433-E79D-469E-8BDD-BFF1C08AE9BB}" srcOrd="0" destOrd="0" presId="urn:microsoft.com/office/officeart/2005/8/layout/pyramid2"/>
@@ -5768,7 +5824,6 @@
             <a:rPr lang="en-US" dirty="0" smtClean="0"/>
             <a:t>No Monotone/CVS (lento)</a:t>
           </a:r>
-          <a:endParaRPr lang="en-US" dirty="0" smtClean="0"/>
         </a:p>
       </dgm:t>
     </dgm:pt>
@@ -5818,6 +5873,13 @@
         </dgm:presLayoutVars>
       </dgm:prSet>
       <dgm:spPr/>
+      <dgm:t>
+        <a:bodyPr/>
+        <a:lstStyle/>
+        <a:p>
+          <a:endParaRPr lang="it-IT"/>
+        </a:p>
+      </dgm:t>
     </dgm:pt>
     <dgm:pt modelId="{0C3F1D0B-8BB1-434F-860A-8E14D77C18A0}" type="pres">
       <dgm:prSet presAssocID="{F17321ED-F9C5-4677-B154-07F0A5213AA0}" presName="aSpace" presStyleCnt="0"/>
@@ -5830,6 +5892,13 @@
         </dgm:presLayoutVars>
       </dgm:prSet>
       <dgm:spPr/>
+      <dgm:t>
+        <a:bodyPr/>
+        <a:lstStyle/>
+        <a:p>
+          <a:endParaRPr lang="it-IT"/>
+        </a:p>
+      </dgm:t>
     </dgm:pt>
     <dgm:pt modelId="{13922497-638A-4D20-8CAB-FD31437F1CB6}" type="pres">
       <dgm:prSet presAssocID="{2A6AFE20-9263-4386-B564-F83E0DF3A51C}" presName="aSpace" presStyleCnt="0"/>
@@ -5842,6 +5911,13 @@
         </dgm:presLayoutVars>
       </dgm:prSet>
       <dgm:spPr/>
+      <dgm:t>
+        <a:bodyPr/>
+        <a:lstStyle/>
+        <a:p>
+          <a:endParaRPr lang="it-IT"/>
+        </a:p>
+      </dgm:t>
     </dgm:pt>
     <dgm:pt modelId="{7295C6CD-8AE4-41EE-A024-699FEF2575D2}" type="pres">
       <dgm:prSet presAssocID="{048DD806-4004-4024-9BAB-1F401861EEA1}" presName="aSpace" presStyleCnt="0"/>
@@ -5854,6 +5930,13 @@
         </dgm:presLayoutVars>
       </dgm:prSet>
       <dgm:spPr/>
+      <dgm:t>
+        <a:bodyPr/>
+        <a:lstStyle/>
+        <a:p>
+          <a:endParaRPr lang="it-IT"/>
+        </a:p>
+      </dgm:t>
     </dgm:pt>
     <dgm:pt modelId="{CCE18B0D-E7CB-432F-A8BE-BCB854C760FB}" type="pres">
       <dgm:prSet presAssocID="{6955F2B9-4651-4D97-96C5-36CECB321FEC}" presName="aSpace" presStyleCnt="0"/>
@@ -5866,6 +5949,13 @@
         </dgm:presLayoutVars>
       </dgm:prSet>
       <dgm:spPr/>
+      <dgm:t>
+        <a:bodyPr/>
+        <a:lstStyle/>
+        <a:p>
+          <a:endParaRPr lang="it-IT"/>
+        </a:p>
+      </dgm:t>
     </dgm:pt>
     <dgm:pt modelId="{A981D53D-CEE1-4D6F-AD8B-8B5DB3C24CBF}" type="pres">
       <dgm:prSet presAssocID="{07CCA397-B119-4188-BB4C-9E7370416177}" presName="aSpace" presStyleCnt="0"/>
@@ -5878,6 +5968,13 @@
         </dgm:presLayoutVars>
       </dgm:prSet>
       <dgm:spPr/>
+      <dgm:t>
+        <a:bodyPr/>
+        <a:lstStyle/>
+        <a:p>
+          <a:endParaRPr lang="it-IT"/>
+        </a:p>
+      </dgm:t>
     </dgm:pt>
     <dgm:pt modelId="{258865CB-9DFC-44A5-AA60-CE2EE0364456}" type="pres">
       <dgm:prSet presAssocID="{FB5571D6-8E16-4F0B-81D7-38D11F041B2C}" presName="aSpace" presStyleCnt="0"/>
@@ -5885,19 +5982,19 @@
     </dgm:pt>
   </dgm:ptLst>
   <dgm:cxnLst>
+    <dgm:cxn modelId="{D5A97033-92B3-49C2-89A6-31544F922F2B}" type="presOf" srcId="{F17321ED-F9C5-4677-B154-07F0A5213AA0}" destId="{AFB986ED-224A-4BDC-B51C-4878E1724B80}" srcOrd="0" destOrd="0" presId="urn:microsoft.com/office/officeart/2005/8/layout/pyramid2"/>
     <dgm:cxn modelId="{4970F26D-857A-4D80-B7B7-51D96D7A3C8B}" srcId="{CB5B726D-FA51-46C7-99FA-C2CAC3799F9A}" destId="{07CCA397-B119-4188-BB4C-9E7370416177}" srcOrd="4" destOrd="0" parTransId="{9A92E8F6-0089-4458-A0D9-D8C4D1634921}" sibTransId="{BFE7FC7A-671C-4244-B644-631CA3748BB7}"/>
-    <dgm:cxn modelId="{2680FBC6-730C-4C28-9113-6D21C78CBD65}" type="presOf" srcId="{07CCA397-B119-4188-BB4C-9E7370416177}" destId="{F329650D-1724-4A4F-AA43-B48F9A17370F}" srcOrd="0" destOrd="0" presId="urn:microsoft.com/office/officeart/2005/8/layout/pyramid2"/>
-    <dgm:cxn modelId="{2E4E98BB-0052-4C2A-80BE-D10D9B5B4CAF}" srcId="{CB5B726D-FA51-46C7-99FA-C2CAC3799F9A}" destId="{2A6AFE20-9263-4386-B564-F83E0DF3A51C}" srcOrd="1" destOrd="0" parTransId="{C33FD945-CAA8-4375-A5FA-AB03D069C40B}" sibTransId="{0F3B4B91-39AE-40CD-BD6E-3AD7E28F7ADC}"/>
-    <dgm:cxn modelId="{13DE8425-315C-4C0C-9116-155BF1339D1B}" srcId="{CB5B726D-FA51-46C7-99FA-C2CAC3799F9A}" destId="{048DD806-4004-4024-9BAB-1F401861EEA1}" srcOrd="2" destOrd="0" parTransId="{BAB08938-7517-4C0E-97B0-D46AEC027305}" sibTransId="{7843DDA8-BD92-4EE8-BACE-B9EE71C74557}"/>
+    <dgm:cxn modelId="{F1F609C7-A418-432E-BB31-463FBA6DEE5B}" type="presOf" srcId="{2A6AFE20-9263-4386-B564-F83E0DF3A51C}" destId="{1CB11FC3-7762-48AF-A1FA-59C4F36E508E}" srcOrd="0" destOrd="0" presId="urn:microsoft.com/office/officeart/2005/8/layout/pyramid2"/>
     <dgm:cxn modelId="{2023967E-201D-4CFC-925C-B700B67D8C07}" type="presOf" srcId="{048DD806-4004-4024-9BAB-1F401861EEA1}" destId="{B4EFD2B8-66BD-44A9-AE2D-6FFF33188E2C}" srcOrd="0" destOrd="0" presId="urn:microsoft.com/office/officeart/2005/8/layout/pyramid2"/>
-    <dgm:cxn modelId="{F1F609C7-A418-432E-BB31-463FBA6DEE5B}" type="presOf" srcId="{2A6AFE20-9263-4386-B564-F83E0DF3A51C}" destId="{1CB11FC3-7762-48AF-A1FA-59C4F36E508E}" srcOrd="0" destOrd="0" presId="urn:microsoft.com/office/officeart/2005/8/layout/pyramid2"/>
-    <dgm:cxn modelId="{D5A97033-92B3-49C2-89A6-31544F922F2B}" type="presOf" srcId="{F17321ED-F9C5-4677-B154-07F0A5213AA0}" destId="{AFB986ED-224A-4BDC-B51C-4878E1724B80}" srcOrd="0" destOrd="0" presId="urn:microsoft.com/office/officeart/2005/8/layout/pyramid2"/>
+    <dgm:cxn modelId="{D7AA5F7F-E38A-46EF-B708-858B658B488D}" type="presOf" srcId="{6955F2B9-4651-4D97-96C5-36CECB321FEC}" destId="{9E282057-571C-498F-BC15-64E4FBECED72}" srcOrd="0" destOrd="0" presId="urn:microsoft.com/office/officeart/2005/8/layout/pyramid2"/>
+    <dgm:cxn modelId="{380E49A6-D099-47D6-A3B7-0BC0289FD62A}" type="presOf" srcId="{CB5B726D-FA51-46C7-99FA-C2CAC3799F9A}" destId="{E0DFF7B3-75BB-4748-99F4-0E16FA607BD9}" srcOrd="0" destOrd="0" presId="urn:microsoft.com/office/officeart/2005/8/layout/pyramid2"/>
+    <dgm:cxn modelId="{61E58CCC-BFC3-4E66-BD62-887F74774222}" srcId="{CB5B726D-FA51-46C7-99FA-C2CAC3799F9A}" destId="{F17321ED-F9C5-4677-B154-07F0A5213AA0}" srcOrd="0" destOrd="0" parTransId="{B16E5A9F-87D7-4AAB-90B7-8461D706884E}" sibTransId="{12603AC3-35EB-419B-86D5-E0D634C59E31}"/>
+    <dgm:cxn modelId="{A34A4790-6206-4F53-9305-76BD327A6C1A}" type="presOf" srcId="{FB5571D6-8E16-4F0B-81D7-38D11F041B2C}" destId="{744114FD-A80A-4566-B76E-9CA76A855804}" srcOrd="0" destOrd="0" presId="urn:microsoft.com/office/officeart/2005/8/layout/pyramid2"/>
     <dgm:cxn modelId="{6FC2C6EC-8C3B-4439-8AAC-B164459AEDBC}" srcId="{CB5B726D-FA51-46C7-99FA-C2CAC3799F9A}" destId="{FB5571D6-8E16-4F0B-81D7-38D11F041B2C}" srcOrd="5" destOrd="0" parTransId="{A978834D-50F5-446A-B675-F07B6AB8B9CE}" sibTransId="{2F7F028D-81BE-4EC0-BD63-7351D72D9851}"/>
     <dgm:cxn modelId="{418E5644-E9FA-479A-B377-E4C9A6BF9023}" srcId="{CB5B726D-FA51-46C7-99FA-C2CAC3799F9A}" destId="{6955F2B9-4651-4D97-96C5-36CECB321FEC}" srcOrd="3" destOrd="0" parTransId="{9245EAFD-F232-4A4A-B4EC-12620B0446A4}" sibTransId="{488CF6A9-0244-4F42-BA7C-B6666B0DF20D}"/>
-    <dgm:cxn modelId="{A34A4790-6206-4F53-9305-76BD327A6C1A}" type="presOf" srcId="{FB5571D6-8E16-4F0B-81D7-38D11F041B2C}" destId="{744114FD-A80A-4566-B76E-9CA76A855804}" srcOrd="0" destOrd="0" presId="urn:microsoft.com/office/officeart/2005/8/layout/pyramid2"/>
-    <dgm:cxn modelId="{D7AA5F7F-E38A-46EF-B708-858B658B488D}" type="presOf" srcId="{6955F2B9-4651-4D97-96C5-36CECB321FEC}" destId="{9E282057-571C-498F-BC15-64E4FBECED72}" srcOrd="0" destOrd="0" presId="urn:microsoft.com/office/officeart/2005/8/layout/pyramid2"/>
-    <dgm:cxn modelId="{61E58CCC-BFC3-4E66-BD62-887F74774222}" srcId="{CB5B726D-FA51-46C7-99FA-C2CAC3799F9A}" destId="{F17321ED-F9C5-4677-B154-07F0A5213AA0}" srcOrd="0" destOrd="0" parTransId="{B16E5A9F-87D7-4AAB-90B7-8461D706884E}" sibTransId="{12603AC3-35EB-419B-86D5-E0D634C59E31}"/>
-    <dgm:cxn modelId="{380E49A6-D099-47D6-A3B7-0BC0289FD62A}" type="presOf" srcId="{CB5B726D-FA51-46C7-99FA-C2CAC3799F9A}" destId="{E0DFF7B3-75BB-4748-99F4-0E16FA607BD9}" srcOrd="0" destOrd="0" presId="urn:microsoft.com/office/officeart/2005/8/layout/pyramid2"/>
+    <dgm:cxn modelId="{2680FBC6-730C-4C28-9113-6D21C78CBD65}" type="presOf" srcId="{07CCA397-B119-4188-BB4C-9E7370416177}" destId="{F329650D-1724-4A4F-AA43-B48F9A17370F}" srcOrd="0" destOrd="0" presId="urn:microsoft.com/office/officeart/2005/8/layout/pyramid2"/>
+    <dgm:cxn modelId="{13DE8425-315C-4C0C-9116-155BF1339D1B}" srcId="{CB5B726D-FA51-46C7-99FA-C2CAC3799F9A}" destId="{048DD806-4004-4024-9BAB-1F401861EEA1}" srcOrd="2" destOrd="0" parTransId="{BAB08938-7517-4C0E-97B0-D46AEC027305}" sibTransId="{7843DDA8-BD92-4EE8-BACE-B9EE71C74557}"/>
+    <dgm:cxn modelId="{2E4E98BB-0052-4C2A-80BE-D10D9B5B4CAF}" srcId="{CB5B726D-FA51-46C7-99FA-C2CAC3799F9A}" destId="{2A6AFE20-9263-4386-B564-F83E0DF3A51C}" srcOrd="1" destOrd="0" parTransId="{C33FD945-CAA8-4375-A5FA-AB03D069C40B}" sibTransId="{0F3B4B91-39AE-40CD-BD6E-3AD7E28F7ADC}"/>
     <dgm:cxn modelId="{ACA36420-F7A3-425B-AA29-B9F3FF925419}" type="presParOf" srcId="{E0DFF7B3-75BB-4748-99F4-0E16FA607BD9}" destId="{7D01BF49-8010-4CAE-89EF-013662747564}" srcOrd="0" destOrd="0" presId="urn:microsoft.com/office/officeart/2005/8/layout/pyramid2"/>
     <dgm:cxn modelId="{58BE0FDB-A8BE-42AF-88F2-F03C1047C171}" type="presParOf" srcId="{E0DFF7B3-75BB-4748-99F4-0E16FA607BD9}" destId="{BAAAE7B9-A176-4EAA-8ED0-F70E0574E52F}" srcOrd="1" destOrd="0" presId="urn:microsoft.com/office/officeart/2005/8/layout/pyramid2"/>
     <dgm:cxn modelId="{74D0231E-B93D-4608-BD2E-FAF69A33B440}" type="presParOf" srcId="{BAAAE7B9-A176-4EAA-8ED0-F70E0574E52F}" destId="{AFB986ED-224A-4BDC-B51C-4878E1724B80}" srcOrd="0" destOrd="0" presId="urn:microsoft.com/office/officeart/2005/8/layout/pyramid2"/>
@@ -6279,6 +6376,13 @@
         </dgm:presLayoutVars>
       </dgm:prSet>
       <dgm:spPr/>
+      <dgm:t>
+        <a:bodyPr/>
+        <a:lstStyle/>
+        <a:p>
+          <a:endParaRPr lang="it-IT"/>
+        </a:p>
+      </dgm:t>
     </dgm:pt>
     <dgm:pt modelId="{BAA719EF-DB05-4188-8626-2C05DC7967C9}" type="pres">
       <dgm:prSet presAssocID="{4D256D56-3BDF-4F9C-BBF9-26F97EBFBBAC}" presName="compNode" presStyleCnt="0"/>
@@ -6287,10 +6391,24 @@
     <dgm:pt modelId="{12B4E84B-A40B-47FE-B788-1050B6E115BE}" type="pres">
       <dgm:prSet presAssocID="{4D256D56-3BDF-4F9C-BBF9-26F97EBFBBAC}" presName="aNode" presStyleLbl="bgShp" presStyleIdx="0" presStyleCnt="2"/>
       <dgm:spPr/>
+      <dgm:t>
+        <a:bodyPr/>
+        <a:lstStyle/>
+        <a:p>
+          <a:endParaRPr lang="it-IT"/>
+        </a:p>
+      </dgm:t>
     </dgm:pt>
     <dgm:pt modelId="{55A2FE08-01FB-4E29-A991-D3426A99A429}" type="pres">
       <dgm:prSet presAssocID="{4D256D56-3BDF-4F9C-BBF9-26F97EBFBBAC}" presName="textNode" presStyleLbl="bgShp" presStyleIdx="0" presStyleCnt="2"/>
       <dgm:spPr/>
+      <dgm:t>
+        <a:bodyPr/>
+        <a:lstStyle/>
+        <a:p>
+          <a:endParaRPr lang="it-IT"/>
+        </a:p>
+      </dgm:t>
     </dgm:pt>
     <dgm:pt modelId="{C4CFB980-69C2-4632-B4D5-240784DBC82C}" type="pres">
       <dgm:prSet presAssocID="{4D256D56-3BDF-4F9C-BBF9-26F97EBFBBAC}" presName="compChildNode" presStyleCnt="0"/>
@@ -6307,6 +6425,13 @@
         </dgm:presLayoutVars>
       </dgm:prSet>
       <dgm:spPr/>
+      <dgm:t>
+        <a:bodyPr/>
+        <a:lstStyle/>
+        <a:p>
+          <a:endParaRPr lang="it-IT"/>
+        </a:p>
+      </dgm:t>
     </dgm:pt>
     <dgm:pt modelId="{22DAC758-2543-4F5B-AB1D-CF68EEFA7CD3}" type="pres">
       <dgm:prSet presAssocID="{3878536B-D9F6-4379-B512-C703BDB35CD2}" presName="aSpace2" presStyleCnt="0"/>
@@ -6319,6 +6444,13 @@
         </dgm:presLayoutVars>
       </dgm:prSet>
       <dgm:spPr/>
+      <dgm:t>
+        <a:bodyPr/>
+        <a:lstStyle/>
+        <a:p>
+          <a:endParaRPr lang="it-IT"/>
+        </a:p>
+      </dgm:t>
     </dgm:pt>
     <dgm:pt modelId="{AFC3EBAB-5585-438A-A8D3-7929F1259AC5}" type="pres">
       <dgm:prSet presAssocID="{6DFE7096-EB15-4ABF-949F-96F80684E851}" presName="aSpace2" presStyleCnt="0"/>
@@ -6331,6 +6463,13 @@
         </dgm:presLayoutVars>
       </dgm:prSet>
       <dgm:spPr/>
+      <dgm:t>
+        <a:bodyPr/>
+        <a:lstStyle/>
+        <a:p>
+          <a:endParaRPr lang="it-IT"/>
+        </a:p>
+      </dgm:t>
     </dgm:pt>
     <dgm:pt modelId="{4AB349F9-524C-4BDE-8B71-7EB2977AD77B}" type="pres">
       <dgm:prSet presAssocID="{2130DAEC-A310-42B0-BE82-C37E871E1A08}" presName="aSpace2" presStyleCnt="0"/>
@@ -6343,6 +6482,13 @@
         </dgm:presLayoutVars>
       </dgm:prSet>
       <dgm:spPr/>
+      <dgm:t>
+        <a:bodyPr/>
+        <a:lstStyle/>
+        <a:p>
+          <a:endParaRPr lang="it-IT"/>
+        </a:p>
+      </dgm:t>
     </dgm:pt>
     <dgm:pt modelId="{A1C16CD1-38C1-4926-8517-B153CBC367DB}" type="pres">
       <dgm:prSet presAssocID="{4D256D56-3BDF-4F9C-BBF9-26F97EBFBBAC}" presName="aSpace" presStyleCnt="0"/>
@@ -6355,10 +6501,24 @@
     <dgm:pt modelId="{2215B934-CD45-4A85-B730-E0171D81B548}" type="pres">
       <dgm:prSet presAssocID="{4745EF6E-F5D7-4CBF-B52D-44F7CB8927C3}" presName="aNode" presStyleLbl="bgShp" presStyleIdx="1" presStyleCnt="2"/>
       <dgm:spPr/>
+      <dgm:t>
+        <a:bodyPr/>
+        <a:lstStyle/>
+        <a:p>
+          <a:endParaRPr lang="it-IT"/>
+        </a:p>
+      </dgm:t>
     </dgm:pt>
     <dgm:pt modelId="{981EF68E-57A5-4F9D-9FD1-74C04A996C07}" type="pres">
       <dgm:prSet presAssocID="{4745EF6E-F5D7-4CBF-B52D-44F7CB8927C3}" presName="textNode" presStyleLbl="bgShp" presStyleIdx="1" presStyleCnt="2"/>
       <dgm:spPr/>
+      <dgm:t>
+        <a:bodyPr/>
+        <a:lstStyle/>
+        <a:p>
+          <a:endParaRPr lang="it-IT"/>
+        </a:p>
+      </dgm:t>
     </dgm:pt>
     <dgm:pt modelId="{2D9D5076-C20C-4A5A-8C10-BEAE96B35BBB}" type="pres">
       <dgm:prSet presAssocID="{4745EF6E-F5D7-4CBF-B52D-44F7CB8927C3}" presName="compChildNode" presStyleCnt="0"/>
@@ -6375,6 +6535,13 @@
         </dgm:presLayoutVars>
       </dgm:prSet>
       <dgm:spPr/>
+      <dgm:t>
+        <a:bodyPr/>
+        <a:lstStyle/>
+        <a:p>
+          <a:endParaRPr lang="it-IT"/>
+        </a:p>
+      </dgm:t>
     </dgm:pt>
     <dgm:pt modelId="{E671B4EE-766D-4C76-BF54-C1BF7AAC0548}" type="pres">
       <dgm:prSet presAssocID="{B4E275DC-B111-4C80-947C-FF56EA573AE1}" presName="aSpace2" presStyleCnt="0"/>
@@ -6387,6 +6554,13 @@
         </dgm:presLayoutVars>
       </dgm:prSet>
       <dgm:spPr/>
+      <dgm:t>
+        <a:bodyPr/>
+        <a:lstStyle/>
+        <a:p>
+          <a:endParaRPr lang="it-IT"/>
+        </a:p>
+      </dgm:t>
     </dgm:pt>
     <dgm:pt modelId="{1FC655A9-3DD4-45F3-9B2E-45D9F808331B}" type="pres">
       <dgm:prSet presAssocID="{2A1015D3-58BF-4FB0-AB14-F8A05FAEB146}" presName="aSpace2" presStyleCnt="0"/>
@@ -6399,6 +6573,13 @@
         </dgm:presLayoutVars>
       </dgm:prSet>
       <dgm:spPr/>
+      <dgm:t>
+        <a:bodyPr/>
+        <a:lstStyle/>
+        <a:p>
+          <a:endParaRPr lang="it-IT"/>
+        </a:p>
+      </dgm:t>
     </dgm:pt>
   </dgm:ptLst>
   <dgm:cxnLst>
@@ -6628,6 +6809,13 @@
         </dgm:presLayoutVars>
       </dgm:prSet>
       <dgm:spPr/>
+      <dgm:t>
+        <a:bodyPr/>
+        <a:lstStyle/>
+        <a:p>
+          <a:endParaRPr lang="it-IT"/>
+        </a:p>
+      </dgm:t>
     </dgm:pt>
     <dgm:pt modelId="{A5C48E17-54E5-4AC4-847B-03E9AFEAEA5D}" type="pres">
       <dgm:prSet presAssocID="{F763E8B2-C060-43F3-8868-046B825A95BA}" presName="Name1" presStyleCnt="0"/>
@@ -6644,6 +6832,13 @@
     <dgm:pt modelId="{AC8489CD-ECF0-4644-BA6B-43416E8F8E57}" type="pres">
       <dgm:prSet presAssocID="{F763E8B2-C060-43F3-8868-046B825A95BA}" presName="conn" presStyleLbl="parChTrans1D2" presStyleIdx="0" presStyleCnt="1"/>
       <dgm:spPr/>
+      <dgm:t>
+        <a:bodyPr/>
+        <a:lstStyle/>
+        <a:p>
+          <a:endParaRPr lang="it-IT"/>
+        </a:p>
+      </dgm:t>
     </dgm:pt>
     <dgm:pt modelId="{8382DF15-C95C-45E6-9935-A8B4F4E63C5B}" type="pres">
       <dgm:prSet presAssocID="{F763E8B2-C060-43F3-8868-046B825A95BA}" presName="extraNode" presStyleLbl="node1" presStyleIdx="0" presStyleCnt="4"/>
@@ -6660,6 +6855,13 @@
         </dgm:presLayoutVars>
       </dgm:prSet>
       <dgm:spPr/>
+      <dgm:t>
+        <a:bodyPr/>
+        <a:lstStyle/>
+        <a:p>
+          <a:endParaRPr lang="it-IT"/>
+        </a:p>
+      </dgm:t>
     </dgm:pt>
     <dgm:pt modelId="{F2786533-4275-4A74-9EB3-9D90FF9E0529}" type="pres">
       <dgm:prSet presAssocID="{95ED642C-576E-40C6-9344-1DCDE8308810}" presName="accent_1" presStyleCnt="0"/>
@@ -6676,6 +6878,13 @@
         </dgm:presLayoutVars>
       </dgm:prSet>
       <dgm:spPr/>
+      <dgm:t>
+        <a:bodyPr/>
+        <a:lstStyle/>
+        <a:p>
+          <a:endParaRPr lang="it-IT"/>
+        </a:p>
+      </dgm:t>
     </dgm:pt>
     <dgm:pt modelId="{CDC8E22B-46BE-4B6E-91A6-BF3B83E35983}" type="pres">
       <dgm:prSet presAssocID="{6063696A-8C0F-4840-A5BD-2F635067D203}" presName="accent_2" presStyleCnt="0"/>
@@ -6692,6 +6901,13 @@
         </dgm:presLayoutVars>
       </dgm:prSet>
       <dgm:spPr/>
+      <dgm:t>
+        <a:bodyPr/>
+        <a:lstStyle/>
+        <a:p>
+          <a:endParaRPr lang="it-IT"/>
+        </a:p>
+      </dgm:t>
     </dgm:pt>
     <dgm:pt modelId="{0FB3972E-1C04-4ED6-9C9C-EAEF391D1AE8}" type="pres">
       <dgm:prSet presAssocID="{7E71D0FA-C24B-486E-AF17-B9CBFD4E04BB}" presName="accent_3" presStyleCnt="0"/>
@@ -6708,6 +6924,13 @@
         </dgm:presLayoutVars>
       </dgm:prSet>
       <dgm:spPr/>
+      <dgm:t>
+        <a:bodyPr/>
+        <a:lstStyle/>
+        <a:p>
+          <a:endParaRPr lang="it-IT"/>
+        </a:p>
+      </dgm:t>
     </dgm:pt>
     <dgm:pt modelId="{7AAEACD8-EC63-4CA7-A290-5C4D7F58E1E4}" type="pres">
       <dgm:prSet presAssocID="{4D868824-5621-4A86-AB97-F9D0923A8F19}" presName="accent_4" presStyleCnt="0"/>
@@ -6719,16 +6942,16 @@
     </dgm:pt>
   </dgm:ptLst>
   <dgm:cxnLst>
+    <dgm:cxn modelId="{79145319-85F0-4BCD-A072-143C672215D6}" srcId="{F763E8B2-C060-43F3-8868-046B825A95BA}" destId="{6063696A-8C0F-4840-A5BD-2F635067D203}" srcOrd="1" destOrd="0" parTransId="{B4EE4688-DAD5-4DF2-BAC4-56C479C6FFE6}" sibTransId="{ED390BCA-91A6-4B53-A94F-EF46FD55B73B}"/>
+    <dgm:cxn modelId="{DA2FE4A7-7B3D-499D-826C-3DCEF78281A4}" type="presOf" srcId="{95ED642C-576E-40C6-9344-1DCDE8308810}" destId="{2120288F-4E63-4A37-8648-83CC8B554385}" srcOrd="0" destOrd="0" presId="urn:microsoft.com/office/officeart/2008/layout/VerticalCurvedList"/>
+    <dgm:cxn modelId="{217E7585-43EF-4BBE-BBB8-9FAB0330AB76}" type="presOf" srcId="{F763E8B2-C060-43F3-8868-046B825A95BA}" destId="{B17050B4-FCCF-4726-BDF2-A89AC8512C86}" srcOrd="0" destOrd="0" presId="urn:microsoft.com/office/officeart/2008/layout/VerticalCurvedList"/>
+    <dgm:cxn modelId="{FEC9D0C4-7948-46F5-83F3-DA5FF91BD9BF}" type="presOf" srcId="{6063696A-8C0F-4840-A5BD-2F635067D203}" destId="{5C9C5BA1-3A39-474F-8531-57907B93F99C}" srcOrd="0" destOrd="0" presId="urn:microsoft.com/office/officeart/2008/layout/VerticalCurvedList"/>
+    <dgm:cxn modelId="{7204BB53-49C4-474A-A026-6B3A928F1166}" type="presOf" srcId="{7E71D0FA-C24B-486E-AF17-B9CBFD4E04BB}" destId="{01E5C754-B5EC-47C6-A2B2-1846BF54BDC5}" srcOrd="0" destOrd="0" presId="urn:microsoft.com/office/officeart/2008/layout/VerticalCurvedList"/>
+    <dgm:cxn modelId="{1F574363-F7F1-4210-9D74-4F4A964B4D9F}" type="presOf" srcId="{4D868824-5621-4A86-AB97-F9D0923A8F19}" destId="{BB8DF70E-B045-44E9-A44D-5A2548508073}" srcOrd="0" destOrd="0" presId="urn:microsoft.com/office/officeart/2008/layout/VerticalCurvedList"/>
+    <dgm:cxn modelId="{F4B273F6-F916-48C1-9853-9D66174E2624}" srcId="{F763E8B2-C060-43F3-8868-046B825A95BA}" destId="{95ED642C-576E-40C6-9344-1DCDE8308810}" srcOrd="0" destOrd="0" parTransId="{EFE6F196-5405-4A78-8EF7-E8185BEFC2AE}" sibTransId="{8B34094E-F96A-4EE0-98BD-33EF7F24DCDD}"/>
+    <dgm:cxn modelId="{AD8B0689-FCE3-4CEC-8B13-D8A045C9C854}" srcId="{F763E8B2-C060-43F3-8868-046B825A95BA}" destId="{7E71D0FA-C24B-486E-AF17-B9CBFD4E04BB}" srcOrd="2" destOrd="0" parTransId="{BF555F21-CA8B-4E1F-B195-13EF81C71061}" sibTransId="{E4581078-405D-4F68-8977-F4CB6575D37A}"/>
     <dgm:cxn modelId="{DEF4E85D-F0C1-400D-9AB1-C4C412CE46A0}" srcId="{F763E8B2-C060-43F3-8868-046B825A95BA}" destId="{4D868824-5621-4A86-AB97-F9D0923A8F19}" srcOrd="3" destOrd="0" parTransId="{AD7F258D-7FC2-4EBF-80EA-DD5AA4276127}" sibTransId="{D1E52837-67CF-461C-B252-921FA1A92E59}"/>
-    <dgm:cxn modelId="{DA2FE4A7-7B3D-499D-826C-3DCEF78281A4}" type="presOf" srcId="{95ED642C-576E-40C6-9344-1DCDE8308810}" destId="{2120288F-4E63-4A37-8648-83CC8B554385}" srcOrd="0" destOrd="0" presId="urn:microsoft.com/office/officeart/2008/layout/VerticalCurvedList"/>
     <dgm:cxn modelId="{531DF4AE-CBAD-4E22-8F70-4E386D65A61B}" type="presOf" srcId="{8B34094E-F96A-4EE0-98BD-33EF7F24DCDD}" destId="{AC8489CD-ECF0-4644-BA6B-43416E8F8E57}" srcOrd="0" destOrd="0" presId="urn:microsoft.com/office/officeart/2008/layout/VerticalCurvedList"/>
-    <dgm:cxn modelId="{79145319-85F0-4BCD-A072-143C672215D6}" srcId="{F763E8B2-C060-43F3-8868-046B825A95BA}" destId="{6063696A-8C0F-4840-A5BD-2F635067D203}" srcOrd="1" destOrd="0" parTransId="{B4EE4688-DAD5-4DF2-BAC4-56C479C6FFE6}" sibTransId="{ED390BCA-91A6-4B53-A94F-EF46FD55B73B}"/>
-    <dgm:cxn modelId="{F4B273F6-F916-48C1-9853-9D66174E2624}" srcId="{F763E8B2-C060-43F3-8868-046B825A95BA}" destId="{95ED642C-576E-40C6-9344-1DCDE8308810}" srcOrd="0" destOrd="0" parTransId="{EFE6F196-5405-4A78-8EF7-E8185BEFC2AE}" sibTransId="{8B34094E-F96A-4EE0-98BD-33EF7F24DCDD}"/>
-    <dgm:cxn modelId="{217E7585-43EF-4BBE-BBB8-9FAB0330AB76}" type="presOf" srcId="{F763E8B2-C060-43F3-8868-046B825A95BA}" destId="{B17050B4-FCCF-4726-BDF2-A89AC8512C86}" srcOrd="0" destOrd="0" presId="urn:microsoft.com/office/officeart/2008/layout/VerticalCurvedList"/>
-    <dgm:cxn modelId="{AD8B0689-FCE3-4CEC-8B13-D8A045C9C854}" srcId="{F763E8B2-C060-43F3-8868-046B825A95BA}" destId="{7E71D0FA-C24B-486E-AF17-B9CBFD4E04BB}" srcOrd="2" destOrd="0" parTransId="{BF555F21-CA8B-4E1F-B195-13EF81C71061}" sibTransId="{E4581078-405D-4F68-8977-F4CB6575D37A}"/>
-    <dgm:cxn modelId="{1F574363-F7F1-4210-9D74-4F4A964B4D9F}" type="presOf" srcId="{4D868824-5621-4A86-AB97-F9D0923A8F19}" destId="{BB8DF70E-B045-44E9-A44D-5A2548508073}" srcOrd="0" destOrd="0" presId="urn:microsoft.com/office/officeart/2008/layout/VerticalCurvedList"/>
-    <dgm:cxn modelId="{7204BB53-49C4-474A-A026-6B3A928F1166}" type="presOf" srcId="{7E71D0FA-C24B-486E-AF17-B9CBFD4E04BB}" destId="{01E5C754-B5EC-47C6-A2B2-1846BF54BDC5}" srcOrd="0" destOrd="0" presId="urn:microsoft.com/office/officeart/2008/layout/VerticalCurvedList"/>
-    <dgm:cxn modelId="{FEC9D0C4-7948-46F5-83F3-DA5FF91BD9BF}" type="presOf" srcId="{6063696A-8C0F-4840-A5BD-2F635067D203}" destId="{5C9C5BA1-3A39-474F-8531-57907B93F99C}" srcOrd="0" destOrd="0" presId="urn:microsoft.com/office/officeart/2008/layout/VerticalCurvedList"/>
     <dgm:cxn modelId="{A0F248B4-B0B5-45A8-951B-8D991B8DF14D}" type="presParOf" srcId="{B17050B4-FCCF-4726-BDF2-A89AC8512C86}" destId="{A5C48E17-54E5-4AC4-847B-03E9AFEAEA5D}" srcOrd="0" destOrd="0" presId="urn:microsoft.com/office/officeart/2008/layout/VerticalCurvedList"/>
     <dgm:cxn modelId="{8BCD4A70-D71A-410A-8677-698B2A8D8DA0}" type="presParOf" srcId="{A5C48E17-54E5-4AC4-847B-03E9AFEAEA5D}" destId="{DDF2232C-47E6-4B85-BC82-2D821A389A38}" srcOrd="0" destOrd="0" presId="urn:microsoft.com/office/officeart/2008/layout/VerticalCurvedList"/>
     <dgm:cxn modelId="{29E18618-AF3F-4D55-AA3E-DB2201E52927}" type="presParOf" srcId="{DDF2232C-47E6-4B85-BC82-2D821A389A38}" destId="{E945D345-2A06-4823-80C0-D7544BA47687}" srcOrd="0" destOrd="0" presId="urn:microsoft.com/office/officeart/2008/layout/VerticalCurvedList"/>
@@ -8592,7 +8815,6 @@
             <a:rPr lang="en-US" sz="1200" kern="1200" dirty="0" smtClean="0"/>
             <a:t>No Monotone/CVS (lento)</a:t>
           </a:r>
-          <a:endParaRPr lang="en-US" sz="1200" kern="1200" dirty="0" smtClean="0"/>
         </a:p>
       </dsp:txBody>
       <dsp:txXfrm>
@@ -36209,8 +36431,8 @@
         </p:blipFill>
         <p:spPr bwMode="auto">
           <a:xfrm>
-            <a:off x="2260599" y="2096852"/>
-            <a:ext cx="4455864" cy="2579428"/>
+            <a:off x="1223628" y="1700808"/>
+            <a:ext cx="6654923" cy="3852428"/>
           </a:xfrm>
           <a:prstGeom prst="rect">
             <a:avLst/>
@@ -36718,7 +36940,7 @@
           <a:p>
             <a:r>
               <a:rPr lang="it-IT" dirty="0" smtClean="0"/>
-              <a:t>Bazaar</a:t>
+              <a:t>Bazaar (bzr)</a:t>
             </a:r>
             <a:endParaRPr lang="it-IT" dirty="0"/>
           </a:p>
@@ -36800,7 +37022,7 @@
           <a:p>
             <a:r>
               <a:rPr lang="it-IT" dirty="0" smtClean="0"/>
-              <a:t>Mercural</a:t>
+              <a:t>Mercurial (hg)</a:t>
             </a:r>
             <a:endParaRPr lang="it-IT" dirty="0"/>
           </a:p>
@@ -37780,13 +38002,13 @@
       </p:sp>
       <p:pic>
         <p:nvPicPr>
-          <p:cNvPr id="4" name="Picture 3"/>
+          <p:cNvPr id="3" name="Picture 2" descr="Screen Clipping"/>
           <p:cNvPicPr>
             <a:picLocks noChangeAspect="1"/>
           </p:cNvPicPr>
           <p:nvPr/>
         </p:nvPicPr>
-        <p:blipFill rotWithShape="1">
+        <p:blipFill>
           <a:blip r:embed="rId2">
             <a:clrChange>
               <a:clrFrom>
@@ -37804,13 +38026,14 @@
               </a:ext>
             </a:extLst>
           </a:blip>
-          <a:srcRect r="16786" b="13087"/>
-          <a:stretch/>
+          <a:stretch>
+            <a:fillRect/>
+          </a:stretch>
         </p:blipFill>
         <p:spPr>
           <a:xfrm>
-            <a:off x="1643757" y="1700808"/>
-            <a:ext cx="6618288" cy="3361055"/>
+            <a:off x="316495" y="1232756"/>
+            <a:ext cx="8373644" cy="4810797"/>
           </a:xfrm>
           <a:prstGeom prst="rect">
             <a:avLst/>
@@ -40653,7 +40876,7 @@
         </p:blipFill>
         <p:spPr bwMode="auto">
           <a:xfrm>
-            <a:off x="683568" y="1808820"/>
+            <a:off x="1583668" y="2193478"/>
             <a:ext cx="6061028" cy="2019869"/>
           </a:xfrm>
           <a:prstGeom prst="rect">

--- a/dcvs.pptx
+++ b/dcvs.pptx
@@ -5986,8 +5986,8 @@
     <dgm:cxn modelId="{4970F26D-857A-4D80-B7B7-51D96D7A3C8B}" srcId="{CB5B726D-FA51-46C7-99FA-C2CAC3799F9A}" destId="{07CCA397-B119-4188-BB4C-9E7370416177}" srcOrd="4" destOrd="0" parTransId="{9A92E8F6-0089-4458-A0D9-D8C4D1634921}" sibTransId="{BFE7FC7A-671C-4244-B644-631CA3748BB7}"/>
     <dgm:cxn modelId="{F1F609C7-A418-432E-BB31-463FBA6DEE5B}" type="presOf" srcId="{2A6AFE20-9263-4386-B564-F83E0DF3A51C}" destId="{1CB11FC3-7762-48AF-A1FA-59C4F36E508E}" srcOrd="0" destOrd="0" presId="urn:microsoft.com/office/officeart/2005/8/layout/pyramid2"/>
     <dgm:cxn modelId="{2023967E-201D-4CFC-925C-B700B67D8C07}" type="presOf" srcId="{048DD806-4004-4024-9BAB-1F401861EEA1}" destId="{B4EFD2B8-66BD-44A9-AE2D-6FFF33188E2C}" srcOrd="0" destOrd="0" presId="urn:microsoft.com/office/officeart/2005/8/layout/pyramid2"/>
+    <dgm:cxn modelId="{380E49A6-D099-47D6-A3B7-0BC0289FD62A}" type="presOf" srcId="{CB5B726D-FA51-46C7-99FA-C2CAC3799F9A}" destId="{E0DFF7B3-75BB-4748-99F4-0E16FA607BD9}" srcOrd="0" destOrd="0" presId="urn:microsoft.com/office/officeart/2005/8/layout/pyramid2"/>
     <dgm:cxn modelId="{D7AA5F7F-E38A-46EF-B708-858B658B488D}" type="presOf" srcId="{6955F2B9-4651-4D97-96C5-36CECB321FEC}" destId="{9E282057-571C-498F-BC15-64E4FBECED72}" srcOrd="0" destOrd="0" presId="urn:microsoft.com/office/officeart/2005/8/layout/pyramid2"/>
-    <dgm:cxn modelId="{380E49A6-D099-47D6-A3B7-0BC0289FD62A}" type="presOf" srcId="{CB5B726D-FA51-46C7-99FA-C2CAC3799F9A}" destId="{E0DFF7B3-75BB-4748-99F4-0E16FA607BD9}" srcOrd="0" destOrd="0" presId="urn:microsoft.com/office/officeart/2005/8/layout/pyramid2"/>
     <dgm:cxn modelId="{61E58CCC-BFC3-4E66-BD62-887F74774222}" srcId="{CB5B726D-FA51-46C7-99FA-C2CAC3799F9A}" destId="{F17321ED-F9C5-4677-B154-07F0A5213AA0}" srcOrd="0" destOrd="0" parTransId="{B16E5A9F-87D7-4AAB-90B7-8461D706884E}" sibTransId="{12603AC3-35EB-419B-86D5-E0D634C59E31}"/>
     <dgm:cxn modelId="{A34A4790-6206-4F53-9305-76BD327A6C1A}" type="presOf" srcId="{FB5571D6-8E16-4F0B-81D7-38D11F041B2C}" destId="{744114FD-A80A-4566-B76E-9CA76A855804}" srcOrd="0" destOrd="0" presId="urn:microsoft.com/office/officeart/2005/8/layout/pyramid2"/>
     <dgm:cxn modelId="{6FC2C6EC-8C3B-4439-8AAC-B164459AEDBC}" srcId="{CB5B726D-FA51-46C7-99FA-C2CAC3799F9A}" destId="{FB5571D6-8E16-4F0B-81D7-38D11F041B2C}" srcOrd="5" destOrd="0" parTransId="{A978834D-50F5-446A-B675-F07B6AB8B9CE}" sibTransId="{2F7F028D-81BE-4EC0-BD63-7351D72D9851}"/>
@@ -38094,7 +38094,7 @@
           <a:p>
             <a:r>
               <a:rPr lang="it-IT" dirty="0" smtClean="0"/>
-              <a:t>Bisec</a:t>
+              <a:t>Bisect</a:t>
             </a:r>
             <a:endParaRPr lang="it-IT" dirty="0"/>
           </a:p>

--- a/dcvs.pptx
+++ b/dcvs.pptx
@@ -15,29 +15,29 @@
   </p:handoutMasterIdLst>
   <p:sldIdLst>
     <p:sldId id="256" r:id="rId5"/>
-    <p:sldId id="263" r:id="rId6"/>
-    <p:sldId id="264" r:id="rId7"/>
-    <p:sldId id="268" r:id="rId8"/>
-    <p:sldId id="265" r:id="rId9"/>
-    <p:sldId id="266" r:id="rId10"/>
-    <p:sldId id="269" r:id="rId11"/>
-    <p:sldId id="270" r:id="rId12"/>
-    <p:sldId id="271" r:id="rId13"/>
-    <p:sldId id="272" r:id="rId14"/>
-    <p:sldId id="273" r:id="rId15"/>
-    <p:sldId id="275" r:id="rId16"/>
-    <p:sldId id="276" r:id="rId17"/>
-    <p:sldId id="277" r:id="rId18"/>
-    <p:sldId id="278" r:id="rId19"/>
-    <p:sldId id="279" r:id="rId20"/>
-    <p:sldId id="280" r:id="rId21"/>
-    <p:sldId id="281" r:id="rId22"/>
-    <p:sldId id="282" r:id="rId23"/>
-    <p:sldId id="283" r:id="rId24"/>
-    <p:sldId id="284" r:id="rId25"/>
-    <p:sldId id="285" r:id="rId26"/>
-    <p:sldId id="286" r:id="rId27"/>
-    <p:sldId id="287" r:id="rId28"/>
+    <p:sldId id="287" r:id="rId6"/>
+    <p:sldId id="263" r:id="rId7"/>
+    <p:sldId id="264" r:id="rId8"/>
+    <p:sldId id="268" r:id="rId9"/>
+    <p:sldId id="265" r:id="rId10"/>
+    <p:sldId id="266" r:id="rId11"/>
+    <p:sldId id="269" r:id="rId12"/>
+    <p:sldId id="270" r:id="rId13"/>
+    <p:sldId id="271" r:id="rId14"/>
+    <p:sldId id="272" r:id="rId15"/>
+    <p:sldId id="273" r:id="rId16"/>
+    <p:sldId id="275" r:id="rId17"/>
+    <p:sldId id="276" r:id="rId18"/>
+    <p:sldId id="277" r:id="rId19"/>
+    <p:sldId id="278" r:id="rId20"/>
+    <p:sldId id="279" r:id="rId21"/>
+    <p:sldId id="280" r:id="rId22"/>
+    <p:sldId id="281" r:id="rId23"/>
+    <p:sldId id="282" r:id="rId24"/>
+    <p:sldId id="283" r:id="rId25"/>
+    <p:sldId id="284" r:id="rId26"/>
+    <p:sldId id="285" r:id="rId27"/>
+    <p:sldId id="286" r:id="rId28"/>
   </p:sldIdLst>
   <p:sldSz cx="9144000" cy="6858000" type="screen4x3"/>
   <p:notesSz cx="6858000" cy="9144000"/>
@@ -19683,7 +19683,7 @@
             <a:fld id="{89727313-E854-4E45-B4BB-DAE02962B8E8}" type="slidenum">
               <a:rPr lang="en-US" smtClean="0"/>
               <a:pPr/>
-              <a:t>16</a:t>
+              <a:t>17</a:t>
             </a:fld>
             <a:endParaRPr lang="en-US"/>
           </a:p>
@@ -19743,7 +19743,7 @@
                 </a:solidFill>
               </a:rPr>
               <a:pPr/>
-              <a:t>17</a:t>
+              <a:t>18</a:t>
             </a:fld>
             <a:endParaRPr lang="en-US">
               <a:solidFill>
@@ -19879,7 +19879,7 @@
             <a:fld id="{89727313-E854-4E45-B4BB-DAE02962B8E8}" type="slidenum">
               <a:rPr lang="en-US" smtClean="0"/>
               <a:pPr/>
-              <a:t>18</a:t>
+              <a:t>19</a:t>
             </a:fld>
             <a:endParaRPr lang="en-US"/>
           </a:p>
@@ -20121,7 +20121,7 @@
             <a:fld id="{89727313-E854-4E45-B4BB-DAE02962B8E8}" type="slidenum">
               <a:rPr lang="en-US" smtClean="0"/>
               <a:pPr/>
-              <a:t>19</a:t>
+              <a:t>20</a:t>
             </a:fld>
             <a:endParaRPr lang="en-US"/>
           </a:p>
@@ -20230,7 +20230,7 @@
             <a:fld id="{89727313-E854-4E45-B4BB-DAE02962B8E8}" type="slidenum">
               <a:rPr lang="en-US" smtClean="0"/>
               <a:pPr/>
-              <a:t>20</a:t>
+              <a:t>21</a:t>
             </a:fld>
             <a:endParaRPr lang="en-US"/>
           </a:p>
@@ -20617,7 +20617,7 @@
             <a:fld id="{89727313-E854-4E45-B4BB-DAE02962B8E8}" type="slidenum">
               <a:rPr lang="en-US" smtClean="0"/>
               <a:pPr/>
-              <a:t>21</a:t>
+              <a:t>22</a:t>
             </a:fld>
             <a:endParaRPr lang="en-US"/>
           </a:p>
@@ -20677,7 +20677,7 @@
                 </a:solidFill>
               </a:rPr>
               <a:pPr/>
-              <a:t>23</a:t>
+              <a:t>24</a:t>
             </a:fld>
             <a:endParaRPr lang="en-US">
               <a:solidFill>
@@ -20765,7 +20765,7 @@
             <a:fld id="{78548019-64D2-4342-9255-BD35355873CA}" type="slidenum">
               <a:rPr lang="en-US"/>
               <a:pPr/>
-              <a:t>3</a:t>
+              <a:t>4</a:t>
             </a:fld>
             <a:endParaRPr lang="en-US"/>
           </a:p>
@@ -20922,7 +20922,7 @@
             <a:fld id="{89727313-E854-4E45-B4BB-DAE02962B8E8}" type="slidenum">
               <a:rPr lang="en-US" smtClean="0"/>
               <a:pPr/>
-              <a:t>4</a:t>
+              <a:t>5</a:t>
             </a:fld>
             <a:endParaRPr lang="en-US"/>
           </a:p>
@@ -21011,7 +21011,7 @@
             <a:fld id="{89727313-E854-4E45-B4BB-DAE02962B8E8}" type="slidenum">
               <a:rPr lang="en-US" smtClean="0"/>
               <a:pPr/>
-              <a:t>5</a:t>
+              <a:t>6</a:t>
             </a:fld>
             <a:endParaRPr lang="en-US"/>
           </a:p>
@@ -21104,7 +21104,7 @@
             <a:fld id="{89727313-E854-4E45-B4BB-DAE02962B8E8}" type="slidenum">
               <a:rPr lang="en-US" smtClean="0"/>
               <a:pPr/>
-              <a:t>6</a:t>
+              <a:t>7</a:t>
             </a:fld>
             <a:endParaRPr lang="en-US"/>
           </a:p>
@@ -21193,7 +21193,7 @@
             <a:fld id="{89727313-E854-4E45-B4BB-DAE02962B8E8}" type="slidenum">
               <a:rPr lang="en-US" smtClean="0"/>
               <a:pPr/>
-              <a:t>7</a:t>
+              <a:t>8</a:t>
             </a:fld>
             <a:endParaRPr lang="en-US"/>
           </a:p>
@@ -21249,7 +21249,7 @@
             <a:fld id="{78548019-64D2-4342-9255-BD35355873CA}" type="slidenum">
               <a:rPr lang="en-US"/>
               <a:pPr/>
-              <a:t>8</a:t>
+              <a:t>9</a:t>
             </a:fld>
             <a:endParaRPr lang="en-US"/>
           </a:p>
@@ -21373,7 +21373,7 @@
                 </a:solidFill>
               </a:rPr>
               <a:pPr/>
-              <a:t>13</a:t>
+              <a:t>14</a:t>
             </a:fld>
             <a:endParaRPr lang="en-US">
               <a:solidFill>
@@ -21535,7 +21535,7 @@
             <a:fld id="{89727313-E854-4E45-B4BB-DAE02962B8E8}" type="slidenum">
               <a:rPr lang="en-US" smtClean="0"/>
               <a:pPr/>
-              <a:t>15</a:t>
+              <a:t>16</a:t>
             </a:fld>
             <a:endParaRPr lang="en-US"/>
           </a:p>
@@ -36056,6 +36056,140 @@
           <a:p>
             <a:r>
               <a:rPr lang="it-IT" dirty="0" smtClean="0"/>
+              <a:t>Solo</a:t>
+            </a:r>
+            <a:endParaRPr lang="it-IT" dirty="0"/>
+          </a:p>
+        </p:txBody>
+      </p:sp>
+      <p:pic>
+        <p:nvPicPr>
+          <p:cNvPr id="6146" name="Picture 2"/>
+          <p:cNvPicPr>
+            <a:picLocks noGrp="1" noChangeAspect="1" noChangeArrowheads="1"/>
+          </p:cNvPicPr>
+          <p:nvPr>
+            <p:ph idx="1"/>
+          </p:nvPr>
+        </p:nvPicPr>
+        <p:blipFill rotWithShape="1">
+          <a:blip r:embed="rId2">
+            <a:clrChange>
+              <a:clrFrom>
+                <a:srgbClr xmlns:mc="http://schemas.openxmlformats.org/markup-compatibility/2006" xmlns:a14="http://schemas.microsoft.com/office/drawing/2010/main" val="FFFFFF" mc:Ignorable=""/>
+              </a:clrFrom>
+              <a:clrTo>
+                <a:srgbClr xmlns:mc="http://schemas.openxmlformats.org/markup-compatibility/2006" xmlns:a14="http://schemas.microsoft.com/office/drawing/2010/main" val="FFFFFF" mc:Ignorable="">
+                  <a:alpha val="0"/>
+                </a:srgbClr>
+              </a:clrTo>
+            </a:clrChange>
+            <a:extLst>
+              <a:ext uri="{28A0092B-C50C-407E-A947-70E740481C1C}">
+                <a14:useLocalDpi xmlns:a14="http://schemas.microsoft.com/office/drawing/2010/main" val="0"/>
+              </a:ext>
+            </a:extLst>
+          </a:blip>
+          <a:srcRect t="18288" r="26008" b="36108"/>
+          <a:stretch/>
+        </p:blipFill>
+        <p:spPr bwMode="auto">
+          <a:xfrm>
+            <a:off x="1583668" y="2193478"/>
+            <a:ext cx="6061028" cy="2019869"/>
+          </a:xfrm>
+          <a:prstGeom prst="rect">
+            <a:avLst/>
+          </a:prstGeom>
+          <a:noFill/>
+          <a:ln>
+            <a:noFill/>
+          </a:ln>
+          <a:effectLst/>
+          <a:extLst>
+            <a:ext uri="{909E8E84-426E-40DD-AFC4-6F175D3DCCD1}">
+              <a14:hiddenFill xmlns:a14="http://schemas.microsoft.com/office/drawing/2010/main">
+                <a:solidFill>
+                  <a:schemeClr val="accent1"/>
+                </a:solidFill>
+              </a14:hiddenFill>
+            </a:ext>
+            <a:ext uri="{91240B29-F687-4F45-9708-019B960494DF}">
+              <a14:hiddenLine xmlns:a14="http://schemas.microsoft.com/office/drawing/2010/main" w="9525">
+                <a:solidFill>
+                  <a:schemeClr val="tx1"/>
+                </a:solidFill>
+                <a:miter lim="800000"/>
+                <a:headEnd/>
+                <a:tailEnd/>
+              </a14:hiddenLine>
+            </a:ext>
+            <a:ext uri="{AF507438-7753-43E0-B8FC-AC1667EBCBE1}">
+              <a14:hiddenEffects xmlns:a14="http://schemas.microsoft.com/office/drawing/2010/main">
+                <a:effectLst>
+                  <a:outerShdw dist="35921" dir="2700000" algn="ctr" rotWithShape="0">
+                    <a:schemeClr val="bg2"/>
+                  </a:outerShdw>
+                </a:effectLst>
+              </a14:hiddenEffects>
+            </a:ext>
+          </a:extLst>
+        </p:spPr>
+      </p:pic>
+    </p:spTree>
+    <p:extLst>
+      <p:ext uri="{BB962C8B-B14F-4D97-AF65-F5344CB8AC3E}">
+        <p14:creationId xmlns:p14="http://schemas.microsoft.com/office/powerpoint/2010/main" val="867468032"/>
+      </p:ext>
+    </p:extLst>
+  </p:cSld>
+  <p:clrMapOvr>
+    <a:masterClrMapping/>
+  </p:clrMapOvr>
+  <p:timing>
+    <p:tnLst>
+      <p:par>
+        <p:cTn xmlns:p14="http://schemas.microsoft.com/office/powerpoint/2010/main" id="1" dur="indefinite" restart="never" nodeType="tmRoot"/>
+      </p:par>
+    </p:tnLst>
+  </p:timing>
+</p:sld>
+</file>
+
+<file path=ppt/slides/slide11.xml><?xml version="1.0" encoding="utf-8"?>
+<p:sld xmlns:a="http://schemas.openxmlformats.org/drawingml/2006/main" xmlns:r="http://schemas.openxmlformats.org/officeDocument/2006/relationships" xmlns:p="http://schemas.openxmlformats.org/presentationml/2006/main">
+  <p:cSld>
+    <p:spTree>
+      <p:nvGrpSpPr>
+        <p:cNvPr id="1" name=""/>
+        <p:cNvGrpSpPr/>
+        <p:nvPr/>
+      </p:nvGrpSpPr>
+      <p:grpSpPr>
+        <a:xfrm>
+          <a:off x="0" y="0"/>
+          <a:ext cx="0" cy="0"/>
+          <a:chOff x="0" y="0"/>
+          <a:chExt cx="0" cy="0"/>
+        </a:xfrm>
+      </p:grpSpPr>
+      <p:sp>
+        <p:nvSpPr>
+          <p:cNvPr id="2" name="Title 1"/>
+          <p:cNvSpPr>
+            <a:spLocks noGrp="1"/>
+          </p:cNvSpPr>
+          <p:nvPr>
+            <p:ph type="title"/>
+          </p:nvPr>
+        </p:nvSpPr>
+        <p:spPr/>
+        <p:txBody>
+          <a:bodyPr/>
+          <a:lstStyle/>
+          <a:p>
+            <a:r>
+              <a:rPr lang="it-IT" dirty="0" smtClean="0"/>
               <a:t>Partner</a:t>
             </a:r>
             <a:endParaRPr lang="it-IT" dirty="0"/>
@@ -36154,7 +36288,7 @@
 </p:sld>
 </file>
 
-<file path=ppt/slides/slide11.xml><?xml version="1.0" encoding="utf-8"?>
+<file path=ppt/slides/slide12.xml><?xml version="1.0" encoding="utf-8"?>
 <p:sld xmlns:a="http://schemas.openxmlformats.org/drawingml/2006/main" xmlns:r="http://schemas.openxmlformats.org/officeDocument/2006/relationships" xmlns:p="http://schemas.openxmlformats.org/presentationml/2006/main">
   <p:cSld>
     <p:spTree>
@@ -36358,7 +36492,7 @@
 </p:sld>
 </file>
 
-<file path=ppt/slides/slide12.xml><?xml version="1.0" encoding="utf-8"?>
+<file path=ppt/slides/slide13.xml><?xml version="1.0" encoding="utf-8"?>
 <p:sld xmlns:a="http://schemas.openxmlformats.org/drawingml/2006/main" xmlns:r="http://schemas.openxmlformats.org/officeDocument/2006/relationships" xmlns:p="http://schemas.openxmlformats.org/presentationml/2006/main">
   <p:cSld>
     <p:spTree>
@@ -36492,7 +36626,7 @@
 </p:sld>
 </file>
 
-<file path=ppt/slides/slide13.xml><?xml version="1.0" encoding="utf-8"?>
+<file path=ppt/slides/slide14.xml><?xml version="1.0" encoding="utf-8"?>
 <p:sld xmlns:a="http://schemas.openxmlformats.org/drawingml/2006/main" xmlns:r="http://schemas.openxmlformats.org/officeDocument/2006/relationships" xmlns:p="http://schemas.openxmlformats.org/presentationml/2006/main">
   <p:cSld>
     <p:spTree>
@@ -36906,88 +37040,6 @@
 </p:sld>
 </file>
 
-<file path=ppt/slides/slide14.xml><?xml version="1.0" encoding="utf-8"?>
-<p:sld xmlns:a="http://schemas.openxmlformats.org/drawingml/2006/main" xmlns:r="http://schemas.openxmlformats.org/officeDocument/2006/relationships" xmlns:p="http://schemas.openxmlformats.org/presentationml/2006/main">
-  <p:cSld>
-    <p:spTree>
-      <p:nvGrpSpPr>
-        <p:cNvPr id="1" name=""/>
-        <p:cNvGrpSpPr/>
-        <p:nvPr/>
-      </p:nvGrpSpPr>
-      <p:grpSpPr>
-        <a:xfrm>
-          <a:off x="0" y="0"/>
-          <a:ext cx="0" cy="0"/>
-          <a:chOff x="0" y="0"/>
-          <a:chExt cx="0" cy="0"/>
-        </a:xfrm>
-      </p:grpSpPr>
-      <p:sp>
-        <p:nvSpPr>
-          <p:cNvPr id="2" name="Title 1"/>
-          <p:cNvSpPr>
-            <a:spLocks noGrp="1"/>
-          </p:cNvSpPr>
-          <p:nvPr>
-            <p:ph type="title"/>
-          </p:nvPr>
-        </p:nvSpPr>
-        <p:spPr/>
-        <p:txBody>
-          <a:bodyPr/>
-          <a:lstStyle/>
-          <a:p>
-            <a:r>
-              <a:rPr lang="it-IT" dirty="0" smtClean="0"/>
-              <a:t>Bazaar (bzr)</a:t>
-            </a:r>
-            <a:endParaRPr lang="it-IT" dirty="0"/>
-          </a:p>
-        </p:txBody>
-      </p:sp>
-      <p:graphicFrame>
-        <p:nvGraphicFramePr>
-          <p:cNvPr id="5" name="Diagram 4"/>
-          <p:cNvGraphicFramePr/>
-          <p:nvPr>
-            <p:extLst>
-              <p:ext uri="{D42A27DB-BD31-4B8C-83A1-F6EECF244321}">
-                <p14:modId xmlns:p14="http://schemas.microsoft.com/office/powerpoint/2010/main" val="3656096218"/>
-              </p:ext>
-            </p:extLst>
-          </p:nvPr>
-        </p:nvGraphicFramePr>
-        <p:xfrm>
-          <a:off x="1524000" y="1397000"/>
-          <a:ext cx="6096000" cy="4064000"/>
-        </p:xfrm>
-        <a:graphic>
-          <a:graphicData uri="http://schemas.openxmlformats.org/drawingml/2006/diagram">
-            <dgm:relIds xmlns:dgm="http://schemas.openxmlformats.org/drawingml/2006/diagram" xmlns:r="http://schemas.openxmlformats.org/officeDocument/2006/relationships" r:dm="rId2" r:lo="rId3" r:qs="rId4" r:cs="rId5"/>
-          </a:graphicData>
-        </a:graphic>
-      </p:graphicFrame>
-    </p:spTree>
-    <p:extLst>
-      <p:ext uri="{BB962C8B-B14F-4D97-AF65-F5344CB8AC3E}">
-        <p14:creationId xmlns:p14="http://schemas.microsoft.com/office/powerpoint/2010/main" val="1984151072"/>
-      </p:ext>
-    </p:extLst>
-  </p:cSld>
-  <p:clrMapOvr>
-    <a:masterClrMapping/>
-  </p:clrMapOvr>
-  <p:timing>
-    <p:tnLst>
-      <p:par>
-        <p:cTn xmlns:p14="http://schemas.microsoft.com/office/powerpoint/2010/main" id="1" dur="indefinite" restart="never" nodeType="tmRoot"/>
-      </p:par>
-    </p:tnLst>
-  </p:timing>
-</p:sld>
-</file>
-
 <file path=ppt/slides/slide15.xml><?xml version="1.0" encoding="utf-8"?>
 <p:sld xmlns:a="http://schemas.openxmlformats.org/drawingml/2006/main" xmlns:r="http://schemas.openxmlformats.org/officeDocument/2006/relationships" xmlns:p="http://schemas.openxmlformats.org/presentationml/2006/main">
   <p:cSld>
@@ -37022,7 +37074,7 @@
           <a:p>
             <a:r>
               <a:rPr lang="it-IT" dirty="0" smtClean="0"/>
-              <a:t>Mercurial (hg)</a:t>
+              <a:t>Bazaar (bzr)</a:t>
             </a:r>
             <a:endParaRPr lang="it-IT" dirty="0"/>
           </a:p>
@@ -37035,7 +37087,7 @@
           <p:nvPr>
             <p:extLst>
               <p:ext uri="{D42A27DB-BD31-4B8C-83A1-F6EECF244321}">
-                <p14:modId xmlns:p14="http://schemas.microsoft.com/office/powerpoint/2010/main" val="3149691353"/>
+                <p14:modId xmlns:p14="http://schemas.microsoft.com/office/powerpoint/2010/main" val="3656096218"/>
               </p:ext>
             </p:extLst>
           </p:nvPr>
@@ -37046,14 +37098,14 @@
         </p:xfrm>
         <a:graphic>
           <a:graphicData uri="http://schemas.openxmlformats.org/drawingml/2006/diagram">
-            <dgm:relIds xmlns:dgm="http://schemas.openxmlformats.org/drawingml/2006/diagram" xmlns:r="http://schemas.openxmlformats.org/officeDocument/2006/relationships" r:dm="rId3" r:lo="rId4" r:qs="rId5" r:cs="rId6"/>
+            <dgm:relIds xmlns:dgm="http://schemas.openxmlformats.org/drawingml/2006/diagram" xmlns:r="http://schemas.openxmlformats.org/officeDocument/2006/relationships" r:dm="rId2" r:lo="rId3" r:qs="rId4" r:cs="rId5"/>
           </a:graphicData>
         </a:graphic>
       </p:graphicFrame>
     </p:spTree>
     <p:extLst>
       <p:ext uri="{BB962C8B-B14F-4D97-AF65-F5344CB8AC3E}">
-        <p14:creationId xmlns:p14="http://schemas.microsoft.com/office/powerpoint/2010/main" val="627723391"/>
+        <p14:creationId xmlns:p14="http://schemas.microsoft.com/office/powerpoint/2010/main" val="1984151072"/>
       </p:ext>
     </p:extLst>
   </p:cSld>
@@ -37104,6 +37156,88 @@
           <a:p>
             <a:r>
               <a:rPr lang="it-IT" dirty="0" smtClean="0"/>
+              <a:t>Mercurial (hg)</a:t>
+            </a:r>
+            <a:endParaRPr lang="it-IT" dirty="0"/>
+          </a:p>
+        </p:txBody>
+      </p:sp>
+      <p:graphicFrame>
+        <p:nvGraphicFramePr>
+          <p:cNvPr id="5" name="Diagram 4"/>
+          <p:cNvGraphicFramePr/>
+          <p:nvPr>
+            <p:extLst>
+              <p:ext uri="{D42A27DB-BD31-4B8C-83A1-F6EECF244321}">
+                <p14:modId xmlns:p14="http://schemas.microsoft.com/office/powerpoint/2010/main" val="3149691353"/>
+              </p:ext>
+            </p:extLst>
+          </p:nvPr>
+        </p:nvGraphicFramePr>
+        <p:xfrm>
+          <a:off x="1524000" y="1397000"/>
+          <a:ext cx="6096000" cy="4064000"/>
+        </p:xfrm>
+        <a:graphic>
+          <a:graphicData uri="http://schemas.openxmlformats.org/drawingml/2006/diagram">
+            <dgm:relIds xmlns:dgm="http://schemas.openxmlformats.org/drawingml/2006/diagram" xmlns:r="http://schemas.openxmlformats.org/officeDocument/2006/relationships" r:dm="rId3" r:lo="rId4" r:qs="rId5" r:cs="rId6"/>
+          </a:graphicData>
+        </a:graphic>
+      </p:graphicFrame>
+    </p:spTree>
+    <p:extLst>
+      <p:ext uri="{BB962C8B-B14F-4D97-AF65-F5344CB8AC3E}">
+        <p14:creationId xmlns:p14="http://schemas.microsoft.com/office/powerpoint/2010/main" val="627723391"/>
+      </p:ext>
+    </p:extLst>
+  </p:cSld>
+  <p:clrMapOvr>
+    <a:masterClrMapping/>
+  </p:clrMapOvr>
+  <p:timing>
+    <p:tnLst>
+      <p:par>
+        <p:cTn xmlns:p14="http://schemas.microsoft.com/office/powerpoint/2010/main" id="1" dur="indefinite" restart="never" nodeType="tmRoot"/>
+      </p:par>
+    </p:tnLst>
+  </p:timing>
+</p:sld>
+</file>
+
+<file path=ppt/slides/slide17.xml><?xml version="1.0" encoding="utf-8"?>
+<p:sld xmlns:a="http://schemas.openxmlformats.org/drawingml/2006/main" xmlns:r="http://schemas.openxmlformats.org/officeDocument/2006/relationships" xmlns:p="http://schemas.openxmlformats.org/presentationml/2006/main">
+  <p:cSld>
+    <p:spTree>
+      <p:nvGrpSpPr>
+        <p:cNvPr id="1" name=""/>
+        <p:cNvGrpSpPr/>
+        <p:nvPr/>
+      </p:nvGrpSpPr>
+      <p:grpSpPr>
+        <a:xfrm>
+          <a:off x="0" y="0"/>
+          <a:ext cx="0" cy="0"/>
+          <a:chOff x="0" y="0"/>
+          <a:chExt cx="0" cy="0"/>
+        </a:xfrm>
+      </p:grpSpPr>
+      <p:sp>
+        <p:nvSpPr>
+          <p:cNvPr id="2" name="Title 1"/>
+          <p:cNvSpPr>
+            <a:spLocks noGrp="1"/>
+          </p:cNvSpPr>
+          <p:nvPr>
+            <p:ph type="title"/>
+          </p:nvPr>
+        </p:nvSpPr>
+        <p:spPr/>
+        <p:txBody>
+          <a:bodyPr/>
+          <a:lstStyle/>
+          <a:p>
+            <a:r>
+              <a:rPr lang="it-IT" dirty="0" smtClean="0"/>
               <a:t>GIT</a:t>
             </a:r>
             <a:endParaRPr lang="it-IT" dirty="0"/>
@@ -37152,7 +37286,7 @@
 </p:sld>
 </file>
 
-<file path=ppt/slides/slide17.xml><?xml version="1.0" encoding="utf-8"?>
+<file path=ppt/slides/slide18.xml><?xml version="1.0" encoding="utf-8"?>
 <p:sld xmlns:a="http://schemas.openxmlformats.org/drawingml/2006/main" xmlns:r="http://schemas.openxmlformats.org/officeDocument/2006/relationships" xmlns:p="http://schemas.openxmlformats.org/presentationml/2006/main">
   <p:cSld>
     <p:spTree>
@@ -37557,7 +37691,7 @@
 </p:sld>
 </file>
 
-<file path=ppt/slides/slide18.xml><?xml version="1.0" encoding="utf-8"?>
+<file path=ppt/slides/slide19.xml><?xml version="1.0" encoding="utf-8"?>
 <p:sld xmlns:a="http://schemas.openxmlformats.org/drawingml/2006/main" xmlns:r="http://schemas.openxmlformats.org/officeDocument/2006/relationships" xmlns:p="http://schemas.openxmlformats.org/presentationml/2006/main">
   <p:cSld>
     <p:spTree>
@@ -37639,1199 +37773,7 @@
 </p:sld>
 </file>
 
-<file path=ppt/slides/slide19.xml><?xml version="1.0" encoding="utf-8"?>
-<p:sld xmlns:a="http://schemas.openxmlformats.org/drawingml/2006/main" xmlns:r="http://schemas.openxmlformats.org/officeDocument/2006/relationships" xmlns:p="http://schemas.openxmlformats.org/presentationml/2006/main">
-  <p:cSld>
-    <p:spTree>
-      <p:nvGrpSpPr>
-        <p:cNvPr id="1" name=""/>
-        <p:cNvGrpSpPr/>
-        <p:nvPr/>
-      </p:nvGrpSpPr>
-      <p:grpSpPr>
-        <a:xfrm>
-          <a:off x="0" y="0"/>
-          <a:ext cx="0" cy="0"/>
-          <a:chOff x="0" y="0"/>
-          <a:chExt cx="0" cy="0"/>
-        </a:xfrm>
-      </p:grpSpPr>
-      <p:sp>
-        <p:nvSpPr>
-          <p:cNvPr id="2" name="Title 1"/>
-          <p:cNvSpPr>
-            <a:spLocks noGrp="1"/>
-          </p:cNvSpPr>
-          <p:nvPr>
-            <p:ph type="title"/>
-          </p:nvPr>
-        </p:nvSpPr>
-        <p:spPr/>
-        <p:txBody>
-          <a:bodyPr/>
-          <a:lstStyle/>
-          <a:p>
-            <a:r>
-              <a:rPr lang="it-IT" dirty="0" smtClean="0"/>
-              <a:t>Rebase</a:t>
-            </a:r>
-            <a:endParaRPr lang="it-IT" dirty="0"/>
-          </a:p>
-        </p:txBody>
-      </p:sp>
-      <p:pic>
-        <p:nvPicPr>
-          <p:cNvPr id="4" name="Content Placeholder 3" descr="Screen Clipping"/>
-          <p:cNvPicPr>
-            <a:picLocks noGrp="1" noChangeAspect="1"/>
-          </p:cNvPicPr>
-          <p:nvPr>
-            <p:ph idx="1"/>
-          </p:nvPr>
-        </p:nvPicPr>
-        <p:blipFill>
-          <a:blip r:embed="rId3">
-            <a:extLst>
-              <a:ext uri="{28A0092B-C50C-407E-A947-70E740481C1C}">
-                <a14:useLocalDpi xmlns:a14="http://schemas.microsoft.com/office/drawing/2010/main" val="0"/>
-              </a:ext>
-            </a:extLst>
-          </a:blip>
-          <a:stretch>
-            <a:fillRect/>
-          </a:stretch>
-        </p:blipFill>
-        <p:spPr>
-          <a:xfrm>
-            <a:off x="755576" y="1782289"/>
-            <a:ext cx="2000529" cy="543001"/>
-          </a:xfrm>
-        </p:spPr>
-      </p:pic>
-      <p:pic>
-        <p:nvPicPr>
-          <p:cNvPr id="5" name="Picture 4" descr="Screen Clipping"/>
-          <p:cNvPicPr>
-            <a:picLocks noChangeAspect="1"/>
-          </p:cNvPicPr>
-          <p:nvPr/>
-        </p:nvPicPr>
-        <p:blipFill>
-          <a:blip r:embed="rId4">
-            <a:extLst>
-              <a:ext uri="{28A0092B-C50C-407E-A947-70E740481C1C}">
-                <a14:useLocalDpi xmlns:a14="http://schemas.microsoft.com/office/drawing/2010/main" val="0"/>
-              </a:ext>
-            </a:extLst>
-          </a:blip>
-          <a:stretch>
-            <a:fillRect/>
-          </a:stretch>
-        </p:blipFill>
-        <p:spPr>
-          <a:xfrm>
-            <a:off x="5930999" y="1775858"/>
-            <a:ext cx="2734057" cy="543001"/>
-          </a:xfrm>
-          <a:prstGeom prst="rect">
-            <a:avLst/>
-          </a:prstGeom>
-        </p:spPr>
-      </p:pic>
-      <p:sp>
-        <p:nvSpPr>
-          <p:cNvPr id="6" name="Right Arrow 5"/>
-          <p:cNvSpPr/>
-          <p:nvPr/>
-        </p:nvSpPr>
-        <p:spPr>
-          <a:xfrm>
-            <a:off x="3131840" y="1274641"/>
-            <a:ext cx="2484276" cy="1584719"/>
-          </a:xfrm>
-          <a:prstGeom prst="rightArrow">
-            <a:avLst/>
-          </a:prstGeom>
-        </p:spPr>
-        <p:style>
-          <a:lnRef idx="2">
-            <a:schemeClr val="accent1">
-              <a:shade val="50000"/>
-            </a:schemeClr>
-          </a:lnRef>
-          <a:fillRef idx="1">
-            <a:schemeClr val="accent1"/>
-          </a:fillRef>
-          <a:effectRef idx="0">
-            <a:schemeClr val="accent1"/>
-          </a:effectRef>
-          <a:fontRef idx="minor">
-            <a:schemeClr val="lt1"/>
-          </a:fontRef>
-        </p:style>
-        <p:txBody>
-          <a:bodyPr rtlCol="0" anchor="ctr"/>
-          <a:lstStyle/>
-          <a:p>
-            <a:pPr algn="ctr"/>
-            <a:r>
-              <a:rPr lang="en-US" dirty="0" err="1"/>
-              <a:t>git</a:t>
-            </a:r>
-            <a:r>
-              <a:rPr lang="en-US" dirty="0"/>
-              <a:t> </a:t>
-            </a:r>
-            <a:r>
-              <a:rPr lang="en-US" dirty="0" smtClean="0"/>
-              <a:t>checkout </a:t>
-            </a:r>
-            <a:r>
-              <a:rPr lang="en-US" dirty="0"/>
-              <a:t>topic </a:t>
-            </a:r>
-          </a:p>
-          <a:p>
-            <a:pPr algn="ctr"/>
-            <a:r>
-              <a:rPr lang="en-US" dirty="0" err="1" smtClean="0"/>
-              <a:t>git</a:t>
-            </a:r>
-            <a:r>
-              <a:rPr lang="en-US" dirty="0" smtClean="0"/>
-              <a:t> </a:t>
-            </a:r>
-            <a:r>
-              <a:rPr lang="en-US" dirty="0"/>
-              <a:t>rebase master.</a:t>
-            </a:r>
-            <a:endParaRPr lang="it-IT" dirty="0"/>
-          </a:p>
-        </p:txBody>
-      </p:sp>
-      <p:pic>
-        <p:nvPicPr>
-          <p:cNvPr id="8" name="Picture 7" descr="Screen Clipping"/>
-          <p:cNvPicPr>
-            <a:picLocks noChangeAspect="1"/>
-          </p:cNvPicPr>
-          <p:nvPr/>
-        </p:nvPicPr>
-        <p:blipFill>
-          <a:blip r:embed="rId5">
-            <a:extLst>
-              <a:ext uri="{28A0092B-C50C-407E-A947-70E740481C1C}">
-                <a14:useLocalDpi xmlns:a14="http://schemas.microsoft.com/office/drawing/2010/main" val="0"/>
-              </a:ext>
-            </a:extLst>
-          </a:blip>
-          <a:stretch>
-            <a:fillRect/>
-          </a:stretch>
-        </p:blipFill>
-        <p:spPr>
-          <a:xfrm>
-            <a:off x="831786" y="4101035"/>
-            <a:ext cx="1924319" cy="552527"/>
-          </a:xfrm>
-          <a:prstGeom prst="rect">
-            <a:avLst/>
-          </a:prstGeom>
-        </p:spPr>
-      </p:pic>
-      <p:sp>
-        <p:nvSpPr>
-          <p:cNvPr id="9" name="Right Arrow 8"/>
-          <p:cNvSpPr/>
-          <p:nvPr/>
-        </p:nvSpPr>
-        <p:spPr>
-          <a:xfrm>
-            <a:off x="3277580" y="3584940"/>
-            <a:ext cx="2484276" cy="1584719"/>
-          </a:xfrm>
-          <a:prstGeom prst="rightArrow">
-            <a:avLst/>
-          </a:prstGeom>
-        </p:spPr>
-        <p:style>
-          <a:lnRef idx="2">
-            <a:schemeClr val="accent1">
-              <a:shade val="50000"/>
-            </a:schemeClr>
-          </a:lnRef>
-          <a:fillRef idx="1">
-            <a:schemeClr val="accent1"/>
-          </a:fillRef>
-          <a:effectRef idx="0">
-            <a:schemeClr val="accent1"/>
-          </a:effectRef>
-          <a:fontRef idx="minor">
-            <a:schemeClr val="lt1"/>
-          </a:fontRef>
-        </p:style>
-        <p:txBody>
-          <a:bodyPr rtlCol="0" anchor="ctr"/>
-          <a:lstStyle/>
-          <a:p>
-            <a:pPr algn="ctr"/>
-            <a:r>
-              <a:rPr lang="en-US" dirty="0" err="1"/>
-              <a:t>git</a:t>
-            </a:r>
-            <a:r>
-              <a:rPr lang="en-US" dirty="0"/>
-              <a:t> </a:t>
-            </a:r>
-            <a:r>
-              <a:rPr lang="en-US" dirty="0" smtClean="0"/>
-              <a:t>checkout </a:t>
-            </a:r>
-            <a:r>
-              <a:rPr lang="en-US" dirty="0"/>
-              <a:t>topic </a:t>
-            </a:r>
-          </a:p>
-          <a:p>
-            <a:pPr algn="ctr"/>
-            <a:r>
-              <a:rPr lang="en-US" dirty="0" err="1" smtClean="0"/>
-              <a:t>git</a:t>
-            </a:r>
-            <a:r>
-              <a:rPr lang="en-US" dirty="0" smtClean="0"/>
-              <a:t> </a:t>
-            </a:r>
-            <a:r>
-              <a:rPr lang="en-US" dirty="0"/>
-              <a:t>rebase master.</a:t>
-            </a:r>
-            <a:endParaRPr lang="it-IT" dirty="0"/>
-          </a:p>
-        </p:txBody>
-      </p:sp>
-      <p:pic>
-        <p:nvPicPr>
-          <p:cNvPr id="10" name="Picture 9" descr="Screen Clipping"/>
-          <p:cNvPicPr>
-            <a:picLocks noChangeAspect="1"/>
-          </p:cNvPicPr>
-          <p:nvPr/>
-        </p:nvPicPr>
-        <p:blipFill>
-          <a:blip r:embed="rId6">
-            <a:extLst>
-              <a:ext uri="{28A0092B-C50C-407E-A947-70E740481C1C}">
-                <a14:useLocalDpi xmlns:a14="http://schemas.microsoft.com/office/drawing/2010/main" val="0"/>
-              </a:ext>
-            </a:extLst>
-          </a:blip>
-          <a:stretch>
-            <a:fillRect/>
-          </a:stretch>
-        </p:blipFill>
-        <p:spPr>
-          <a:xfrm>
-            <a:off x="6048164" y="4101035"/>
-            <a:ext cx="2486372" cy="552527"/>
-          </a:xfrm>
-          <a:prstGeom prst="rect">
-            <a:avLst/>
-          </a:prstGeom>
-        </p:spPr>
-      </p:pic>
-    </p:spTree>
-    <p:extLst>
-      <p:ext uri="{BB962C8B-B14F-4D97-AF65-F5344CB8AC3E}">
-        <p14:creationId xmlns:p14="http://schemas.microsoft.com/office/powerpoint/2010/main" val="3127109341"/>
-      </p:ext>
-    </p:extLst>
-  </p:cSld>
-  <p:clrMapOvr>
-    <a:masterClrMapping/>
-  </p:clrMapOvr>
-  <p:timing>
-    <p:tnLst>
-      <p:par>
-        <p:cTn xmlns:p14="http://schemas.microsoft.com/office/powerpoint/2010/main" id="1" dur="indefinite" restart="never" nodeType="tmRoot"/>
-      </p:par>
-    </p:tnLst>
-  </p:timing>
-</p:sld>
-</file>
-
 <file path=ppt/slides/slide2.xml><?xml version="1.0" encoding="utf-8"?>
-<p:sld xmlns:a="http://schemas.openxmlformats.org/drawingml/2006/main" xmlns:r="http://schemas.openxmlformats.org/officeDocument/2006/relationships" xmlns:p="http://schemas.openxmlformats.org/presentationml/2006/main">
-  <p:cSld>
-    <p:spTree>
-      <p:nvGrpSpPr>
-        <p:cNvPr id="1" name=""/>
-        <p:cNvGrpSpPr/>
-        <p:nvPr/>
-      </p:nvGrpSpPr>
-      <p:grpSpPr>
-        <a:xfrm>
-          <a:off x="0" y="0"/>
-          <a:ext cx="0" cy="0"/>
-          <a:chOff x="0" y="0"/>
-          <a:chExt cx="0" cy="0"/>
-        </a:xfrm>
-      </p:grpSpPr>
-      <p:sp>
-        <p:nvSpPr>
-          <p:cNvPr id="2" name="Title 1"/>
-          <p:cNvSpPr>
-            <a:spLocks noGrp="1"/>
-          </p:cNvSpPr>
-          <p:nvPr>
-            <p:ph type="title"/>
-          </p:nvPr>
-        </p:nvSpPr>
-        <p:spPr/>
-        <p:txBody>
-          <a:bodyPr/>
-          <a:lstStyle/>
-          <a:p>
-            <a:r>
-              <a:rPr lang="it-IT" dirty="0" smtClean="0"/>
-              <a:t>Agenda</a:t>
-            </a:r>
-            <a:endParaRPr lang="it-IT" dirty="0"/>
-          </a:p>
-        </p:txBody>
-      </p:sp>
-      <p:pic>
-        <p:nvPicPr>
-          <p:cNvPr id="3" name="Picture 2" descr="Screen Clipping"/>
-          <p:cNvPicPr>
-            <a:picLocks noChangeAspect="1"/>
-          </p:cNvPicPr>
-          <p:nvPr/>
-        </p:nvPicPr>
-        <p:blipFill>
-          <a:blip r:embed="rId2">
-            <a:clrChange>
-              <a:clrFrom>
-                <a:srgbClr xmlns:mc="http://schemas.openxmlformats.org/markup-compatibility/2006" xmlns:a14="http://schemas.microsoft.com/office/drawing/2010/main" val="FFFFFF" mc:Ignorable=""/>
-              </a:clrFrom>
-              <a:clrTo>
-                <a:srgbClr xmlns:mc="http://schemas.openxmlformats.org/markup-compatibility/2006" xmlns:a14="http://schemas.microsoft.com/office/drawing/2010/main" val="FFFFFF" mc:Ignorable="">
-                  <a:alpha val="0"/>
-                </a:srgbClr>
-              </a:clrTo>
-            </a:clrChange>
-            <a:extLst>
-              <a:ext uri="{28A0092B-C50C-407E-A947-70E740481C1C}">
-                <a14:useLocalDpi xmlns:a14="http://schemas.microsoft.com/office/drawing/2010/main" val="0"/>
-              </a:ext>
-            </a:extLst>
-          </a:blip>
-          <a:stretch>
-            <a:fillRect/>
-          </a:stretch>
-        </p:blipFill>
-        <p:spPr>
-          <a:xfrm>
-            <a:off x="316495" y="1232756"/>
-            <a:ext cx="8373644" cy="4810797"/>
-          </a:xfrm>
-          <a:prstGeom prst="rect">
-            <a:avLst/>
-          </a:prstGeom>
-        </p:spPr>
-      </p:pic>
-    </p:spTree>
-    <p:extLst>
-      <p:ext uri="{BB962C8B-B14F-4D97-AF65-F5344CB8AC3E}">
-        <p14:creationId xmlns:p14="http://schemas.microsoft.com/office/powerpoint/2010/main" val="3352071423"/>
-      </p:ext>
-    </p:extLst>
-  </p:cSld>
-  <p:clrMapOvr>
-    <a:masterClrMapping/>
-  </p:clrMapOvr>
-  <p:timing>
-    <p:tnLst>
-      <p:par>
-        <p:cTn xmlns:p14="http://schemas.microsoft.com/office/powerpoint/2010/main" id="1" dur="indefinite" restart="never" nodeType="tmRoot"/>
-      </p:par>
-    </p:tnLst>
-  </p:timing>
-</p:sld>
-</file>
-
-<file path=ppt/slides/slide20.xml><?xml version="1.0" encoding="utf-8"?>
-<p:sld xmlns:a="http://schemas.openxmlformats.org/drawingml/2006/main" xmlns:r="http://schemas.openxmlformats.org/officeDocument/2006/relationships" xmlns:p="http://schemas.openxmlformats.org/presentationml/2006/main">
-  <p:cSld>
-    <p:spTree>
-      <p:nvGrpSpPr>
-        <p:cNvPr id="1" name=""/>
-        <p:cNvGrpSpPr/>
-        <p:nvPr/>
-      </p:nvGrpSpPr>
-      <p:grpSpPr>
-        <a:xfrm>
-          <a:off x="0" y="0"/>
-          <a:ext cx="0" cy="0"/>
-          <a:chOff x="0" y="0"/>
-          <a:chExt cx="0" cy="0"/>
-        </a:xfrm>
-      </p:grpSpPr>
-      <p:sp>
-        <p:nvSpPr>
-          <p:cNvPr id="2" name="Title 1"/>
-          <p:cNvSpPr>
-            <a:spLocks noGrp="1"/>
-          </p:cNvSpPr>
-          <p:nvPr>
-            <p:ph type="title"/>
-          </p:nvPr>
-        </p:nvSpPr>
-        <p:spPr/>
-        <p:txBody>
-          <a:bodyPr/>
-          <a:lstStyle/>
-          <a:p>
-            <a:r>
-              <a:rPr lang="it-IT" dirty="0" smtClean="0"/>
-              <a:t>Bisect</a:t>
-            </a:r>
-            <a:endParaRPr lang="it-IT" dirty="0"/>
-          </a:p>
-        </p:txBody>
-      </p:sp>
-      <p:sp>
-        <p:nvSpPr>
-          <p:cNvPr id="3" name="Content Placeholder 2"/>
-          <p:cNvSpPr>
-            <a:spLocks noGrp="1"/>
-          </p:cNvSpPr>
-          <p:nvPr>
-            <p:ph idx="1"/>
-          </p:nvPr>
-        </p:nvSpPr>
-        <p:spPr>
-          <a:xfrm>
-            <a:off x="1871700" y="1600200"/>
-            <a:ext cx="6815100" cy="4876800"/>
-          </a:xfrm>
-        </p:spPr>
-        <p:txBody>
-          <a:bodyPr/>
-          <a:lstStyle/>
-          <a:p>
-            <a:r>
-              <a:rPr lang="en-US" dirty="0" err="1"/>
-              <a:t>git</a:t>
-            </a:r>
-            <a:r>
-              <a:rPr lang="en-US" dirty="0"/>
-              <a:t> bisect start </a:t>
-            </a:r>
-            <a:endParaRPr lang="en-US" dirty="0" smtClean="0"/>
-          </a:p>
-          <a:p>
-            <a:r>
-              <a:rPr lang="en-US" dirty="0" err="1" smtClean="0"/>
-              <a:t>git</a:t>
-            </a:r>
-            <a:r>
-              <a:rPr lang="en-US" dirty="0" smtClean="0"/>
-              <a:t> </a:t>
-            </a:r>
-            <a:r>
-              <a:rPr lang="en-US" dirty="0"/>
-              <a:t>bisect good </a:t>
-            </a:r>
-            <a:r>
-              <a:rPr lang="en-US" dirty="0" err="1" smtClean="0"/>
-              <a:t>tagGoodRelease</a:t>
-            </a:r>
-            <a:r>
-              <a:rPr lang="en-US" dirty="0" smtClean="0"/>
-              <a:t> </a:t>
-            </a:r>
-          </a:p>
-          <a:p>
-            <a:r>
-              <a:rPr lang="en-US" dirty="0" err="1" smtClean="0"/>
-              <a:t>git</a:t>
-            </a:r>
-            <a:r>
-              <a:rPr lang="en-US" dirty="0" smtClean="0"/>
-              <a:t> </a:t>
-            </a:r>
-            <a:r>
-              <a:rPr lang="en-US" dirty="0"/>
-              <a:t>bisect bad </a:t>
-            </a:r>
-            <a:r>
-              <a:rPr lang="en-US" dirty="0" err="1" smtClean="0"/>
-              <a:t>tagError</a:t>
-            </a:r>
-            <a:endParaRPr lang="en-US" dirty="0" smtClean="0"/>
-          </a:p>
-          <a:p>
-            <a:pPr marL="0" indent="0">
-              <a:buNone/>
-            </a:pPr>
-            <a:endParaRPr lang="it-IT" dirty="0" smtClean="0"/>
-          </a:p>
-          <a:p>
-            <a:r>
-              <a:rPr lang="it-IT" dirty="0"/>
-              <a:t>git bisect </a:t>
-            </a:r>
-            <a:r>
-              <a:rPr lang="it-IT" dirty="0" smtClean="0"/>
-              <a:t>good</a:t>
-            </a:r>
-          </a:p>
-          <a:p>
-            <a:r>
-              <a:rPr lang="it-IT" dirty="0" smtClean="0"/>
-              <a:t>git </a:t>
-            </a:r>
-            <a:r>
-              <a:rPr lang="it-IT" dirty="0"/>
-              <a:t>bisect </a:t>
-            </a:r>
-            <a:r>
-              <a:rPr lang="it-IT" dirty="0" smtClean="0"/>
-              <a:t>bad</a:t>
-            </a:r>
-          </a:p>
-          <a:p>
-            <a:pPr marL="0" indent="0">
-              <a:buNone/>
-            </a:pPr>
-            <a:endParaRPr lang="it-IT" dirty="0" smtClean="0"/>
-          </a:p>
-          <a:p>
-            <a:r>
-              <a:rPr lang="en-US" dirty="0" err="1"/>
-              <a:t>git</a:t>
-            </a:r>
-            <a:r>
-              <a:rPr lang="en-US" dirty="0"/>
-              <a:t> bisect visualize. </a:t>
-            </a:r>
-          </a:p>
-          <a:p>
-            <a:r>
-              <a:rPr lang="en-US" dirty="0" err="1" smtClean="0"/>
-              <a:t>git</a:t>
-            </a:r>
-            <a:r>
-              <a:rPr lang="en-US" dirty="0" smtClean="0"/>
-              <a:t> </a:t>
-            </a:r>
-            <a:r>
-              <a:rPr lang="en-US" dirty="0"/>
-              <a:t>bisect reset</a:t>
-            </a:r>
-          </a:p>
-          <a:p>
-            <a:endParaRPr lang="it-IT" dirty="0" smtClean="0"/>
-          </a:p>
-          <a:p>
-            <a:endParaRPr lang="it-IT" dirty="0"/>
-          </a:p>
-        </p:txBody>
-      </p:sp>
-    </p:spTree>
-    <p:extLst>
-      <p:ext uri="{BB962C8B-B14F-4D97-AF65-F5344CB8AC3E}">
-        <p14:creationId xmlns:p14="http://schemas.microsoft.com/office/powerpoint/2010/main" val="2076541579"/>
-      </p:ext>
-    </p:extLst>
-  </p:cSld>
-  <p:clrMapOvr>
-    <a:masterClrMapping/>
-  </p:clrMapOvr>
-  <p:timing>
-    <p:tnLst>
-      <p:par>
-        <p:cTn xmlns:p14="http://schemas.microsoft.com/office/powerpoint/2010/main" id="1" dur="indefinite" restart="never" nodeType="tmRoot"/>
-      </p:par>
-    </p:tnLst>
-  </p:timing>
-</p:sld>
-</file>
-
-<file path=ppt/slides/slide21.xml><?xml version="1.0" encoding="utf-8"?>
-<p:sld xmlns:a="http://schemas.openxmlformats.org/drawingml/2006/main" xmlns:r="http://schemas.openxmlformats.org/officeDocument/2006/relationships" xmlns:p="http://schemas.openxmlformats.org/presentationml/2006/main">
-  <p:cSld>
-    <p:spTree>
-      <p:nvGrpSpPr>
-        <p:cNvPr id="1" name=""/>
-        <p:cNvGrpSpPr/>
-        <p:nvPr/>
-      </p:nvGrpSpPr>
-      <p:grpSpPr>
-        <a:xfrm>
-          <a:off x="0" y="0"/>
-          <a:ext cx="0" cy="0"/>
-          <a:chOff x="0" y="0"/>
-          <a:chExt cx="0" cy="0"/>
-        </a:xfrm>
-      </p:grpSpPr>
-      <p:sp>
-        <p:nvSpPr>
-          <p:cNvPr id="2" name="Title 1"/>
-          <p:cNvSpPr>
-            <a:spLocks noGrp="1"/>
-          </p:cNvSpPr>
-          <p:nvPr>
-            <p:ph type="title"/>
-          </p:nvPr>
-        </p:nvSpPr>
-        <p:spPr/>
-        <p:txBody>
-          <a:bodyPr/>
-          <a:lstStyle/>
-          <a:p>
-            <a:r>
-              <a:rPr lang="it-IT" dirty="0" smtClean="0"/>
-              <a:t>One</a:t>
-            </a:r>
-            <a:endParaRPr lang="it-IT" dirty="0"/>
-          </a:p>
-        </p:txBody>
-      </p:sp>
-      <p:graphicFrame>
-        <p:nvGraphicFramePr>
-          <p:cNvPr id="4" name="Content Placeholder 3"/>
-          <p:cNvGraphicFramePr>
-            <a:graphicFrameLocks noGrp="1"/>
-          </p:cNvGraphicFramePr>
-          <p:nvPr>
-            <p:ph idx="1"/>
-            <p:extLst>
-              <p:ext uri="{D42A27DB-BD31-4B8C-83A1-F6EECF244321}">
-                <p14:modId xmlns:p14="http://schemas.microsoft.com/office/powerpoint/2010/main" val="119140037"/>
-              </p:ext>
-            </p:extLst>
-          </p:nvPr>
-        </p:nvGraphicFramePr>
-        <p:xfrm>
-          <a:off x="457200" y="1600200"/>
-          <a:ext cx="8229600" cy="4876800"/>
-        </p:xfrm>
-        <a:graphic>
-          <a:graphicData uri="http://schemas.openxmlformats.org/drawingml/2006/diagram">
-            <dgm:relIds xmlns:dgm="http://schemas.openxmlformats.org/drawingml/2006/diagram" xmlns:r="http://schemas.openxmlformats.org/officeDocument/2006/relationships" r:dm="rId3" r:lo="rId4" r:qs="rId5" r:cs="rId6"/>
-          </a:graphicData>
-        </a:graphic>
-      </p:graphicFrame>
-    </p:spTree>
-    <p:extLst>
-      <p:ext uri="{BB962C8B-B14F-4D97-AF65-F5344CB8AC3E}">
-        <p14:creationId xmlns:p14="http://schemas.microsoft.com/office/powerpoint/2010/main" val="3078399222"/>
-      </p:ext>
-    </p:extLst>
-  </p:cSld>
-  <p:clrMapOvr>
-    <a:masterClrMapping/>
-  </p:clrMapOvr>
-  <p:timing>
-    <p:tnLst>
-      <p:par>
-        <p:cTn xmlns:p14="http://schemas.microsoft.com/office/powerpoint/2010/main" id="1" dur="indefinite" restart="never" nodeType="tmRoot"/>
-      </p:par>
-    </p:tnLst>
-  </p:timing>
-</p:sld>
-</file>
-
-<file path=ppt/slides/slide22.xml><?xml version="1.0" encoding="utf-8"?>
-<p:sld xmlns:a="http://schemas.openxmlformats.org/drawingml/2006/main" xmlns:r="http://schemas.openxmlformats.org/officeDocument/2006/relationships" xmlns:p="http://schemas.openxmlformats.org/presentationml/2006/main">
-  <p:cSld>
-    <p:spTree>
-      <p:nvGrpSpPr>
-        <p:cNvPr id="1" name=""/>
-        <p:cNvGrpSpPr/>
-        <p:nvPr/>
-      </p:nvGrpSpPr>
-      <p:grpSpPr>
-        <a:xfrm>
-          <a:off x="0" y="0"/>
-          <a:ext cx="0" cy="0"/>
-          <a:chOff x="0" y="0"/>
-          <a:chExt cx="0" cy="0"/>
-        </a:xfrm>
-      </p:grpSpPr>
-      <p:sp>
-        <p:nvSpPr>
-          <p:cNvPr id="2" name="Title 1"/>
-          <p:cNvSpPr>
-            <a:spLocks noGrp="1"/>
-          </p:cNvSpPr>
-          <p:nvPr>
-            <p:ph type="title"/>
-          </p:nvPr>
-        </p:nvSpPr>
-        <p:spPr/>
-        <p:txBody>
-          <a:bodyPr/>
-          <a:lstStyle/>
-          <a:p>
-            <a:r>
-              <a:rPr lang="it-IT" dirty="0" smtClean="0"/>
-              <a:t>UI</a:t>
-            </a:r>
-            <a:endParaRPr lang="it-IT" dirty="0"/>
-          </a:p>
-        </p:txBody>
-      </p:sp>
-      <p:graphicFrame>
-        <p:nvGraphicFramePr>
-          <p:cNvPr id="4" name="Diagram 3"/>
-          <p:cNvGraphicFramePr/>
-          <p:nvPr>
-            <p:extLst>
-              <p:ext uri="{D42A27DB-BD31-4B8C-83A1-F6EECF244321}">
-                <p14:modId xmlns:p14="http://schemas.microsoft.com/office/powerpoint/2010/main" val="1879296952"/>
-              </p:ext>
-            </p:extLst>
-          </p:nvPr>
-        </p:nvGraphicFramePr>
-        <p:xfrm>
-          <a:off x="1943708" y="1808820"/>
-          <a:ext cx="6096000" cy="4064000"/>
-        </p:xfrm>
-        <a:graphic>
-          <a:graphicData uri="http://schemas.openxmlformats.org/drawingml/2006/diagram">
-            <dgm:relIds xmlns:dgm="http://schemas.openxmlformats.org/drawingml/2006/diagram" xmlns:r="http://schemas.openxmlformats.org/officeDocument/2006/relationships" r:dm="rId2" r:lo="rId3" r:qs="rId4" r:cs="rId5"/>
-          </a:graphicData>
-        </a:graphic>
-      </p:graphicFrame>
-    </p:spTree>
-    <p:extLst>
-      <p:ext uri="{BB962C8B-B14F-4D97-AF65-F5344CB8AC3E}">
-        <p14:creationId xmlns:p14="http://schemas.microsoft.com/office/powerpoint/2010/main" val="226911060"/>
-      </p:ext>
-    </p:extLst>
-  </p:cSld>
-  <p:clrMapOvr>
-    <a:masterClrMapping/>
-  </p:clrMapOvr>
-  <p:timing>
-    <p:tnLst>
-      <p:par>
-        <p:cTn xmlns:p14="http://schemas.microsoft.com/office/powerpoint/2010/main" id="1" dur="indefinite" restart="never" nodeType="tmRoot"/>
-      </p:par>
-    </p:tnLst>
-  </p:timing>
-</p:sld>
-</file>
-
-<file path=ppt/slides/slide23.xml><?xml version="1.0" encoding="utf-8"?>
-<p:sld xmlns:a="http://schemas.openxmlformats.org/drawingml/2006/main" xmlns:r="http://schemas.openxmlformats.org/officeDocument/2006/relationships" xmlns:p="http://schemas.openxmlformats.org/presentationml/2006/main">
-  <p:cSld>
-    <p:spTree>
-      <p:nvGrpSpPr>
-        <p:cNvPr id="1" name=""/>
-        <p:cNvGrpSpPr/>
-        <p:nvPr/>
-      </p:nvGrpSpPr>
-      <p:grpSpPr>
-        <a:xfrm>
-          <a:off x="0" y="0"/>
-          <a:ext cx="0" cy="0"/>
-          <a:chOff x="0" y="0"/>
-          <a:chExt cx="0" cy="0"/>
-        </a:xfrm>
-      </p:grpSpPr>
-      <p:sp>
-        <p:nvSpPr>
-          <p:cNvPr id="2109" name="Rectangle 61"/>
-          <p:cNvSpPr>
-            <a:spLocks noChangeArrowheads="1"/>
-          </p:cNvSpPr>
-          <p:nvPr/>
-        </p:nvSpPr>
-        <p:spPr bwMode="auto">
-          <a:xfrm>
-            <a:off x="0" y="2085975"/>
-            <a:ext cx="9144000" cy="2438400"/>
-          </a:xfrm>
-          <a:prstGeom prst="rect">
-            <a:avLst/>
-          </a:prstGeom>
-          <a:solidFill>
-            <a:schemeClr val="accent1">
-              <a:alpha val="57001"/>
-            </a:schemeClr>
-          </a:solidFill>
-          <a:ln>
-            <a:noFill/>
-          </a:ln>
-          <a:effectLst/>
-          <a:extLst>
-            <a:ext uri="{91240B29-F687-4F45-9708-019B960494DF}">
-              <a14:hiddenLine xmlns:a14="http://schemas.microsoft.com/office/drawing/2010/main" w="9525">
-                <a:solidFill>
-                  <a:schemeClr val="tx1"/>
-                </a:solidFill>
-                <a:miter lim="800000"/>
-                <a:headEnd/>
-                <a:tailEnd/>
-              </a14:hiddenLine>
-            </a:ext>
-            <a:ext uri="{AF507438-7753-43E0-B8FC-AC1667EBCBE1}">
-              <a14:hiddenEffects xmlns:a14="http://schemas.microsoft.com/office/drawing/2010/main">
-                <a:effectLst>
-                  <a:outerShdw dist="35921" dir="2700000" algn="ctr" rotWithShape="0">
-                    <a:schemeClr val="bg2"/>
-                  </a:outerShdw>
-                </a:effectLst>
-              </a14:hiddenEffects>
-            </a:ext>
-          </a:extLst>
-        </p:spPr>
-        <p:txBody>
-          <a:bodyPr wrap="none" anchor="ctr"/>
-          <a:lstStyle/>
-          <a:p>
-            <a:endParaRPr lang="it-IT">
-              <a:solidFill>
-                <a:srgbClr xmlns:mc="http://schemas.openxmlformats.org/markup-compatibility/2006" xmlns:a14="http://schemas.microsoft.com/office/drawing/2010/main" val="292934" mc:Ignorable=""/>
-              </a:solidFill>
-            </a:endParaRPr>
-          </a:p>
-        </p:txBody>
-      </p:sp>
-      <p:sp>
-        <p:nvSpPr>
-          <p:cNvPr id="2063" name="Text Box 15"/>
-          <p:cNvSpPr txBox="1">
-            <a:spLocks noChangeArrowheads="1"/>
-          </p:cNvSpPr>
-          <p:nvPr/>
-        </p:nvSpPr>
-        <p:spPr bwMode="auto">
-          <a:xfrm>
-            <a:off x="3870325" y="1719263"/>
-            <a:ext cx="184150" cy="366712"/>
-          </a:xfrm>
-          <a:prstGeom prst="rect">
-            <a:avLst/>
-          </a:prstGeom>
-          <a:noFill/>
-          <a:ln>
-            <a:noFill/>
-          </a:ln>
-          <a:effectLst/>
-          <a:extLst>
-            <a:ext uri="{909E8E84-426E-40DD-AFC4-6F175D3DCCD1}">
-              <a14:hiddenFill xmlns:a14="http://schemas.microsoft.com/office/drawing/2010/main">
-                <a:solidFill>
-                  <a:schemeClr val="accent1"/>
-                </a:solidFill>
-              </a14:hiddenFill>
-            </a:ext>
-            <a:ext uri="{91240B29-F687-4F45-9708-019B960494DF}">
-              <a14:hiddenLine xmlns:a14="http://schemas.microsoft.com/office/drawing/2010/main" w="9525">
-                <a:solidFill>
-                  <a:schemeClr val="tx1"/>
-                </a:solidFill>
-                <a:miter lim="800000"/>
-                <a:headEnd/>
-                <a:tailEnd/>
-              </a14:hiddenLine>
-            </a:ext>
-            <a:ext uri="{AF507438-7753-43E0-B8FC-AC1667EBCBE1}">
-              <a14:hiddenEffects xmlns:a14="http://schemas.microsoft.com/office/drawing/2010/main">
-                <a:effectLst>
-                  <a:outerShdw dist="35921" dir="2700000" algn="ctr" rotWithShape="0">
-                    <a:schemeClr val="bg2"/>
-                  </a:outerShdw>
-                </a:effectLst>
-              </a14:hiddenEffects>
-            </a:ext>
-          </a:extLst>
-        </p:spPr>
-        <p:txBody>
-          <a:bodyPr wrap="none">
-            <a:spAutoFit/>
-          </a:bodyPr>
-          <a:lstStyle/>
-          <a:p>
-            <a:endParaRPr lang="en-GB">
-              <a:solidFill>
-                <a:srgbClr xmlns:mc="http://schemas.openxmlformats.org/markup-compatibility/2006" xmlns:a14="http://schemas.microsoft.com/office/drawing/2010/main" val="292934" mc:Ignorable=""/>
-              </a:solidFill>
-            </a:endParaRPr>
-          </a:p>
-        </p:txBody>
-      </p:sp>
-      <p:sp>
-        <p:nvSpPr>
-          <p:cNvPr id="2103" name="Text Box 55"/>
-          <p:cNvSpPr txBox="1">
-            <a:spLocks noChangeArrowheads="1"/>
-          </p:cNvSpPr>
-          <p:nvPr/>
-        </p:nvSpPr>
-        <p:spPr bwMode="auto">
-          <a:xfrm>
-            <a:off x="6626225" y="2116138"/>
-            <a:ext cx="2467342" cy="2554545"/>
-          </a:xfrm>
-          <a:prstGeom prst="rect">
-            <a:avLst/>
-          </a:prstGeom>
-          <a:noFill/>
-          <a:ln>
-            <a:noFill/>
-          </a:ln>
-          <a:effectLst/>
-          <a:extLst>
-            <a:ext uri="{909E8E84-426E-40DD-AFC4-6F175D3DCCD1}">
-              <a14:hiddenFill xmlns:a14="http://schemas.microsoft.com/office/drawing/2010/main">
-                <a:solidFill>
-                  <a:schemeClr val="accent1"/>
-                </a:solidFill>
-              </a14:hiddenFill>
-            </a:ext>
-            <a:ext uri="{91240B29-F687-4F45-9708-019B960494DF}">
-              <a14:hiddenLine xmlns:a14="http://schemas.microsoft.com/office/drawing/2010/main" w="9525">
-                <a:solidFill>
-                  <a:schemeClr val="tx1"/>
-                </a:solidFill>
-                <a:miter lim="800000"/>
-                <a:headEnd/>
-                <a:tailEnd/>
-              </a14:hiddenLine>
-            </a:ext>
-            <a:ext uri="{AF507438-7753-43E0-B8FC-AC1667EBCBE1}">
-              <a14:hiddenEffects xmlns:a14="http://schemas.microsoft.com/office/drawing/2010/main">
-                <a:effectLst>
-                  <a:outerShdw dist="35921" dir="2700000" algn="ctr" rotWithShape="0">
-                    <a:schemeClr val="bg2"/>
-                  </a:outerShdw>
-                </a:effectLst>
-              </a14:hiddenEffects>
-            </a:ext>
-          </a:extLst>
-        </p:spPr>
-        <p:txBody>
-          <a:bodyPr wrap="none">
-            <a:spAutoFit/>
-          </a:bodyPr>
-          <a:lstStyle/>
-          <a:p>
-            <a:r>
-              <a:rPr lang="en-US" sz="16000" b="1" dirty="0" smtClean="0">
-                <a:solidFill>
-                  <a:srgbClr xmlns:mc="http://schemas.openxmlformats.org/markup-compatibility/2006" xmlns:a14="http://schemas.microsoft.com/office/drawing/2010/main" val="FFFFFF" mc:Ignorable=""/>
-                </a:solidFill>
-              </a:rPr>
-              <a:t>06</a:t>
-            </a:r>
-            <a:endParaRPr lang="en-US" dirty="0">
-              <a:solidFill>
-                <a:srgbClr xmlns:mc="http://schemas.openxmlformats.org/markup-compatibility/2006" xmlns:a14="http://schemas.microsoft.com/office/drawing/2010/main" val="292934" mc:Ignorable=""/>
-              </a:solidFill>
-            </a:endParaRPr>
-          </a:p>
-        </p:txBody>
-      </p:sp>
-      <p:sp>
-        <p:nvSpPr>
-          <p:cNvPr id="2106" name="Text Box 58"/>
-          <p:cNvSpPr txBox="1">
-            <a:spLocks noChangeArrowheads="1"/>
-          </p:cNvSpPr>
-          <p:nvPr/>
-        </p:nvSpPr>
-        <p:spPr bwMode="auto">
-          <a:xfrm>
-            <a:off x="898525" y="3014663"/>
-            <a:ext cx="184150" cy="366712"/>
-          </a:xfrm>
-          <a:prstGeom prst="rect">
-            <a:avLst/>
-          </a:prstGeom>
-          <a:noFill/>
-          <a:ln>
-            <a:noFill/>
-          </a:ln>
-          <a:effectLst/>
-          <a:extLst>
-            <a:ext uri="{909E8E84-426E-40DD-AFC4-6F175D3DCCD1}">
-              <a14:hiddenFill xmlns:a14="http://schemas.microsoft.com/office/drawing/2010/main">
-                <a:solidFill>
-                  <a:schemeClr val="accent1"/>
-                </a:solidFill>
-              </a14:hiddenFill>
-            </a:ext>
-            <a:ext uri="{91240B29-F687-4F45-9708-019B960494DF}">
-              <a14:hiddenLine xmlns:a14="http://schemas.microsoft.com/office/drawing/2010/main" w="9525">
-                <a:solidFill>
-                  <a:schemeClr val="tx1"/>
-                </a:solidFill>
-                <a:miter lim="800000"/>
-                <a:headEnd/>
-                <a:tailEnd/>
-              </a14:hiddenLine>
-            </a:ext>
-            <a:ext uri="{AF507438-7753-43E0-B8FC-AC1667EBCBE1}">
-              <a14:hiddenEffects xmlns:a14="http://schemas.microsoft.com/office/drawing/2010/main">
-                <a:effectLst>
-                  <a:outerShdw dist="35921" dir="2700000" algn="ctr" rotWithShape="0">
-                    <a:schemeClr val="bg2"/>
-                  </a:outerShdw>
-                </a:effectLst>
-              </a14:hiddenEffects>
-            </a:ext>
-          </a:extLst>
-        </p:spPr>
-        <p:txBody>
-          <a:bodyPr wrap="none">
-            <a:spAutoFit/>
-          </a:bodyPr>
-          <a:lstStyle/>
-          <a:p>
-            <a:endParaRPr lang="en-GB">
-              <a:solidFill>
-                <a:srgbClr xmlns:mc="http://schemas.openxmlformats.org/markup-compatibility/2006" xmlns:a14="http://schemas.microsoft.com/office/drawing/2010/main" val="292934" mc:Ignorable=""/>
-              </a:solidFill>
-            </a:endParaRPr>
-          </a:p>
-        </p:txBody>
-      </p:sp>
-      <p:sp>
-        <p:nvSpPr>
-          <p:cNvPr id="2108" name="Text Box 60"/>
-          <p:cNvSpPr txBox="1">
-            <a:spLocks noChangeArrowheads="1"/>
-          </p:cNvSpPr>
-          <p:nvPr/>
-        </p:nvSpPr>
-        <p:spPr bwMode="auto">
-          <a:xfrm>
-            <a:off x="167221" y="2286000"/>
-            <a:ext cx="8497887" cy="2416046"/>
-          </a:xfrm>
-          <a:prstGeom prst="rect">
-            <a:avLst/>
-          </a:prstGeom>
-          <a:noFill/>
-          <a:ln>
-            <a:noFill/>
-          </a:ln>
-          <a:effectLst/>
-          <a:extLst>
-            <a:ext uri="{909E8E84-426E-40DD-AFC4-6F175D3DCCD1}">
-              <a14:hiddenFill xmlns:a14="http://schemas.microsoft.com/office/drawing/2010/main">
-                <a:solidFill>
-                  <a:schemeClr val="bg1">
-                    <a:alpha val="59000"/>
-                  </a:schemeClr>
-                </a:solidFill>
-              </a14:hiddenFill>
-            </a:ext>
-            <a:ext uri="{91240B29-F687-4F45-9708-019B960494DF}">
-              <a14:hiddenLine xmlns:a14="http://schemas.microsoft.com/office/drawing/2010/main" w="9525">
-                <a:solidFill>
-                  <a:schemeClr val="tx1"/>
-                </a:solidFill>
-                <a:miter lim="800000"/>
-                <a:headEnd/>
-                <a:tailEnd/>
-              </a14:hiddenLine>
-            </a:ext>
-            <a:ext uri="{AF507438-7753-43E0-B8FC-AC1667EBCBE1}">
-              <a14:hiddenEffects xmlns:a14="http://schemas.microsoft.com/office/drawing/2010/main">
-                <a:effectLst>
-                  <a:outerShdw dist="35921" dir="2700000" algn="ctr" rotWithShape="0">
-                    <a:schemeClr val="bg2"/>
-                  </a:outerShdw>
-                </a:effectLst>
-              </a14:hiddenEffects>
-            </a:ext>
-          </a:extLst>
-        </p:spPr>
-        <p:txBody>
-          <a:bodyPr>
-            <a:spAutoFit/>
-          </a:bodyPr>
-          <a:lstStyle/>
-          <a:p>
-            <a:r>
-              <a:rPr lang="en-US" sz="8800" b="1" dirty="0" smtClean="0">
-                <a:solidFill>
-                  <a:srgbClr xmlns:mc="http://schemas.openxmlformats.org/markup-compatibility/2006" xmlns:a14="http://schemas.microsoft.com/office/drawing/2010/main" val="FFFFFF" mc:Ignorable=""/>
-                </a:solidFill>
-                <a:latin typeface="Arial Black" pitchFamily="96" charset="0"/>
-              </a:rPr>
-              <a:t>DEMO</a:t>
-            </a:r>
-            <a:r>
-              <a:rPr lang="en-US" sz="4800" b="1" dirty="0" smtClean="0">
-                <a:solidFill>
-                  <a:srgbClr xmlns:mc="http://schemas.openxmlformats.org/markup-compatibility/2006" xmlns:a14="http://schemas.microsoft.com/office/drawing/2010/main" val="00FF80" mc:Ignorable=""/>
-                </a:solidFill>
-                <a:latin typeface="Arial Black" pitchFamily="96" charset="0"/>
-              </a:rPr>
-              <a:t> </a:t>
-            </a:r>
-            <a:endParaRPr lang="en-US" sz="4800" b="1" dirty="0">
-              <a:solidFill>
-                <a:srgbClr xmlns:mc="http://schemas.openxmlformats.org/markup-compatibility/2006" xmlns:a14="http://schemas.microsoft.com/office/drawing/2010/main" val="00FF80" mc:Ignorable=""/>
-              </a:solidFill>
-              <a:latin typeface="Arial Black" pitchFamily="96" charset="0"/>
-            </a:endParaRPr>
-          </a:p>
-          <a:p>
-            <a:r>
-              <a:rPr lang="en-US" sz="3600" b="1" dirty="0">
-                <a:solidFill>
-                  <a:srgbClr xmlns:mc="http://schemas.openxmlformats.org/markup-compatibility/2006" xmlns:a14="http://schemas.microsoft.com/office/drawing/2010/main" val="93A299" mc:Ignorable=""/>
-                </a:solidFill>
-                <a:latin typeface="Arial Black" pitchFamily="96" charset="0"/>
-              </a:rPr>
-              <a:t> </a:t>
-            </a:r>
-          </a:p>
-          <a:p>
-            <a:pPr>
-              <a:spcBef>
-                <a:spcPct val="50000"/>
-              </a:spcBef>
-            </a:pPr>
-            <a:endParaRPr lang="en-US" dirty="0">
-              <a:solidFill>
-                <a:srgbClr xmlns:mc="http://schemas.openxmlformats.org/markup-compatibility/2006" xmlns:a14="http://schemas.microsoft.com/office/drawing/2010/main" val="292934" mc:Ignorable=""/>
-              </a:solidFill>
-            </a:endParaRPr>
-          </a:p>
-        </p:txBody>
-      </p:sp>
-    </p:spTree>
-    <p:extLst>
-      <p:ext uri="{BB962C8B-B14F-4D97-AF65-F5344CB8AC3E}">
-        <p14:creationId xmlns:p14="http://schemas.microsoft.com/office/powerpoint/2010/main" val="2245201440"/>
-      </p:ext>
-    </p:extLst>
-  </p:cSld>
-  <p:clrMapOvr>
-    <a:masterClrMapping/>
-  </p:clrMapOvr>
-  <p:transition xmlns:p14="http://schemas.microsoft.com/office/powerpoint/2010/main"/>
-  <p:timing>
-    <p:tnLst>
-      <p:par>
-        <p:cTn xmlns:p14="http://schemas.microsoft.com/office/powerpoint/2010/main" id="1" dur="indefinite" restart="never" nodeType="tmRoot"/>
-      </p:par>
-    </p:tnLst>
-  </p:timing>
-</p:sld>
-</file>
-
-<file path=ppt/slides/slide24.xml><?xml version="1.0" encoding="utf-8"?>
 <p:sld xmlns:a="http://schemas.openxmlformats.org/drawingml/2006/main" xmlns:r="http://schemas.openxmlformats.org/officeDocument/2006/relationships" xmlns:p="http://schemas.openxmlformats.org/presentationml/2006/main">
   <p:cSld>
     <p:spTree>
@@ -39357,7 +38299,694 @@
 </p:sld>
 </file>
 
-<file path=ppt/slides/slide3.xml><?xml version="1.0" encoding="utf-8"?>
+<file path=ppt/slides/slide20.xml><?xml version="1.0" encoding="utf-8"?>
+<p:sld xmlns:a="http://schemas.openxmlformats.org/drawingml/2006/main" xmlns:r="http://schemas.openxmlformats.org/officeDocument/2006/relationships" xmlns:p="http://schemas.openxmlformats.org/presentationml/2006/main">
+  <p:cSld>
+    <p:spTree>
+      <p:nvGrpSpPr>
+        <p:cNvPr id="1" name=""/>
+        <p:cNvGrpSpPr/>
+        <p:nvPr/>
+      </p:nvGrpSpPr>
+      <p:grpSpPr>
+        <a:xfrm>
+          <a:off x="0" y="0"/>
+          <a:ext cx="0" cy="0"/>
+          <a:chOff x="0" y="0"/>
+          <a:chExt cx="0" cy="0"/>
+        </a:xfrm>
+      </p:grpSpPr>
+      <p:sp>
+        <p:nvSpPr>
+          <p:cNvPr id="2" name="Title 1"/>
+          <p:cNvSpPr>
+            <a:spLocks noGrp="1"/>
+          </p:cNvSpPr>
+          <p:nvPr>
+            <p:ph type="title"/>
+          </p:nvPr>
+        </p:nvSpPr>
+        <p:spPr/>
+        <p:txBody>
+          <a:bodyPr/>
+          <a:lstStyle/>
+          <a:p>
+            <a:r>
+              <a:rPr lang="it-IT" dirty="0" smtClean="0"/>
+              <a:t>Rebase</a:t>
+            </a:r>
+            <a:endParaRPr lang="it-IT" dirty="0"/>
+          </a:p>
+        </p:txBody>
+      </p:sp>
+      <p:pic>
+        <p:nvPicPr>
+          <p:cNvPr id="4" name="Content Placeholder 3" descr="Screen Clipping"/>
+          <p:cNvPicPr>
+            <a:picLocks noGrp="1" noChangeAspect="1"/>
+          </p:cNvPicPr>
+          <p:nvPr>
+            <p:ph idx="1"/>
+          </p:nvPr>
+        </p:nvPicPr>
+        <p:blipFill>
+          <a:blip r:embed="rId3">
+            <a:extLst>
+              <a:ext uri="{28A0092B-C50C-407E-A947-70E740481C1C}">
+                <a14:useLocalDpi xmlns:a14="http://schemas.microsoft.com/office/drawing/2010/main" val="0"/>
+              </a:ext>
+            </a:extLst>
+          </a:blip>
+          <a:stretch>
+            <a:fillRect/>
+          </a:stretch>
+        </p:blipFill>
+        <p:spPr>
+          <a:xfrm>
+            <a:off x="755576" y="1782289"/>
+            <a:ext cx="2000529" cy="543001"/>
+          </a:xfrm>
+        </p:spPr>
+      </p:pic>
+      <p:pic>
+        <p:nvPicPr>
+          <p:cNvPr id="5" name="Picture 4" descr="Screen Clipping"/>
+          <p:cNvPicPr>
+            <a:picLocks noChangeAspect="1"/>
+          </p:cNvPicPr>
+          <p:nvPr/>
+        </p:nvPicPr>
+        <p:blipFill>
+          <a:blip r:embed="rId4">
+            <a:extLst>
+              <a:ext uri="{28A0092B-C50C-407E-A947-70E740481C1C}">
+                <a14:useLocalDpi xmlns:a14="http://schemas.microsoft.com/office/drawing/2010/main" val="0"/>
+              </a:ext>
+            </a:extLst>
+          </a:blip>
+          <a:stretch>
+            <a:fillRect/>
+          </a:stretch>
+        </p:blipFill>
+        <p:spPr>
+          <a:xfrm>
+            <a:off x="5930999" y="1775858"/>
+            <a:ext cx="2734057" cy="543001"/>
+          </a:xfrm>
+          <a:prstGeom prst="rect">
+            <a:avLst/>
+          </a:prstGeom>
+        </p:spPr>
+      </p:pic>
+      <p:sp>
+        <p:nvSpPr>
+          <p:cNvPr id="6" name="Right Arrow 5"/>
+          <p:cNvSpPr/>
+          <p:nvPr/>
+        </p:nvSpPr>
+        <p:spPr>
+          <a:xfrm>
+            <a:off x="3131840" y="1274641"/>
+            <a:ext cx="2484276" cy="1584719"/>
+          </a:xfrm>
+          <a:prstGeom prst="rightArrow">
+            <a:avLst/>
+          </a:prstGeom>
+        </p:spPr>
+        <p:style>
+          <a:lnRef idx="2">
+            <a:schemeClr val="accent1">
+              <a:shade val="50000"/>
+            </a:schemeClr>
+          </a:lnRef>
+          <a:fillRef idx="1">
+            <a:schemeClr val="accent1"/>
+          </a:fillRef>
+          <a:effectRef idx="0">
+            <a:schemeClr val="accent1"/>
+          </a:effectRef>
+          <a:fontRef idx="minor">
+            <a:schemeClr val="lt1"/>
+          </a:fontRef>
+        </p:style>
+        <p:txBody>
+          <a:bodyPr rtlCol="0" anchor="ctr"/>
+          <a:lstStyle/>
+          <a:p>
+            <a:pPr algn="ctr"/>
+            <a:r>
+              <a:rPr lang="en-US" dirty="0" err="1"/>
+              <a:t>git</a:t>
+            </a:r>
+            <a:r>
+              <a:rPr lang="en-US" dirty="0"/>
+              <a:t> </a:t>
+            </a:r>
+            <a:r>
+              <a:rPr lang="en-US" dirty="0" smtClean="0"/>
+              <a:t>checkout </a:t>
+            </a:r>
+            <a:r>
+              <a:rPr lang="en-US" dirty="0"/>
+              <a:t>topic </a:t>
+            </a:r>
+          </a:p>
+          <a:p>
+            <a:pPr algn="ctr"/>
+            <a:r>
+              <a:rPr lang="en-US" dirty="0" err="1" smtClean="0"/>
+              <a:t>git</a:t>
+            </a:r>
+            <a:r>
+              <a:rPr lang="en-US" dirty="0" smtClean="0"/>
+              <a:t> </a:t>
+            </a:r>
+            <a:r>
+              <a:rPr lang="en-US" dirty="0"/>
+              <a:t>rebase master.</a:t>
+            </a:r>
+            <a:endParaRPr lang="it-IT" dirty="0"/>
+          </a:p>
+        </p:txBody>
+      </p:sp>
+      <p:pic>
+        <p:nvPicPr>
+          <p:cNvPr id="8" name="Picture 7" descr="Screen Clipping"/>
+          <p:cNvPicPr>
+            <a:picLocks noChangeAspect="1"/>
+          </p:cNvPicPr>
+          <p:nvPr/>
+        </p:nvPicPr>
+        <p:blipFill>
+          <a:blip r:embed="rId5">
+            <a:extLst>
+              <a:ext uri="{28A0092B-C50C-407E-A947-70E740481C1C}">
+                <a14:useLocalDpi xmlns:a14="http://schemas.microsoft.com/office/drawing/2010/main" val="0"/>
+              </a:ext>
+            </a:extLst>
+          </a:blip>
+          <a:stretch>
+            <a:fillRect/>
+          </a:stretch>
+        </p:blipFill>
+        <p:spPr>
+          <a:xfrm>
+            <a:off x="831786" y="4101035"/>
+            <a:ext cx="1924319" cy="552527"/>
+          </a:xfrm>
+          <a:prstGeom prst="rect">
+            <a:avLst/>
+          </a:prstGeom>
+        </p:spPr>
+      </p:pic>
+      <p:sp>
+        <p:nvSpPr>
+          <p:cNvPr id="9" name="Right Arrow 8"/>
+          <p:cNvSpPr/>
+          <p:nvPr/>
+        </p:nvSpPr>
+        <p:spPr>
+          <a:xfrm>
+            <a:off x="3277580" y="3584940"/>
+            <a:ext cx="2484276" cy="1584719"/>
+          </a:xfrm>
+          <a:prstGeom prst="rightArrow">
+            <a:avLst/>
+          </a:prstGeom>
+        </p:spPr>
+        <p:style>
+          <a:lnRef idx="2">
+            <a:schemeClr val="accent1">
+              <a:shade val="50000"/>
+            </a:schemeClr>
+          </a:lnRef>
+          <a:fillRef idx="1">
+            <a:schemeClr val="accent1"/>
+          </a:fillRef>
+          <a:effectRef idx="0">
+            <a:schemeClr val="accent1"/>
+          </a:effectRef>
+          <a:fontRef idx="minor">
+            <a:schemeClr val="lt1"/>
+          </a:fontRef>
+        </p:style>
+        <p:txBody>
+          <a:bodyPr rtlCol="0" anchor="ctr"/>
+          <a:lstStyle/>
+          <a:p>
+            <a:pPr algn="ctr"/>
+            <a:r>
+              <a:rPr lang="en-US" dirty="0" err="1"/>
+              <a:t>git</a:t>
+            </a:r>
+            <a:r>
+              <a:rPr lang="en-US" dirty="0"/>
+              <a:t> </a:t>
+            </a:r>
+            <a:r>
+              <a:rPr lang="en-US" dirty="0" smtClean="0"/>
+              <a:t>checkout </a:t>
+            </a:r>
+            <a:r>
+              <a:rPr lang="en-US" dirty="0"/>
+              <a:t>topic </a:t>
+            </a:r>
+          </a:p>
+          <a:p>
+            <a:pPr algn="ctr"/>
+            <a:r>
+              <a:rPr lang="en-US" dirty="0" err="1" smtClean="0"/>
+              <a:t>git</a:t>
+            </a:r>
+            <a:r>
+              <a:rPr lang="en-US" dirty="0" smtClean="0"/>
+              <a:t> </a:t>
+            </a:r>
+            <a:r>
+              <a:rPr lang="en-US" dirty="0"/>
+              <a:t>rebase master.</a:t>
+            </a:r>
+            <a:endParaRPr lang="it-IT" dirty="0"/>
+          </a:p>
+        </p:txBody>
+      </p:sp>
+      <p:pic>
+        <p:nvPicPr>
+          <p:cNvPr id="10" name="Picture 9" descr="Screen Clipping"/>
+          <p:cNvPicPr>
+            <a:picLocks noChangeAspect="1"/>
+          </p:cNvPicPr>
+          <p:nvPr/>
+        </p:nvPicPr>
+        <p:blipFill>
+          <a:blip r:embed="rId6">
+            <a:extLst>
+              <a:ext uri="{28A0092B-C50C-407E-A947-70E740481C1C}">
+                <a14:useLocalDpi xmlns:a14="http://schemas.microsoft.com/office/drawing/2010/main" val="0"/>
+              </a:ext>
+            </a:extLst>
+          </a:blip>
+          <a:stretch>
+            <a:fillRect/>
+          </a:stretch>
+        </p:blipFill>
+        <p:spPr>
+          <a:xfrm>
+            <a:off x="6048164" y="4101035"/>
+            <a:ext cx="2486372" cy="552527"/>
+          </a:xfrm>
+          <a:prstGeom prst="rect">
+            <a:avLst/>
+          </a:prstGeom>
+        </p:spPr>
+      </p:pic>
+    </p:spTree>
+    <p:extLst>
+      <p:ext uri="{BB962C8B-B14F-4D97-AF65-F5344CB8AC3E}">
+        <p14:creationId xmlns:p14="http://schemas.microsoft.com/office/powerpoint/2010/main" val="3127109341"/>
+      </p:ext>
+    </p:extLst>
+  </p:cSld>
+  <p:clrMapOvr>
+    <a:masterClrMapping/>
+  </p:clrMapOvr>
+  <p:timing>
+    <p:tnLst>
+      <p:par>
+        <p:cTn xmlns:p14="http://schemas.microsoft.com/office/powerpoint/2010/main" id="1" dur="indefinite" restart="never" nodeType="tmRoot"/>
+      </p:par>
+    </p:tnLst>
+  </p:timing>
+</p:sld>
+</file>
+
+<file path=ppt/slides/slide21.xml><?xml version="1.0" encoding="utf-8"?>
+<p:sld xmlns:a="http://schemas.openxmlformats.org/drawingml/2006/main" xmlns:r="http://schemas.openxmlformats.org/officeDocument/2006/relationships" xmlns:p="http://schemas.openxmlformats.org/presentationml/2006/main">
+  <p:cSld>
+    <p:spTree>
+      <p:nvGrpSpPr>
+        <p:cNvPr id="1" name=""/>
+        <p:cNvGrpSpPr/>
+        <p:nvPr/>
+      </p:nvGrpSpPr>
+      <p:grpSpPr>
+        <a:xfrm>
+          <a:off x="0" y="0"/>
+          <a:ext cx="0" cy="0"/>
+          <a:chOff x="0" y="0"/>
+          <a:chExt cx="0" cy="0"/>
+        </a:xfrm>
+      </p:grpSpPr>
+      <p:sp>
+        <p:nvSpPr>
+          <p:cNvPr id="2" name="Title 1"/>
+          <p:cNvSpPr>
+            <a:spLocks noGrp="1"/>
+          </p:cNvSpPr>
+          <p:nvPr>
+            <p:ph type="title"/>
+          </p:nvPr>
+        </p:nvSpPr>
+        <p:spPr/>
+        <p:txBody>
+          <a:bodyPr/>
+          <a:lstStyle/>
+          <a:p>
+            <a:r>
+              <a:rPr lang="it-IT" dirty="0" smtClean="0"/>
+              <a:t>Bisect</a:t>
+            </a:r>
+            <a:endParaRPr lang="it-IT" dirty="0"/>
+          </a:p>
+        </p:txBody>
+      </p:sp>
+      <p:sp>
+        <p:nvSpPr>
+          <p:cNvPr id="3" name="Content Placeholder 2"/>
+          <p:cNvSpPr>
+            <a:spLocks noGrp="1"/>
+          </p:cNvSpPr>
+          <p:nvPr>
+            <p:ph idx="1"/>
+          </p:nvPr>
+        </p:nvSpPr>
+        <p:spPr>
+          <a:xfrm>
+            <a:off x="1871700" y="1600200"/>
+            <a:ext cx="6815100" cy="4876800"/>
+          </a:xfrm>
+        </p:spPr>
+        <p:txBody>
+          <a:bodyPr/>
+          <a:lstStyle/>
+          <a:p>
+            <a:r>
+              <a:rPr lang="en-US" dirty="0" err="1"/>
+              <a:t>git</a:t>
+            </a:r>
+            <a:r>
+              <a:rPr lang="en-US" dirty="0"/>
+              <a:t> bisect start </a:t>
+            </a:r>
+            <a:endParaRPr lang="en-US" dirty="0" smtClean="0"/>
+          </a:p>
+          <a:p>
+            <a:r>
+              <a:rPr lang="en-US" dirty="0" err="1" smtClean="0"/>
+              <a:t>git</a:t>
+            </a:r>
+            <a:r>
+              <a:rPr lang="en-US" dirty="0" smtClean="0"/>
+              <a:t> </a:t>
+            </a:r>
+            <a:r>
+              <a:rPr lang="en-US" dirty="0"/>
+              <a:t>bisect good </a:t>
+            </a:r>
+            <a:r>
+              <a:rPr lang="en-US" dirty="0" err="1" smtClean="0"/>
+              <a:t>tagGoodRelease</a:t>
+            </a:r>
+            <a:r>
+              <a:rPr lang="en-US" dirty="0" smtClean="0"/>
+              <a:t> </a:t>
+            </a:r>
+          </a:p>
+          <a:p>
+            <a:r>
+              <a:rPr lang="en-US" dirty="0" err="1" smtClean="0"/>
+              <a:t>git</a:t>
+            </a:r>
+            <a:r>
+              <a:rPr lang="en-US" dirty="0" smtClean="0"/>
+              <a:t> </a:t>
+            </a:r>
+            <a:r>
+              <a:rPr lang="en-US" dirty="0"/>
+              <a:t>bisect bad </a:t>
+            </a:r>
+            <a:r>
+              <a:rPr lang="en-US" dirty="0" err="1" smtClean="0"/>
+              <a:t>tagError</a:t>
+            </a:r>
+            <a:endParaRPr lang="en-US" dirty="0" smtClean="0"/>
+          </a:p>
+          <a:p>
+            <a:pPr marL="0" indent="0">
+              <a:buNone/>
+            </a:pPr>
+            <a:endParaRPr lang="it-IT" dirty="0" smtClean="0"/>
+          </a:p>
+          <a:p>
+            <a:r>
+              <a:rPr lang="it-IT" dirty="0"/>
+              <a:t>git bisect </a:t>
+            </a:r>
+            <a:r>
+              <a:rPr lang="it-IT" dirty="0" smtClean="0"/>
+              <a:t>good</a:t>
+            </a:r>
+          </a:p>
+          <a:p>
+            <a:r>
+              <a:rPr lang="it-IT" dirty="0" smtClean="0"/>
+              <a:t>git </a:t>
+            </a:r>
+            <a:r>
+              <a:rPr lang="it-IT" dirty="0"/>
+              <a:t>bisect </a:t>
+            </a:r>
+            <a:r>
+              <a:rPr lang="it-IT" dirty="0" smtClean="0"/>
+              <a:t>bad</a:t>
+            </a:r>
+          </a:p>
+          <a:p>
+            <a:pPr marL="0" indent="0">
+              <a:buNone/>
+            </a:pPr>
+            <a:endParaRPr lang="it-IT" dirty="0" smtClean="0"/>
+          </a:p>
+          <a:p>
+            <a:r>
+              <a:rPr lang="en-US" dirty="0" err="1"/>
+              <a:t>git</a:t>
+            </a:r>
+            <a:r>
+              <a:rPr lang="en-US" dirty="0"/>
+              <a:t> bisect visualize. </a:t>
+            </a:r>
+          </a:p>
+          <a:p>
+            <a:r>
+              <a:rPr lang="en-US" dirty="0" err="1" smtClean="0"/>
+              <a:t>git</a:t>
+            </a:r>
+            <a:r>
+              <a:rPr lang="en-US" dirty="0" smtClean="0"/>
+              <a:t> </a:t>
+            </a:r>
+            <a:r>
+              <a:rPr lang="en-US" dirty="0"/>
+              <a:t>bisect reset</a:t>
+            </a:r>
+          </a:p>
+          <a:p>
+            <a:endParaRPr lang="it-IT" dirty="0" smtClean="0"/>
+          </a:p>
+          <a:p>
+            <a:endParaRPr lang="it-IT" dirty="0"/>
+          </a:p>
+        </p:txBody>
+      </p:sp>
+    </p:spTree>
+    <p:extLst>
+      <p:ext uri="{BB962C8B-B14F-4D97-AF65-F5344CB8AC3E}">
+        <p14:creationId xmlns:p14="http://schemas.microsoft.com/office/powerpoint/2010/main" val="2076541579"/>
+      </p:ext>
+    </p:extLst>
+  </p:cSld>
+  <p:clrMapOvr>
+    <a:masterClrMapping/>
+  </p:clrMapOvr>
+  <p:timing>
+    <p:tnLst>
+      <p:par>
+        <p:cTn xmlns:p14="http://schemas.microsoft.com/office/powerpoint/2010/main" id="1" dur="indefinite" restart="never" nodeType="tmRoot"/>
+      </p:par>
+    </p:tnLst>
+  </p:timing>
+</p:sld>
+</file>
+
+<file path=ppt/slides/slide22.xml><?xml version="1.0" encoding="utf-8"?>
+<p:sld xmlns:a="http://schemas.openxmlformats.org/drawingml/2006/main" xmlns:r="http://schemas.openxmlformats.org/officeDocument/2006/relationships" xmlns:p="http://schemas.openxmlformats.org/presentationml/2006/main">
+  <p:cSld>
+    <p:spTree>
+      <p:nvGrpSpPr>
+        <p:cNvPr id="1" name=""/>
+        <p:cNvGrpSpPr/>
+        <p:nvPr/>
+      </p:nvGrpSpPr>
+      <p:grpSpPr>
+        <a:xfrm>
+          <a:off x="0" y="0"/>
+          <a:ext cx="0" cy="0"/>
+          <a:chOff x="0" y="0"/>
+          <a:chExt cx="0" cy="0"/>
+        </a:xfrm>
+      </p:grpSpPr>
+      <p:sp>
+        <p:nvSpPr>
+          <p:cNvPr id="2" name="Title 1"/>
+          <p:cNvSpPr>
+            <a:spLocks noGrp="1"/>
+          </p:cNvSpPr>
+          <p:nvPr>
+            <p:ph type="title"/>
+          </p:nvPr>
+        </p:nvSpPr>
+        <p:spPr/>
+        <p:txBody>
+          <a:bodyPr/>
+          <a:lstStyle/>
+          <a:p>
+            <a:r>
+              <a:rPr lang="it-IT" dirty="0" smtClean="0"/>
+              <a:t>One</a:t>
+            </a:r>
+            <a:endParaRPr lang="it-IT" dirty="0"/>
+          </a:p>
+        </p:txBody>
+      </p:sp>
+      <p:graphicFrame>
+        <p:nvGraphicFramePr>
+          <p:cNvPr id="4" name="Content Placeholder 3"/>
+          <p:cNvGraphicFramePr>
+            <a:graphicFrameLocks noGrp="1"/>
+          </p:cNvGraphicFramePr>
+          <p:nvPr>
+            <p:ph idx="1"/>
+            <p:extLst>
+              <p:ext uri="{D42A27DB-BD31-4B8C-83A1-F6EECF244321}">
+                <p14:modId xmlns:p14="http://schemas.microsoft.com/office/powerpoint/2010/main" val="119140037"/>
+              </p:ext>
+            </p:extLst>
+          </p:nvPr>
+        </p:nvGraphicFramePr>
+        <p:xfrm>
+          <a:off x="457200" y="1600200"/>
+          <a:ext cx="8229600" cy="4876800"/>
+        </p:xfrm>
+        <a:graphic>
+          <a:graphicData uri="http://schemas.openxmlformats.org/drawingml/2006/diagram">
+            <dgm:relIds xmlns:dgm="http://schemas.openxmlformats.org/drawingml/2006/diagram" xmlns:r="http://schemas.openxmlformats.org/officeDocument/2006/relationships" r:dm="rId3" r:lo="rId4" r:qs="rId5" r:cs="rId6"/>
+          </a:graphicData>
+        </a:graphic>
+      </p:graphicFrame>
+    </p:spTree>
+    <p:extLst>
+      <p:ext uri="{BB962C8B-B14F-4D97-AF65-F5344CB8AC3E}">
+        <p14:creationId xmlns:p14="http://schemas.microsoft.com/office/powerpoint/2010/main" val="3078399222"/>
+      </p:ext>
+    </p:extLst>
+  </p:cSld>
+  <p:clrMapOvr>
+    <a:masterClrMapping/>
+  </p:clrMapOvr>
+  <p:timing>
+    <p:tnLst>
+      <p:par>
+        <p:cTn xmlns:p14="http://schemas.microsoft.com/office/powerpoint/2010/main" id="1" dur="indefinite" restart="never" nodeType="tmRoot"/>
+      </p:par>
+    </p:tnLst>
+  </p:timing>
+</p:sld>
+</file>
+
+<file path=ppt/slides/slide23.xml><?xml version="1.0" encoding="utf-8"?>
+<p:sld xmlns:a="http://schemas.openxmlformats.org/drawingml/2006/main" xmlns:r="http://schemas.openxmlformats.org/officeDocument/2006/relationships" xmlns:p="http://schemas.openxmlformats.org/presentationml/2006/main">
+  <p:cSld>
+    <p:spTree>
+      <p:nvGrpSpPr>
+        <p:cNvPr id="1" name=""/>
+        <p:cNvGrpSpPr/>
+        <p:nvPr/>
+      </p:nvGrpSpPr>
+      <p:grpSpPr>
+        <a:xfrm>
+          <a:off x="0" y="0"/>
+          <a:ext cx="0" cy="0"/>
+          <a:chOff x="0" y="0"/>
+          <a:chExt cx="0" cy="0"/>
+        </a:xfrm>
+      </p:grpSpPr>
+      <p:sp>
+        <p:nvSpPr>
+          <p:cNvPr id="2" name="Title 1"/>
+          <p:cNvSpPr>
+            <a:spLocks noGrp="1"/>
+          </p:cNvSpPr>
+          <p:nvPr>
+            <p:ph type="title"/>
+          </p:nvPr>
+        </p:nvSpPr>
+        <p:spPr/>
+        <p:txBody>
+          <a:bodyPr/>
+          <a:lstStyle/>
+          <a:p>
+            <a:r>
+              <a:rPr lang="it-IT" dirty="0" smtClean="0"/>
+              <a:t>UI</a:t>
+            </a:r>
+            <a:endParaRPr lang="it-IT" dirty="0"/>
+          </a:p>
+        </p:txBody>
+      </p:sp>
+      <p:graphicFrame>
+        <p:nvGraphicFramePr>
+          <p:cNvPr id="4" name="Diagram 3"/>
+          <p:cNvGraphicFramePr/>
+          <p:nvPr>
+            <p:extLst>
+              <p:ext uri="{D42A27DB-BD31-4B8C-83A1-F6EECF244321}">
+                <p14:modId xmlns:p14="http://schemas.microsoft.com/office/powerpoint/2010/main" val="1879296952"/>
+              </p:ext>
+            </p:extLst>
+          </p:nvPr>
+        </p:nvGraphicFramePr>
+        <p:xfrm>
+          <a:off x="1943708" y="1808820"/>
+          <a:ext cx="6096000" cy="4064000"/>
+        </p:xfrm>
+        <a:graphic>
+          <a:graphicData uri="http://schemas.openxmlformats.org/drawingml/2006/diagram">
+            <dgm:relIds xmlns:dgm="http://schemas.openxmlformats.org/drawingml/2006/diagram" xmlns:r="http://schemas.openxmlformats.org/officeDocument/2006/relationships" r:dm="rId2" r:lo="rId3" r:qs="rId4" r:cs="rId5"/>
+          </a:graphicData>
+        </a:graphic>
+      </p:graphicFrame>
+    </p:spTree>
+    <p:extLst>
+      <p:ext uri="{BB962C8B-B14F-4D97-AF65-F5344CB8AC3E}">
+        <p14:creationId xmlns:p14="http://schemas.microsoft.com/office/powerpoint/2010/main" val="226911060"/>
+      </p:ext>
+    </p:extLst>
+  </p:cSld>
+  <p:clrMapOvr>
+    <a:masterClrMapping/>
+  </p:clrMapOvr>
+  <p:timing>
+    <p:tnLst>
+      <p:par>
+        <p:cTn xmlns:p14="http://schemas.microsoft.com/office/powerpoint/2010/main" id="1" dur="indefinite" restart="never" nodeType="tmRoot"/>
+      </p:par>
+    </p:tnLst>
+  </p:timing>
+</p:sld>
+</file>
+
+<file path=ppt/slides/slide24.xml><?xml version="1.0" encoding="utf-8"?>
 <p:sld xmlns:a="http://schemas.openxmlformats.org/drawingml/2006/main" xmlns:r="http://schemas.openxmlformats.org/officeDocument/2006/relationships" xmlns:p="http://schemas.openxmlformats.org/presentationml/2006/main">
   <p:cSld>
     <p:spTree>
@@ -39425,7 +39054,11 @@
           <a:bodyPr wrap="none" anchor="ctr"/>
           <a:lstStyle/>
           <a:p>
-            <a:endParaRPr lang="it-IT"/>
+            <a:endParaRPr lang="it-IT">
+              <a:solidFill>
+                <a:srgbClr xmlns:mc="http://schemas.openxmlformats.org/markup-compatibility/2006" xmlns:a14="http://schemas.microsoft.com/office/drawing/2010/main" val="292934" mc:Ignorable=""/>
+              </a:solidFill>
+            </a:endParaRPr>
           </a:p>
         </p:txBody>
       </p:sp>
@@ -39485,7 +39118,11 @@
           </a:bodyPr>
           <a:lstStyle/>
           <a:p>
-            <a:endParaRPr lang="en-GB"/>
+            <a:endParaRPr lang="en-GB">
+              <a:solidFill>
+                <a:srgbClr xmlns:mc="http://schemas.openxmlformats.org/markup-compatibility/2006" xmlns:a14="http://schemas.microsoft.com/office/drawing/2010/main" val="292934" mc:Ignorable=""/>
+              </a:solidFill>
+            </a:endParaRPr>
           </a:p>
         </p:txBody>
       </p:sp>
@@ -39548,12 +39185,16 @@
             <a:r>
               <a:rPr lang="en-US" sz="16000" b="1" dirty="0" smtClean="0">
                 <a:solidFill>
-                  <a:schemeClr val="bg1"/>
+                  <a:srgbClr xmlns:mc="http://schemas.openxmlformats.org/markup-compatibility/2006" xmlns:a14="http://schemas.microsoft.com/office/drawing/2010/main" val="FFFFFF" mc:Ignorable=""/>
                 </a:solidFill>
               </a:rPr>
-              <a:t>02</a:t>
-            </a:r>
-            <a:endParaRPr lang="en-US" dirty="0"/>
+              <a:t>06</a:t>
+            </a:r>
+            <a:endParaRPr lang="en-US" dirty="0">
+              <a:solidFill>
+                <a:srgbClr xmlns:mc="http://schemas.openxmlformats.org/markup-compatibility/2006" xmlns:a14="http://schemas.microsoft.com/office/drawing/2010/main" val="292934" mc:Ignorable=""/>
+              </a:solidFill>
+            </a:endParaRPr>
           </a:p>
         </p:txBody>
       </p:sp>
@@ -39613,7 +39254,11 @@
           </a:bodyPr>
           <a:lstStyle/>
           <a:p>
-            <a:endParaRPr lang="en-GB"/>
+            <a:endParaRPr lang="en-GB">
+              <a:solidFill>
+                <a:srgbClr xmlns:mc="http://schemas.openxmlformats.org/markup-compatibility/2006" xmlns:a14="http://schemas.microsoft.com/office/drawing/2010/main" val="292934" mc:Ignorable=""/>
+              </a:solidFill>
+            </a:endParaRPr>
           </a:p>
         </p:txBody>
       </p:sp>
@@ -39678,6 +39323,495 @@
             <a:r>
               <a:rPr lang="en-US" sz="8800" b="1" dirty="0" smtClean="0">
                 <a:solidFill>
+                  <a:srgbClr xmlns:mc="http://schemas.openxmlformats.org/markup-compatibility/2006" xmlns:a14="http://schemas.microsoft.com/office/drawing/2010/main" val="FFFFFF" mc:Ignorable=""/>
+                </a:solidFill>
+                <a:latin typeface="Arial Black" pitchFamily="96" charset="0"/>
+              </a:rPr>
+              <a:t>DEMO</a:t>
+            </a:r>
+            <a:r>
+              <a:rPr lang="en-US" sz="4800" b="1" dirty="0" smtClean="0">
+                <a:solidFill>
+                  <a:srgbClr xmlns:mc="http://schemas.openxmlformats.org/markup-compatibility/2006" xmlns:a14="http://schemas.microsoft.com/office/drawing/2010/main" val="00FF80" mc:Ignorable=""/>
+                </a:solidFill>
+                <a:latin typeface="Arial Black" pitchFamily="96" charset="0"/>
+              </a:rPr>
+              <a:t> </a:t>
+            </a:r>
+            <a:endParaRPr lang="en-US" sz="4800" b="1" dirty="0">
+              <a:solidFill>
+                <a:srgbClr xmlns:mc="http://schemas.openxmlformats.org/markup-compatibility/2006" xmlns:a14="http://schemas.microsoft.com/office/drawing/2010/main" val="00FF80" mc:Ignorable=""/>
+              </a:solidFill>
+              <a:latin typeface="Arial Black" pitchFamily="96" charset="0"/>
+            </a:endParaRPr>
+          </a:p>
+          <a:p>
+            <a:r>
+              <a:rPr lang="en-US" sz="3600" b="1" dirty="0">
+                <a:solidFill>
+                  <a:srgbClr xmlns:mc="http://schemas.openxmlformats.org/markup-compatibility/2006" xmlns:a14="http://schemas.microsoft.com/office/drawing/2010/main" val="93A299" mc:Ignorable=""/>
+                </a:solidFill>
+                <a:latin typeface="Arial Black" pitchFamily="96" charset="0"/>
+              </a:rPr>
+              <a:t> </a:t>
+            </a:r>
+          </a:p>
+          <a:p>
+            <a:pPr>
+              <a:spcBef>
+                <a:spcPct val="50000"/>
+              </a:spcBef>
+            </a:pPr>
+            <a:endParaRPr lang="en-US" dirty="0">
+              <a:solidFill>
+                <a:srgbClr xmlns:mc="http://schemas.openxmlformats.org/markup-compatibility/2006" xmlns:a14="http://schemas.microsoft.com/office/drawing/2010/main" val="292934" mc:Ignorable=""/>
+              </a:solidFill>
+            </a:endParaRPr>
+          </a:p>
+        </p:txBody>
+      </p:sp>
+    </p:spTree>
+    <p:extLst>
+      <p:ext uri="{BB962C8B-B14F-4D97-AF65-F5344CB8AC3E}">
+        <p14:creationId xmlns:p14="http://schemas.microsoft.com/office/powerpoint/2010/main" val="2245201440"/>
+      </p:ext>
+    </p:extLst>
+  </p:cSld>
+  <p:clrMapOvr>
+    <a:masterClrMapping/>
+  </p:clrMapOvr>
+  <p:transition xmlns:p14="http://schemas.microsoft.com/office/powerpoint/2010/main"/>
+  <p:timing>
+    <p:tnLst>
+      <p:par>
+        <p:cTn xmlns:p14="http://schemas.microsoft.com/office/powerpoint/2010/main" id="1" dur="indefinite" restart="never" nodeType="tmRoot"/>
+      </p:par>
+    </p:tnLst>
+  </p:timing>
+</p:sld>
+</file>
+
+<file path=ppt/slides/slide3.xml><?xml version="1.0" encoding="utf-8"?>
+<p:sld xmlns:a="http://schemas.openxmlformats.org/drawingml/2006/main" xmlns:r="http://schemas.openxmlformats.org/officeDocument/2006/relationships" xmlns:p="http://schemas.openxmlformats.org/presentationml/2006/main">
+  <p:cSld>
+    <p:spTree>
+      <p:nvGrpSpPr>
+        <p:cNvPr id="1" name=""/>
+        <p:cNvGrpSpPr/>
+        <p:nvPr/>
+      </p:nvGrpSpPr>
+      <p:grpSpPr>
+        <a:xfrm>
+          <a:off x="0" y="0"/>
+          <a:ext cx="0" cy="0"/>
+          <a:chOff x="0" y="0"/>
+          <a:chExt cx="0" cy="0"/>
+        </a:xfrm>
+      </p:grpSpPr>
+      <p:sp>
+        <p:nvSpPr>
+          <p:cNvPr id="2" name="Title 1"/>
+          <p:cNvSpPr>
+            <a:spLocks noGrp="1"/>
+          </p:cNvSpPr>
+          <p:nvPr>
+            <p:ph type="title"/>
+          </p:nvPr>
+        </p:nvSpPr>
+        <p:spPr/>
+        <p:txBody>
+          <a:bodyPr/>
+          <a:lstStyle/>
+          <a:p>
+            <a:r>
+              <a:rPr lang="it-IT" dirty="0" smtClean="0"/>
+              <a:t>Agenda</a:t>
+            </a:r>
+            <a:endParaRPr lang="it-IT" dirty="0"/>
+          </a:p>
+        </p:txBody>
+      </p:sp>
+      <p:pic>
+        <p:nvPicPr>
+          <p:cNvPr id="3" name="Picture 2" descr="Screen Clipping"/>
+          <p:cNvPicPr>
+            <a:picLocks noChangeAspect="1"/>
+          </p:cNvPicPr>
+          <p:nvPr/>
+        </p:nvPicPr>
+        <p:blipFill>
+          <a:blip r:embed="rId2">
+            <a:clrChange>
+              <a:clrFrom>
+                <a:srgbClr xmlns:mc="http://schemas.openxmlformats.org/markup-compatibility/2006" xmlns:a14="http://schemas.microsoft.com/office/drawing/2010/main" val="FFFFFF" mc:Ignorable=""/>
+              </a:clrFrom>
+              <a:clrTo>
+                <a:srgbClr xmlns:mc="http://schemas.openxmlformats.org/markup-compatibility/2006" xmlns:a14="http://schemas.microsoft.com/office/drawing/2010/main" val="FFFFFF" mc:Ignorable="">
+                  <a:alpha val="0"/>
+                </a:srgbClr>
+              </a:clrTo>
+            </a:clrChange>
+            <a:extLst>
+              <a:ext uri="{28A0092B-C50C-407E-A947-70E740481C1C}">
+                <a14:useLocalDpi xmlns:a14="http://schemas.microsoft.com/office/drawing/2010/main" val="0"/>
+              </a:ext>
+            </a:extLst>
+          </a:blip>
+          <a:stretch>
+            <a:fillRect/>
+          </a:stretch>
+        </p:blipFill>
+        <p:spPr>
+          <a:xfrm>
+            <a:off x="316495" y="1232756"/>
+            <a:ext cx="8373644" cy="4810797"/>
+          </a:xfrm>
+          <a:prstGeom prst="rect">
+            <a:avLst/>
+          </a:prstGeom>
+        </p:spPr>
+      </p:pic>
+    </p:spTree>
+    <p:extLst>
+      <p:ext uri="{BB962C8B-B14F-4D97-AF65-F5344CB8AC3E}">
+        <p14:creationId xmlns:p14="http://schemas.microsoft.com/office/powerpoint/2010/main" val="3352071423"/>
+      </p:ext>
+    </p:extLst>
+  </p:cSld>
+  <p:clrMapOvr>
+    <a:masterClrMapping/>
+  </p:clrMapOvr>
+  <p:timing>
+    <p:tnLst>
+      <p:par>
+        <p:cTn xmlns:p14="http://schemas.microsoft.com/office/powerpoint/2010/main" id="1" dur="indefinite" restart="never" nodeType="tmRoot"/>
+      </p:par>
+    </p:tnLst>
+  </p:timing>
+</p:sld>
+</file>
+
+<file path=ppt/slides/slide4.xml><?xml version="1.0" encoding="utf-8"?>
+<p:sld xmlns:a="http://schemas.openxmlformats.org/drawingml/2006/main" xmlns:r="http://schemas.openxmlformats.org/officeDocument/2006/relationships" xmlns:p="http://schemas.openxmlformats.org/presentationml/2006/main">
+  <p:cSld>
+    <p:spTree>
+      <p:nvGrpSpPr>
+        <p:cNvPr id="1" name=""/>
+        <p:cNvGrpSpPr/>
+        <p:nvPr/>
+      </p:nvGrpSpPr>
+      <p:grpSpPr>
+        <a:xfrm>
+          <a:off x="0" y="0"/>
+          <a:ext cx="0" cy="0"/>
+          <a:chOff x="0" y="0"/>
+          <a:chExt cx="0" cy="0"/>
+        </a:xfrm>
+      </p:grpSpPr>
+      <p:sp>
+        <p:nvSpPr>
+          <p:cNvPr id="2109" name="Rectangle 61"/>
+          <p:cNvSpPr>
+            <a:spLocks noChangeArrowheads="1"/>
+          </p:cNvSpPr>
+          <p:nvPr/>
+        </p:nvSpPr>
+        <p:spPr bwMode="auto">
+          <a:xfrm>
+            <a:off x="0" y="2085975"/>
+            <a:ext cx="9144000" cy="2438400"/>
+          </a:xfrm>
+          <a:prstGeom prst="rect">
+            <a:avLst/>
+          </a:prstGeom>
+          <a:solidFill>
+            <a:schemeClr val="accent1">
+              <a:alpha val="57001"/>
+            </a:schemeClr>
+          </a:solidFill>
+          <a:ln>
+            <a:noFill/>
+          </a:ln>
+          <a:effectLst/>
+          <a:extLst>
+            <a:ext uri="{91240B29-F687-4F45-9708-019B960494DF}">
+              <a14:hiddenLine xmlns:a14="http://schemas.microsoft.com/office/drawing/2010/main" w="9525">
+                <a:solidFill>
+                  <a:schemeClr val="tx1"/>
+                </a:solidFill>
+                <a:miter lim="800000"/>
+                <a:headEnd/>
+                <a:tailEnd/>
+              </a14:hiddenLine>
+            </a:ext>
+            <a:ext uri="{AF507438-7753-43E0-B8FC-AC1667EBCBE1}">
+              <a14:hiddenEffects xmlns:a14="http://schemas.microsoft.com/office/drawing/2010/main">
+                <a:effectLst>
+                  <a:outerShdw dist="35921" dir="2700000" algn="ctr" rotWithShape="0">
+                    <a:schemeClr val="bg2"/>
+                  </a:outerShdw>
+                </a:effectLst>
+              </a14:hiddenEffects>
+            </a:ext>
+          </a:extLst>
+        </p:spPr>
+        <p:txBody>
+          <a:bodyPr wrap="none" anchor="ctr"/>
+          <a:lstStyle/>
+          <a:p>
+            <a:endParaRPr lang="it-IT"/>
+          </a:p>
+        </p:txBody>
+      </p:sp>
+      <p:sp>
+        <p:nvSpPr>
+          <p:cNvPr id="2063" name="Text Box 15"/>
+          <p:cNvSpPr txBox="1">
+            <a:spLocks noChangeArrowheads="1"/>
+          </p:cNvSpPr>
+          <p:nvPr/>
+        </p:nvSpPr>
+        <p:spPr bwMode="auto">
+          <a:xfrm>
+            <a:off x="3870325" y="1719263"/>
+            <a:ext cx="184150" cy="366712"/>
+          </a:xfrm>
+          <a:prstGeom prst="rect">
+            <a:avLst/>
+          </a:prstGeom>
+          <a:noFill/>
+          <a:ln>
+            <a:noFill/>
+          </a:ln>
+          <a:effectLst/>
+          <a:extLst>
+            <a:ext uri="{909E8E84-426E-40DD-AFC4-6F175D3DCCD1}">
+              <a14:hiddenFill xmlns:a14="http://schemas.microsoft.com/office/drawing/2010/main">
+                <a:solidFill>
+                  <a:schemeClr val="accent1"/>
+                </a:solidFill>
+              </a14:hiddenFill>
+            </a:ext>
+            <a:ext uri="{91240B29-F687-4F45-9708-019B960494DF}">
+              <a14:hiddenLine xmlns:a14="http://schemas.microsoft.com/office/drawing/2010/main" w="9525">
+                <a:solidFill>
+                  <a:schemeClr val="tx1"/>
+                </a:solidFill>
+                <a:miter lim="800000"/>
+                <a:headEnd/>
+                <a:tailEnd/>
+              </a14:hiddenLine>
+            </a:ext>
+            <a:ext uri="{AF507438-7753-43E0-B8FC-AC1667EBCBE1}">
+              <a14:hiddenEffects xmlns:a14="http://schemas.microsoft.com/office/drawing/2010/main">
+                <a:effectLst>
+                  <a:outerShdw dist="35921" dir="2700000" algn="ctr" rotWithShape="0">
+                    <a:schemeClr val="bg2"/>
+                  </a:outerShdw>
+                </a:effectLst>
+              </a14:hiddenEffects>
+            </a:ext>
+          </a:extLst>
+        </p:spPr>
+        <p:txBody>
+          <a:bodyPr wrap="none">
+            <a:spAutoFit/>
+          </a:bodyPr>
+          <a:lstStyle/>
+          <a:p>
+            <a:endParaRPr lang="en-GB"/>
+          </a:p>
+        </p:txBody>
+      </p:sp>
+      <p:sp>
+        <p:nvSpPr>
+          <p:cNvPr id="2103" name="Text Box 55"/>
+          <p:cNvSpPr txBox="1">
+            <a:spLocks noChangeArrowheads="1"/>
+          </p:cNvSpPr>
+          <p:nvPr/>
+        </p:nvSpPr>
+        <p:spPr bwMode="auto">
+          <a:xfrm>
+            <a:off x="6626225" y="2116138"/>
+            <a:ext cx="2467342" cy="2554545"/>
+          </a:xfrm>
+          <a:prstGeom prst="rect">
+            <a:avLst/>
+          </a:prstGeom>
+          <a:noFill/>
+          <a:ln>
+            <a:noFill/>
+          </a:ln>
+          <a:effectLst/>
+          <a:extLst>
+            <a:ext uri="{909E8E84-426E-40DD-AFC4-6F175D3DCCD1}">
+              <a14:hiddenFill xmlns:a14="http://schemas.microsoft.com/office/drawing/2010/main">
+                <a:solidFill>
+                  <a:schemeClr val="accent1"/>
+                </a:solidFill>
+              </a14:hiddenFill>
+            </a:ext>
+            <a:ext uri="{91240B29-F687-4F45-9708-019B960494DF}">
+              <a14:hiddenLine xmlns:a14="http://schemas.microsoft.com/office/drawing/2010/main" w="9525">
+                <a:solidFill>
+                  <a:schemeClr val="tx1"/>
+                </a:solidFill>
+                <a:miter lim="800000"/>
+                <a:headEnd/>
+                <a:tailEnd/>
+              </a14:hiddenLine>
+            </a:ext>
+            <a:ext uri="{AF507438-7753-43E0-B8FC-AC1667EBCBE1}">
+              <a14:hiddenEffects xmlns:a14="http://schemas.microsoft.com/office/drawing/2010/main">
+                <a:effectLst>
+                  <a:outerShdw dist="35921" dir="2700000" algn="ctr" rotWithShape="0">
+                    <a:schemeClr val="bg2"/>
+                  </a:outerShdw>
+                </a:effectLst>
+              </a14:hiddenEffects>
+            </a:ext>
+          </a:extLst>
+        </p:spPr>
+        <p:txBody>
+          <a:bodyPr wrap="none">
+            <a:spAutoFit/>
+          </a:bodyPr>
+          <a:lstStyle/>
+          <a:p>
+            <a:r>
+              <a:rPr lang="en-US" sz="16000" b="1" dirty="0" smtClean="0">
+                <a:solidFill>
+                  <a:schemeClr val="bg1"/>
+                </a:solidFill>
+              </a:rPr>
+              <a:t>02</a:t>
+            </a:r>
+            <a:endParaRPr lang="en-US" dirty="0"/>
+          </a:p>
+        </p:txBody>
+      </p:sp>
+      <p:sp>
+        <p:nvSpPr>
+          <p:cNvPr id="2106" name="Text Box 58"/>
+          <p:cNvSpPr txBox="1">
+            <a:spLocks noChangeArrowheads="1"/>
+          </p:cNvSpPr>
+          <p:nvPr/>
+        </p:nvSpPr>
+        <p:spPr bwMode="auto">
+          <a:xfrm>
+            <a:off x="898525" y="3014663"/>
+            <a:ext cx="184150" cy="366712"/>
+          </a:xfrm>
+          <a:prstGeom prst="rect">
+            <a:avLst/>
+          </a:prstGeom>
+          <a:noFill/>
+          <a:ln>
+            <a:noFill/>
+          </a:ln>
+          <a:effectLst/>
+          <a:extLst>
+            <a:ext uri="{909E8E84-426E-40DD-AFC4-6F175D3DCCD1}">
+              <a14:hiddenFill xmlns:a14="http://schemas.microsoft.com/office/drawing/2010/main">
+                <a:solidFill>
+                  <a:schemeClr val="accent1"/>
+                </a:solidFill>
+              </a14:hiddenFill>
+            </a:ext>
+            <a:ext uri="{91240B29-F687-4F45-9708-019B960494DF}">
+              <a14:hiddenLine xmlns:a14="http://schemas.microsoft.com/office/drawing/2010/main" w="9525">
+                <a:solidFill>
+                  <a:schemeClr val="tx1"/>
+                </a:solidFill>
+                <a:miter lim="800000"/>
+                <a:headEnd/>
+                <a:tailEnd/>
+              </a14:hiddenLine>
+            </a:ext>
+            <a:ext uri="{AF507438-7753-43E0-B8FC-AC1667EBCBE1}">
+              <a14:hiddenEffects xmlns:a14="http://schemas.microsoft.com/office/drawing/2010/main">
+                <a:effectLst>
+                  <a:outerShdw dist="35921" dir="2700000" algn="ctr" rotWithShape="0">
+                    <a:schemeClr val="bg2"/>
+                  </a:outerShdw>
+                </a:effectLst>
+              </a14:hiddenEffects>
+            </a:ext>
+          </a:extLst>
+        </p:spPr>
+        <p:txBody>
+          <a:bodyPr wrap="none">
+            <a:spAutoFit/>
+          </a:bodyPr>
+          <a:lstStyle/>
+          <a:p>
+            <a:endParaRPr lang="en-GB"/>
+          </a:p>
+        </p:txBody>
+      </p:sp>
+      <p:sp>
+        <p:nvSpPr>
+          <p:cNvPr id="2108" name="Text Box 60"/>
+          <p:cNvSpPr txBox="1">
+            <a:spLocks noChangeArrowheads="1"/>
+          </p:cNvSpPr>
+          <p:nvPr/>
+        </p:nvSpPr>
+        <p:spPr bwMode="auto">
+          <a:xfrm>
+            <a:off x="167221" y="2286000"/>
+            <a:ext cx="8497887" cy="2416046"/>
+          </a:xfrm>
+          <a:prstGeom prst="rect">
+            <a:avLst/>
+          </a:prstGeom>
+          <a:noFill/>
+          <a:ln>
+            <a:noFill/>
+          </a:ln>
+          <a:effectLst/>
+          <a:extLst>
+            <a:ext uri="{909E8E84-426E-40DD-AFC4-6F175D3DCCD1}">
+              <a14:hiddenFill xmlns:a14="http://schemas.microsoft.com/office/drawing/2010/main">
+                <a:solidFill>
+                  <a:schemeClr val="bg1">
+                    <a:alpha val="59000"/>
+                  </a:schemeClr>
+                </a:solidFill>
+              </a14:hiddenFill>
+            </a:ext>
+            <a:ext uri="{91240B29-F687-4F45-9708-019B960494DF}">
+              <a14:hiddenLine xmlns:a14="http://schemas.microsoft.com/office/drawing/2010/main" w="9525">
+                <a:solidFill>
+                  <a:schemeClr val="tx1"/>
+                </a:solidFill>
+                <a:miter lim="800000"/>
+                <a:headEnd/>
+                <a:tailEnd/>
+              </a14:hiddenLine>
+            </a:ext>
+            <a:ext uri="{AF507438-7753-43E0-B8FC-AC1667EBCBE1}">
+              <a14:hiddenEffects xmlns:a14="http://schemas.microsoft.com/office/drawing/2010/main">
+                <a:effectLst>
+                  <a:outerShdw dist="35921" dir="2700000" algn="ctr" rotWithShape="0">
+                    <a:schemeClr val="bg2"/>
+                  </a:outerShdw>
+                </a:effectLst>
+              </a14:hiddenEffects>
+            </a:ext>
+          </a:extLst>
+        </p:spPr>
+        <p:txBody>
+          <a:bodyPr>
+            <a:spAutoFit/>
+          </a:bodyPr>
+          <a:lstStyle/>
+          <a:p>
+            <a:r>
+              <a:rPr lang="en-US" sz="8800" b="1" dirty="0" smtClean="0">
+                <a:solidFill>
                   <a:schemeClr val="bg1"/>
                 </a:solidFill>
                 <a:latin typeface="Arial Black" pitchFamily="96" charset="0"/>
@@ -39742,7 +39876,7 @@
 </p:sld>
 </file>
 
-<file path=ppt/slides/slide4.xml><?xml version="1.0" encoding="utf-8"?>
+<file path=ppt/slides/slide5.xml><?xml version="1.0" encoding="utf-8"?>
 <p:sld xmlns:a="http://schemas.openxmlformats.org/drawingml/2006/main" xmlns:r="http://schemas.openxmlformats.org/officeDocument/2006/relationships" xmlns:p="http://schemas.openxmlformats.org/presentationml/2006/main">
   <p:cSld>
     <p:spTree>
@@ -39926,7 +40060,7 @@
 </p:sld>
 </file>
 
-<file path=ppt/slides/slide5.xml><?xml version="1.0" encoding="utf-8"?>
+<file path=ppt/slides/slide6.xml><?xml version="1.0" encoding="utf-8"?>
 <p:sld xmlns:a="http://schemas.openxmlformats.org/drawingml/2006/main" xmlns:r="http://schemas.openxmlformats.org/officeDocument/2006/relationships" xmlns:p="http://schemas.openxmlformats.org/presentationml/2006/main">
   <p:cSld>
     <p:spTree>
@@ -40112,7 +40246,7 @@
 </p:sld>
 </file>
 
-<file path=ppt/slides/slide6.xml><?xml version="1.0" encoding="utf-8"?>
+<file path=ppt/slides/slide7.xml><?xml version="1.0" encoding="utf-8"?>
 <p:sld xmlns:a="http://schemas.openxmlformats.org/drawingml/2006/main" xmlns:r="http://schemas.openxmlformats.org/officeDocument/2006/relationships" xmlns:p="http://schemas.openxmlformats.org/presentationml/2006/main">
   <p:cSld>
     <p:spTree>
@@ -40296,7 +40430,7 @@
 </p:sld>
 </file>
 
-<file path=ppt/slides/slide7.xml><?xml version="1.0" encoding="utf-8"?>
+<file path=ppt/slides/slide8.xml><?xml version="1.0" encoding="utf-8"?>
 <p:sld xmlns:a="http://schemas.openxmlformats.org/drawingml/2006/main" xmlns:r="http://schemas.openxmlformats.org/officeDocument/2006/relationships" xmlns:p="http://schemas.openxmlformats.org/presentationml/2006/main">
   <p:cSld>
     <p:spTree>
@@ -40418,7 +40552,7 @@
 </p:sld>
 </file>
 
-<file path=ppt/slides/slide8.xml><?xml version="1.0" encoding="utf-8"?>
+<file path=ppt/slides/slide9.xml><?xml version="1.0" encoding="utf-8"?>
 <p:sld xmlns:a="http://schemas.openxmlformats.org/drawingml/2006/main" xmlns:r="http://schemas.openxmlformats.org/officeDocument/2006/relationships" xmlns:p="http://schemas.openxmlformats.org/presentationml/2006/main">
   <p:cSld>
     <p:spTree>
@@ -40793,140 +40927,6 @@
     <a:masterClrMapping/>
   </p:clrMapOvr>
   <p:transition xmlns:p14="http://schemas.microsoft.com/office/powerpoint/2010/main"/>
-  <p:timing>
-    <p:tnLst>
-      <p:par>
-        <p:cTn xmlns:p14="http://schemas.microsoft.com/office/powerpoint/2010/main" id="1" dur="indefinite" restart="never" nodeType="tmRoot"/>
-      </p:par>
-    </p:tnLst>
-  </p:timing>
-</p:sld>
-</file>
-
-<file path=ppt/slides/slide9.xml><?xml version="1.0" encoding="utf-8"?>
-<p:sld xmlns:a="http://schemas.openxmlformats.org/drawingml/2006/main" xmlns:r="http://schemas.openxmlformats.org/officeDocument/2006/relationships" xmlns:p="http://schemas.openxmlformats.org/presentationml/2006/main">
-  <p:cSld>
-    <p:spTree>
-      <p:nvGrpSpPr>
-        <p:cNvPr id="1" name=""/>
-        <p:cNvGrpSpPr/>
-        <p:nvPr/>
-      </p:nvGrpSpPr>
-      <p:grpSpPr>
-        <a:xfrm>
-          <a:off x="0" y="0"/>
-          <a:ext cx="0" cy="0"/>
-          <a:chOff x="0" y="0"/>
-          <a:chExt cx="0" cy="0"/>
-        </a:xfrm>
-      </p:grpSpPr>
-      <p:sp>
-        <p:nvSpPr>
-          <p:cNvPr id="2" name="Title 1"/>
-          <p:cNvSpPr>
-            <a:spLocks noGrp="1"/>
-          </p:cNvSpPr>
-          <p:nvPr>
-            <p:ph type="title"/>
-          </p:nvPr>
-        </p:nvSpPr>
-        <p:spPr/>
-        <p:txBody>
-          <a:bodyPr/>
-          <a:lstStyle/>
-          <a:p>
-            <a:r>
-              <a:rPr lang="it-IT" dirty="0" smtClean="0"/>
-              <a:t>Solo</a:t>
-            </a:r>
-            <a:endParaRPr lang="it-IT" dirty="0"/>
-          </a:p>
-        </p:txBody>
-      </p:sp>
-      <p:pic>
-        <p:nvPicPr>
-          <p:cNvPr id="6146" name="Picture 2"/>
-          <p:cNvPicPr>
-            <a:picLocks noGrp="1" noChangeAspect="1" noChangeArrowheads="1"/>
-          </p:cNvPicPr>
-          <p:nvPr>
-            <p:ph idx="1"/>
-          </p:nvPr>
-        </p:nvPicPr>
-        <p:blipFill rotWithShape="1">
-          <a:blip r:embed="rId2">
-            <a:clrChange>
-              <a:clrFrom>
-                <a:srgbClr xmlns:mc="http://schemas.openxmlformats.org/markup-compatibility/2006" xmlns:a14="http://schemas.microsoft.com/office/drawing/2010/main" val="FFFFFF" mc:Ignorable=""/>
-              </a:clrFrom>
-              <a:clrTo>
-                <a:srgbClr xmlns:mc="http://schemas.openxmlformats.org/markup-compatibility/2006" xmlns:a14="http://schemas.microsoft.com/office/drawing/2010/main" val="FFFFFF" mc:Ignorable="">
-                  <a:alpha val="0"/>
-                </a:srgbClr>
-              </a:clrTo>
-            </a:clrChange>
-            <a:extLst>
-              <a:ext uri="{28A0092B-C50C-407E-A947-70E740481C1C}">
-                <a14:useLocalDpi xmlns:a14="http://schemas.microsoft.com/office/drawing/2010/main" val="0"/>
-              </a:ext>
-            </a:extLst>
-          </a:blip>
-          <a:srcRect t="18288" r="26008" b="36108"/>
-          <a:stretch/>
-        </p:blipFill>
-        <p:spPr bwMode="auto">
-          <a:xfrm>
-            <a:off x="1583668" y="2193478"/>
-            <a:ext cx="6061028" cy="2019869"/>
-          </a:xfrm>
-          <a:prstGeom prst="rect">
-            <a:avLst/>
-          </a:prstGeom>
-          <a:noFill/>
-          <a:ln>
-            <a:noFill/>
-          </a:ln>
-          <a:effectLst/>
-          <a:extLst>
-            <a:ext uri="{909E8E84-426E-40DD-AFC4-6F175D3DCCD1}">
-              <a14:hiddenFill xmlns:a14="http://schemas.microsoft.com/office/drawing/2010/main">
-                <a:solidFill>
-                  <a:schemeClr val="accent1"/>
-                </a:solidFill>
-              </a14:hiddenFill>
-            </a:ext>
-            <a:ext uri="{91240B29-F687-4F45-9708-019B960494DF}">
-              <a14:hiddenLine xmlns:a14="http://schemas.microsoft.com/office/drawing/2010/main" w="9525">
-                <a:solidFill>
-                  <a:schemeClr val="tx1"/>
-                </a:solidFill>
-                <a:miter lim="800000"/>
-                <a:headEnd/>
-                <a:tailEnd/>
-              </a14:hiddenLine>
-            </a:ext>
-            <a:ext uri="{AF507438-7753-43E0-B8FC-AC1667EBCBE1}">
-              <a14:hiddenEffects xmlns:a14="http://schemas.microsoft.com/office/drawing/2010/main">
-                <a:effectLst>
-                  <a:outerShdw dist="35921" dir="2700000" algn="ctr" rotWithShape="0">
-                    <a:schemeClr val="bg2"/>
-                  </a:outerShdw>
-                </a:effectLst>
-              </a14:hiddenEffects>
-            </a:ext>
-          </a:extLst>
-        </p:spPr>
-      </p:pic>
-    </p:spTree>
-    <p:extLst>
-      <p:ext uri="{BB962C8B-B14F-4D97-AF65-F5344CB8AC3E}">
-        <p14:creationId xmlns:p14="http://schemas.microsoft.com/office/powerpoint/2010/main" val="867468032"/>
-      </p:ext>
-    </p:extLst>
-  </p:cSld>
-  <p:clrMapOvr>
-    <a:masterClrMapping/>
-  </p:clrMapOvr>
   <p:timing>
     <p:tnLst>
       <p:par>

--- a/dcvs.pptx
+++ b/dcvs.pptx
@@ -36526,7 +36526,11 @@
           <a:p>
             <a:r>
               <a:rPr lang="it-IT" dirty="0" smtClean="0"/>
-              <a:t>Human gatekeepr</a:t>
+              <a:t>Human </a:t>
+            </a:r>
+            <a:r>
+              <a:rPr lang="it-IT" dirty="0" smtClean="0"/>
+              <a:t>gatekeeper</a:t>
             </a:r>
             <a:endParaRPr lang="it-IT" dirty="0"/>
           </a:p>
